--- a/workshop.pptx
+++ b/workshop.pptx
@@ -5,7 +5,7 @@
     <p:sldMasterId id="2147483658" r:id="rId1"/>
   </p:sldMasterIdLst>
   <p:notesMasterIdLst>
-    <p:notesMasterId r:id="rId20"/>
+    <p:notesMasterId r:id="rId24"/>
   </p:notesMasterIdLst>
   <p:sldIdLst>
     <p:sldId id="256" r:id="rId2"/>
@@ -23,26 +23,30 @@
     <p:sldId id="292" r:id="rId14"/>
     <p:sldId id="298" r:id="rId15"/>
     <p:sldId id="295" r:id="rId16"/>
-    <p:sldId id="262" r:id="rId17"/>
-    <p:sldId id="299" r:id="rId18"/>
-    <p:sldId id="280" r:id="rId19"/>
+    <p:sldId id="268" r:id="rId17"/>
+    <p:sldId id="301" r:id="rId18"/>
+    <p:sldId id="302" r:id="rId19"/>
+    <p:sldId id="262" r:id="rId20"/>
+    <p:sldId id="299" r:id="rId21"/>
+    <p:sldId id="300" r:id="rId22"/>
+    <p:sldId id="280" r:id="rId23"/>
   </p:sldIdLst>
   <p:sldSz cx="9144000" cy="5143500" type="screen16x9"/>
   <p:notesSz cx="6858000" cy="9144000"/>
   <p:embeddedFontLst>
     <p:embeddedFont>
       <p:font typeface="Lora" panose="020B0604020202020204" charset="0"/>
-      <p:regular r:id="rId21"/>
-      <p:bold r:id="rId22"/>
-      <p:italic r:id="rId23"/>
-      <p:boldItalic r:id="rId24"/>
-    </p:embeddedFont>
-    <p:embeddedFont>
-      <p:font typeface="Quattrocento Sans" panose="020B0604020202020204" charset="0"/>
       <p:regular r:id="rId25"/>
       <p:bold r:id="rId26"/>
       <p:italic r:id="rId27"/>
       <p:boldItalic r:id="rId28"/>
+    </p:embeddedFont>
+    <p:embeddedFont>
+      <p:font typeface="Quattrocento Sans" panose="020B0604020202020204" charset="0"/>
+      <p:regular r:id="rId29"/>
+      <p:bold r:id="rId30"/>
+      <p:italic r:id="rId31"/>
+      <p:boldItalic r:id="rId32"/>
     </p:embeddedFont>
   </p:embeddedFontLst>
   <p:defaultTextStyle>
@@ -274,6 +278,11 @@
       </a:defRPr>
     </a:lvl9pPr>
   </p:defaultTextStyle>
+  <p:extLst>
+    <p:ext uri="{EFAFB233-063F-42B5-8137-9DF3F51BA10A}">
+      <p15:sldGuideLst xmlns:p15="http://schemas.microsoft.com/office/powerpoint/2012/main"/>
+    </p:ext>
+  </p:extLst>
 </p:presentation>
 </file>
 
@@ -1150,6 +1159,87 @@
 </file>
 
 <file path=ppt/notesSlides/notesSlide13.xml><?xml version="1.0" encoding="utf-8"?>
+<p:notes xmlns:a="http://schemas.openxmlformats.org/drawingml/2006/main" xmlns:r="http://schemas.openxmlformats.org/officeDocument/2006/relationships" xmlns:p="http://schemas.openxmlformats.org/presentationml/2006/main">
+  <p:cSld>
+    <p:spTree>
+      <p:nvGrpSpPr>
+        <p:cNvPr id="1" name=""/>
+        <p:cNvGrpSpPr/>
+        <p:nvPr/>
+      </p:nvGrpSpPr>
+      <p:grpSpPr>
+        <a:xfrm>
+          <a:off x="0" y="0"/>
+          <a:ext cx="0" cy="0"/>
+          <a:chOff x="0" y="0"/>
+          <a:chExt cx="0" cy="0"/>
+        </a:xfrm>
+      </p:grpSpPr>
+      <p:sp>
+        <p:nvSpPr>
+          <p:cNvPr id="2" name="Slide Image Placeholder 1"/>
+          <p:cNvSpPr>
+            <a:spLocks noGrp="1" noRot="1" noChangeAspect="1"/>
+          </p:cNvSpPr>
+          <p:nvPr>
+            <p:ph type="sldImg"/>
+          </p:nvPr>
+        </p:nvSpPr>
+        <p:spPr>
+          <a:xfrm>
+            <a:off x="381000" y="685800"/>
+            <a:ext cx="6096000" cy="3429000"/>
+          </a:xfrm>
+        </p:spPr>
+      </p:sp>
+      <p:sp>
+        <p:nvSpPr>
+          <p:cNvPr id="3" name="Notes Placeholder 2"/>
+          <p:cNvSpPr>
+            <a:spLocks noGrp="1"/>
+          </p:cNvSpPr>
+          <p:nvPr>
+            <p:ph type="body" idx="1"/>
+          </p:nvPr>
+        </p:nvSpPr>
+        <p:spPr/>
+        <p:txBody>
+          <a:bodyPr/>
+          <a:lstStyle/>
+          <a:p>
+            <a:r>
+              <a:rPr lang="en-US" dirty="0"/>
+              <a:t>The sequence is the heart of your task</a:t>
+            </a:r>
+          </a:p>
+          <a:p>
+            <a:r>
+              <a:rPr lang="en-US" dirty="0"/>
+              <a:t>Each element in the script represents a full interaction (mini game?)</a:t>
+            </a:r>
+          </a:p>
+          <a:p>
+            <a:r>
+              <a:rPr lang="en-US" dirty="0"/>
+              <a:t>We will focus on building a time sensitive task.</a:t>
+            </a:r>
+          </a:p>
+        </p:txBody>
+      </p:sp>
+    </p:spTree>
+    <p:extLst>
+      <p:ext uri="{BB962C8B-B14F-4D97-AF65-F5344CB8AC3E}">
+        <p14:creationId xmlns:p14="http://schemas.microsoft.com/office/powerpoint/2010/main" val="247591060"/>
+      </p:ext>
+    </p:extLst>
+  </p:cSld>
+  <p:clrMapOvr>
+    <a:masterClrMapping/>
+  </p:clrMapOvr>
+</p:notes>
+</file>
+
+<file path=ppt/notesSlides/notesSlide14.xml><?xml version="1.0" encoding="utf-8"?>
 <p:notes xmlns:a="http://schemas.openxmlformats.org/drawingml/2006/main" xmlns:r="http://schemas.openxmlformats.org/officeDocument/2006/relationships" xmlns:p="http://schemas.openxmlformats.org/presentationml/2006/main" showMasterSp="0" showMasterPhAnim="0">
   <p:cSld>
     <p:spTree>
@@ -1258,7 +1348,363 @@
 </p:notes>
 </file>
 
-<file path=ppt/notesSlides/notesSlide14.xml><?xml version="1.0" encoding="utf-8"?>
+<file path=ppt/notesSlides/notesSlide15.xml><?xml version="1.0" encoding="utf-8"?>
+<p:notes xmlns:a="http://schemas.openxmlformats.org/drawingml/2006/main" xmlns:r="http://schemas.openxmlformats.org/officeDocument/2006/relationships" xmlns:p="http://schemas.openxmlformats.org/presentationml/2006/main" showMasterSp="0" showMasterPhAnim="0">
+  <p:cSld>
+    <p:spTree>
+      <p:nvGrpSpPr>
+        <p:cNvPr id="1" name="Shape 216"/>
+        <p:cNvGrpSpPr/>
+        <p:nvPr/>
+      </p:nvGrpSpPr>
+      <p:grpSpPr>
+        <a:xfrm>
+          <a:off x="0" y="0"/>
+          <a:ext cx="0" cy="0"/>
+          <a:chOff x="0" y="0"/>
+          <a:chExt cx="0" cy="0"/>
+        </a:xfrm>
+      </p:grpSpPr>
+      <p:sp>
+        <p:nvSpPr>
+          <p:cNvPr id="217" name="Google Shape;217;gd206c3cb3_273_0:notes"/>
+          <p:cNvSpPr>
+            <a:spLocks noGrp="1" noRot="1" noChangeAspect="1"/>
+          </p:cNvSpPr>
+          <p:nvPr>
+            <p:ph type="sldImg" idx="2"/>
+          </p:nvPr>
+        </p:nvSpPr>
+        <p:spPr>
+          <a:xfrm>
+            <a:off x="381000" y="685800"/>
+            <a:ext cx="6096000" cy="3429000"/>
+          </a:xfrm>
+          <a:custGeom>
+            <a:avLst/>
+            <a:gdLst/>
+            <a:ahLst/>
+            <a:cxnLst/>
+            <a:rect l="l" t="t" r="r" b="b"/>
+            <a:pathLst>
+              <a:path w="120000" h="120000" extrusionOk="0">
+                <a:moveTo>
+                  <a:pt x="0" y="0"/>
+                </a:moveTo>
+                <a:lnTo>
+                  <a:pt x="120000" y="0"/>
+                </a:lnTo>
+                <a:lnTo>
+                  <a:pt x="120000" y="120000"/>
+                </a:lnTo>
+                <a:lnTo>
+                  <a:pt x="0" y="120000"/>
+                </a:lnTo>
+                <a:close/>
+              </a:path>
+            </a:pathLst>
+          </a:custGeom>
+        </p:spPr>
+      </p:sp>
+      <p:sp>
+        <p:nvSpPr>
+          <p:cNvPr id="218" name="Google Shape;218;gd206c3cb3_273_0:notes"/>
+          <p:cNvSpPr txBox="1">
+            <a:spLocks noGrp="1"/>
+          </p:cNvSpPr>
+          <p:nvPr>
+            <p:ph type="body" idx="1"/>
+          </p:nvPr>
+        </p:nvSpPr>
+        <p:spPr>
+          <a:xfrm>
+            <a:off x="685800" y="4343400"/>
+            <a:ext cx="5486400" cy="4114800"/>
+          </a:xfrm>
+          <a:prstGeom prst="rect">
+            <a:avLst/>
+          </a:prstGeom>
+        </p:spPr>
+        <p:txBody>
+          <a:bodyPr spcFirstLastPara="1" wrap="square" lIns="91425" tIns="91425" rIns="91425" bIns="91425" anchor="t" anchorCtr="0">
+            <a:noAutofit/>
+          </a:bodyPr>
+          <a:lstStyle/>
+          <a:p>
+            <a:pPr marL="0" lvl="0" indent="0" algn="l" rtl="0">
+              <a:spcBef>
+                <a:spcPts val="0"/>
+              </a:spcBef>
+              <a:spcAft>
+                <a:spcPts val="0"/>
+              </a:spcAft>
+              <a:buNone/>
+            </a:pPr>
+            <a:r>
+              <a:rPr lang="en-US" dirty="0"/>
+              <a:t>Explain events (begin, user, timeout)</a:t>
+            </a:r>
+          </a:p>
+          <a:p>
+            <a:pPr marL="0" lvl="0" indent="0" algn="l" rtl="0">
+              <a:spcBef>
+                <a:spcPts val="0"/>
+              </a:spcBef>
+              <a:spcAft>
+                <a:spcPts val="0"/>
+              </a:spcAft>
+              <a:buNone/>
+            </a:pPr>
+            <a:r>
+              <a:rPr lang="en-US" dirty="0"/>
+              <a:t>Conditions (event type, state)</a:t>
+            </a:r>
+          </a:p>
+          <a:p>
+            <a:pPr marL="0" lvl="0" indent="0" algn="l" rtl="0">
+              <a:spcBef>
+                <a:spcPts val="0"/>
+              </a:spcBef>
+              <a:spcAft>
+                <a:spcPts val="0"/>
+              </a:spcAft>
+              <a:buNone/>
+            </a:pPr>
+            <a:r>
+              <a:rPr lang="en-US" dirty="0"/>
+              <a:t>Actions (show, hide, end etc.)</a:t>
+            </a:r>
+            <a:endParaRPr dirty="0"/>
+          </a:p>
+        </p:txBody>
+      </p:sp>
+    </p:spTree>
+  </p:cSld>
+  <p:clrMapOvr>
+    <a:masterClrMapping/>
+  </p:clrMapOvr>
+</p:notes>
+</file>
+
+<file path=ppt/notesSlides/notesSlide16.xml><?xml version="1.0" encoding="utf-8"?>
+<p:notes xmlns:a="http://schemas.openxmlformats.org/drawingml/2006/main" xmlns:r="http://schemas.openxmlformats.org/officeDocument/2006/relationships" xmlns:p="http://schemas.openxmlformats.org/presentationml/2006/main" showMasterSp="0" showMasterPhAnim="0">
+  <p:cSld>
+    <p:spTree>
+      <p:nvGrpSpPr>
+        <p:cNvPr id="1" name="Shape 106"/>
+        <p:cNvGrpSpPr/>
+        <p:nvPr/>
+      </p:nvGrpSpPr>
+      <p:grpSpPr>
+        <a:xfrm>
+          <a:off x="0" y="0"/>
+          <a:ext cx="0" cy="0"/>
+          <a:chOff x="0" y="0"/>
+          <a:chExt cx="0" cy="0"/>
+        </a:xfrm>
+      </p:grpSpPr>
+      <p:sp>
+        <p:nvSpPr>
+          <p:cNvPr id="107" name="Google Shape;107;g35f391192_029:notes"/>
+          <p:cNvSpPr>
+            <a:spLocks noGrp="1" noRot="1" noChangeAspect="1"/>
+          </p:cNvSpPr>
+          <p:nvPr>
+            <p:ph type="sldImg" idx="2"/>
+          </p:nvPr>
+        </p:nvSpPr>
+        <p:spPr>
+          <a:xfrm>
+            <a:off x="381000" y="685800"/>
+            <a:ext cx="6096000" cy="3429000"/>
+          </a:xfrm>
+          <a:custGeom>
+            <a:avLst/>
+            <a:gdLst/>
+            <a:ahLst/>
+            <a:cxnLst/>
+            <a:rect l="l" t="t" r="r" b="b"/>
+            <a:pathLst>
+              <a:path w="120000" h="120000" extrusionOk="0">
+                <a:moveTo>
+                  <a:pt x="0" y="0"/>
+                </a:moveTo>
+                <a:lnTo>
+                  <a:pt x="120000" y="0"/>
+                </a:lnTo>
+                <a:lnTo>
+                  <a:pt x="120000" y="120000"/>
+                </a:lnTo>
+                <a:lnTo>
+                  <a:pt x="0" y="120000"/>
+                </a:lnTo>
+                <a:close/>
+              </a:path>
+            </a:pathLst>
+          </a:custGeom>
+        </p:spPr>
+      </p:sp>
+      <p:sp>
+        <p:nvSpPr>
+          <p:cNvPr id="108" name="Google Shape;108;g35f391192_029:notes"/>
+          <p:cNvSpPr txBox="1">
+            <a:spLocks noGrp="1"/>
+          </p:cNvSpPr>
+          <p:nvPr>
+            <p:ph type="body" idx="1"/>
+          </p:nvPr>
+        </p:nvSpPr>
+        <p:spPr>
+          <a:xfrm>
+            <a:off x="685800" y="4343400"/>
+            <a:ext cx="5486400" cy="4114800"/>
+          </a:xfrm>
+          <a:prstGeom prst="rect">
+            <a:avLst/>
+          </a:prstGeom>
+        </p:spPr>
+        <p:txBody>
+          <a:bodyPr spcFirstLastPara="1" wrap="square" lIns="91425" tIns="91425" rIns="91425" bIns="91425" anchor="t" anchorCtr="0">
+            <a:noAutofit/>
+          </a:bodyPr>
+          <a:lstStyle/>
+          <a:p>
+            <a:pPr marL="0" lvl="0" indent="0" algn="l" rtl="0">
+              <a:spcBef>
+                <a:spcPts val="0"/>
+              </a:spcBef>
+              <a:spcAft>
+                <a:spcPts val="0"/>
+              </a:spcAft>
+              <a:buNone/>
+            </a:pPr>
+            <a:endParaRPr/>
+          </a:p>
+        </p:txBody>
+      </p:sp>
+    </p:spTree>
+    <p:extLst>
+      <p:ext uri="{BB962C8B-B14F-4D97-AF65-F5344CB8AC3E}">
+        <p14:creationId xmlns:p14="http://schemas.microsoft.com/office/powerpoint/2010/main" val="322963778"/>
+      </p:ext>
+    </p:extLst>
+  </p:cSld>
+  <p:clrMapOvr>
+    <a:masterClrMapping/>
+  </p:clrMapOvr>
+</p:notes>
+</file>
+
+<file path=ppt/notesSlides/notesSlide17.xml><?xml version="1.0" encoding="utf-8"?>
+<p:notes xmlns:a="http://schemas.openxmlformats.org/drawingml/2006/main" xmlns:r="http://schemas.openxmlformats.org/officeDocument/2006/relationships" xmlns:p="http://schemas.openxmlformats.org/presentationml/2006/main" showMasterSp="0" showMasterPhAnim="0">
+  <p:cSld>
+    <p:spTree>
+      <p:nvGrpSpPr>
+        <p:cNvPr id="1" name="Shape 120"/>
+        <p:cNvGrpSpPr/>
+        <p:nvPr/>
+      </p:nvGrpSpPr>
+      <p:grpSpPr>
+        <a:xfrm>
+          <a:off x="0" y="0"/>
+          <a:ext cx="0" cy="0"/>
+          <a:chOff x="0" y="0"/>
+          <a:chExt cx="0" cy="0"/>
+        </a:xfrm>
+      </p:grpSpPr>
+      <p:sp>
+        <p:nvSpPr>
+          <p:cNvPr id="121" name="Google Shape;121;p:notes"/>
+          <p:cNvSpPr>
+            <a:spLocks noGrp="1" noRot="1" noChangeAspect="1"/>
+          </p:cNvSpPr>
+          <p:nvPr>
+            <p:ph type="sldImg" idx="2"/>
+          </p:nvPr>
+        </p:nvSpPr>
+        <p:spPr>
+          <a:xfrm>
+            <a:off x="381000" y="685800"/>
+            <a:ext cx="6096000" cy="3429000"/>
+          </a:xfrm>
+          <a:custGeom>
+            <a:avLst/>
+            <a:gdLst/>
+            <a:ahLst/>
+            <a:cxnLst/>
+            <a:rect l="l" t="t" r="r" b="b"/>
+            <a:pathLst>
+              <a:path w="120000" h="120000" extrusionOk="0">
+                <a:moveTo>
+                  <a:pt x="0" y="0"/>
+                </a:moveTo>
+                <a:lnTo>
+                  <a:pt x="120000" y="0"/>
+                </a:lnTo>
+                <a:lnTo>
+                  <a:pt x="120000" y="120000"/>
+                </a:lnTo>
+                <a:lnTo>
+                  <a:pt x="0" y="120000"/>
+                </a:lnTo>
+                <a:close/>
+              </a:path>
+            </a:pathLst>
+          </a:custGeom>
+        </p:spPr>
+      </p:sp>
+      <p:sp>
+        <p:nvSpPr>
+          <p:cNvPr id="122" name="Google Shape;122;p:notes"/>
+          <p:cNvSpPr txBox="1">
+            <a:spLocks noGrp="1"/>
+          </p:cNvSpPr>
+          <p:nvPr>
+            <p:ph type="body" idx="1"/>
+          </p:nvPr>
+        </p:nvSpPr>
+        <p:spPr>
+          <a:xfrm>
+            <a:off x="685800" y="4343400"/>
+            <a:ext cx="5486400" cy="4114800"/>
+          </a:xfrm>
+          <a:prstGeom prst="rect">
+            <a:avLst/>
+          </a:prstGeom>
+        </p:spPr>
+        <p:txBody>
+          <a:bodyPr spcFirstLastPara="1" wrap="square" lIns="91425" tIns="91425" rIns="91425" bIns="91425" anchor="t" anchorCtr="0">
+            <a:noAutofit/>
+          </a:bodyPr>
+          <a:lstStyle/>
+          <a:p>
+            <a:pPr marL="0" lvl="0" indent="0" algn="l" rtl="0">
+              <a:spcBef>
+                <a:spcPts val="0"/>
+              </a:spcBef>
+              <a:spcAft>
+                <a:spcPts val="0"/>
+              </a:spcAft>
+              <a:buNone/>
+            </a:pPr>
+            <a:endParaRPr/>
+          </a:p>
+        </p:txBody>
+      </p:sp>
+    </p:spTree>
+    <p:extLst>
+      <p:ext uri="{BB962C8B-B14F-4D97-AF65-F5344CB8AC3E}">
+        <p14:creationId xmlns:p14="http://schemas.microsoft.com/office/powerpoint/2010/main" val="77858734"/>
+      </p:ext>
+    </p:extLst>
+  </p:cSld>
+  <p:clrMapOvr>
+    <a:masterClrMapping/>
+  </p:clrMapOvr>
+</p:notes>
+</file>
+
+<file path=ppt/notesSlides/notesSlide18.xml><?xml version="1.0" encoding="utf-8"?>
 <p:notes xmlns:a="http://schemas.openxmlformats.org/drawingml/2006/main" xmlns:r="http://schemas.openxmlformats.org/officeDocument/2006/relationships" xmlns:p="http://schemas.openxmlformats.org/presentationml/2006/main" showMasterSp="0" showMasterPhAnim="0">
   <p:cSld>
     <p:spTree>
@@ -1350,7 +1796,138 @@
               </a:spcAft>
               <a:buNone/>
             </a:pPr>
-            <a:endParaRPr/>
+            <a:r>
+              <a:rPr lang="en-US" dirty="0"/>
+              <a:t>A sorting task: categorizing good or bad words</a:t>
+            </a:r>
+          </a:p>
+          <a:p>
+            <a:pPr marL="228600" lvl="0" indent="-228600" algn="l" rtl="0">
+              <a:spcBef>
+                <a:spcPts val="0"/>
+              </a:spcBef>
+              <a:spcAft>
+                <a:spcPts val="0"/>
+              </a:spcAft>
+              <a:buAutoNum type="arabicPeriod"/>
+            </a:pPr>
+            <a:endParaRPr lang="en-US" dirty="0"/>
+          </a:p>
+          <a:p>
+            <a:pPr marL="228600" lvl="0" indent="-228600" algn="l" rtl="0">
+              <a:spcBef>
+                <a:spcPts val="0"/>
+              </a:spcBef>
+              <a:spcAft>
+                <a:spcPts val="0"/>
+              </a:spcAft>
+              <a:buAutoNum type="arabicPeriod"/>
+            </a:pPr>
+            <a:endParaRPr lang="en-US" dirty="0"/>
+          </a:p>
+          <a:p>
+            <a:pPr marL="228600" lvl="0" indent="-228600" algn="l" rtl="0">
+              <a:spcBef>
+                <a:spcPts val="0"/>
+              </a:spcBef>
+              <a:spcAft>
+                <a:spcPts val="0"/>
+              </a:spcAft>
+              <a:buAutoNum type="arabicPeriod"/>
+            </a:pPr>
+            <a:r>
+              <a:rPr lang="en-US" dirty="0"/>
+              <a:t>Show stimulus on screen (stimuli + first action)</a:t>
+            </a:r>
+          </a:p>
+          <a:p>
+            <a:pPr marL="228600" lvl="0" indent="-228600" algn="l" rtl="0">
+              <a:spcBef>
+                <a:spcPts val="0"/>
+              </a:spcBef>
+              <a:spcAft>
+                <a:spcPts val="0"/>
+              </a:spcAft>
+              <a:buAutoNum type="arabicPeriod"/>
+            </a:pPr>
+            <a:r>
+              <a:rPr lang="en-US" dirty="0"/>
+              <a:t>Add layout (more stimuli – this time with position)</a:t>
+            </a:r>
+          </a:p>
+          <a:p>
+            <a:pPr marL="228600" lvl="0" indent="-228600" algn="l" rtl="0">
+              <a:spcBef>
+                <a:spcPts val="0"/>
+              </a:spcBef>
+              <a:spcAft>
+                <a:spcPts val="0"/>
+              </a:spcAft>
+              <a:buAutoNum type="arabicPeriod"/>
+            </a:pPr>
+            <a:r>
+              <a:rPr lang="en-US" dirty="0"/>
+              <a:t>Add listeners (input + </a:t>
+            </a:r>
+            <a:r>
+              <a:rPr lang="en-US" dirty="0" err="1"/>
+              <a:t>inputEquals</a:t>
+            </a:r>
+            <a:r>
+              <a:rPr lang="en-US" dirty="0"/>
+              <a:t>)</a:t>
+            </a:r>
+          </a:p>
+          <a:p>
+            <a:pPr marL="228600" lvl="0" indent="-228600" algn="l" rtl="0">
+              <a:spcBef>
+                <a:spcPts val="0"/>
+              </a:spcBef>
+              <a:spcAft>
+                <a:spcPts val="0"/>
+              </a:spcAft>
+              <a:buAutoNum type="arabicPeriod"/>
+            </a:pPr>
+            <a:r>
+              <a:rPr lang="en-US" dirty="0"/>
+              <a:t>Hide stimulus after 1000ms (trigger)</a:t>
+            </a:r>
+          </a:p>
+          <a:p>
+            <a:pPr marL="228600" lvl="0" indent="-228600" algn="l" rtl="0">
+              <a:spcBef>
+                <a:spcPts val="0"/>
+              </a:spcBef>
+              <a:spcAft>
+                <a:spcPts val="0"/>
+              </a:spcAft>
+              <a:buAutoNum type="arabicPeriod"/>
+            </a:pPr>
+            <a:endParaRPr lang="en-US" dirty="0"/>
+          </a:p>
+          <a:p>
+            <a:pPr marL="228600" lvl="0" indent="-228600" algn="l" rtl="0">
+              <a:spcBef>
+                <a:spcPts val="0"/>
+              </a:spcBef>
+              <a:spcAft>
+                <a:spcPts val="0"/>
+              </a:spcAft>
+              <a:buAutoNum type="arabicPeriod"/>
+            </a:pPr>
+            <a:endParaRPr lang="en-US" dirty="0"/>
+          </a:p>
+          <a:p>
+            <a:pPr marL="228600" lvl="0" indent="-228600" algn="l" rtl="0">
+              <a:spcBef>
+                <a:spcPts val="0"/>
+              </a:spcBef>
+              <a:spcAft>
+                <a:spcPts val="0"/>
+              </a:spcAft>
+              <a:buAutoNum type="arabicPeriod"/>
+            </a:pPr>
+            <a:endParaRPr dirty="0"/>
           </a:p>
         </p:txBody>
       </p:sp>
@@ -1362,7 +1939,7 @@
 </p:notes>
 </file>
 
-<file path=ppt/notesSlides/notesSlide15.xml><?xml version="1.0" encoding="utf-8"?>
+<file path=ppt/notesSlides/notesSlide19.xml><?xml version="1.0" encoding="utf-8"?>
 <p:notes xmlns:a="http://schemas.openxmlformats.org/drawingml/2006/main" xmlns:r="http://schemas.openxmlformats.org/officeDocument/2006/relationships" xmlns:p="http://schemas.openxmlformats.org/presentationml/2006/main" showMasterSp="0" showMasterPhAnim="0">
   <p:cSld>
     <p:spTree>
@@ -1471,110 +2048,6 @@
 </p:notes>
 </file>
 
-<file path=ppt/notesSlides/notesSlide16.xml><?xml version="1.0" encoding="utf-8"?>
-<p:notes xmlns:a="http://schemas.openxmlformats.org/drawingml/2006/main" xmlns:r="http://schemas.openxmlformats.org/officeDocument/2006/relationships" xmlns:p="http://schemas.openxmlformats.org/presentationml/2006/main" showMasterSp="0" showMasterPhAnim="0">
-  <p:cSld>
-    <p:spTree>
-      <p:nvGrpSpPr>
-        <p:cNvPr id="1" name="Shape 390"/>
-        <p:cNvGrpSpPr/>
-        <p:nvPr/>
-      </p:nvGrpSpPr>
-      <p:grpSpPr>
-        <a:xfrm>
-          <a:off x="0" y="0"/>
-          <a:ext cx="0" cy="0"/>
-          <a:chOff x="0" y="0"/>
-          <a:chExt cx="0" cy="0"/>
-        </a:xfrm>
-      </p:grpSpPr>
-      <p:sp>
-        <p:nvSpPr>
-          <p:cNvPr id="391" name="Google Shape;391;g35ed75ccf_022:notes"/>
-          <p:cNvSpPr>
-            <a:spLocks noGrp="1" noRot="1" noChangeAspect="1"/>
-          </p:cNvSpPr>
-          <p:nvPr>
-            <p:ph type="sldImg" idx="2"/>
-          </p:nvPr>
-        </p:nvSpPr>
-        <p:spPr>
-          <a:xfrm>
-            <a:off x="381000" y="685800"/>
-            <a:ext cx="6096000" cy="3429000"/>
-          </a:xfrm>
-          <a:custGeom>
-            <a:avLst/>
-            <a:gdLst/>
-            <a:ahLst/>
-            <a:cxnLst/>
-            <a:rect l="l" t="t" r="r" b="b"/>
-            <a:pathLst>
-              <a:path w="120000" h="120000" extrusionOk="0">
-                <a:moveTo>
-                  <a:pt x="0" y="0"/>
-                </a:moveTo>
-                <a:lnTo>
-                  <a:pt x="120000" y="0"/>
-                </a:lnTo>
-                <a:lnTo>
-                  <a:pt x="120000" y="120000"/>
-                </a:lnTo>
-                <a:lnTo>
-                  <a:pt x="0" y="120000"/>
-                </a:lnTo>
-                <a:close/>
-              </a:path>
-            </a:pathLst>
-          </a:custGeom>
-        </p:spPr>
-      </p:sp>
-      <p:sp>
-        <p:nvSpPr>
-          <p:cNvPr id="392" name="Google Shape;392;g35ed75ccf_022:notes"/>
-          <p:cNvSpPr txBox="1">
-            <a:spLocks noGrp="1"/>
-          </p:cNvSpPr>
-          <p:nvPr>
-            <p:ph type="body" idx="1"/>
-          </p:nvPr>
-        </p:nvSpPr>
-        <p:spPr>
-          <a:xfrm>
-            <a:off x="685800" y="4343400"/>
-            <a:ext cx="5486400" cy="4114800"/>
-          </a:xfrm>
-          <a:prstGeom prst="rect">
-            <a:avLst/>
-          </a:prstGeom>
-        </p:spPr>
-        <p:txBody>
-          <a:bodyPr spcFirstLastPara="1" wrap="square" lIns="91425" tIns="91425" rIns="91425" bIns="91425" anchor="t" anchorCtr="0">
-            <a:noAutofit/>
-          </a:bodyPr>
-          <a:lstStyle/>
-          <a:p>
-            <a:pPr marL="0" lvl="0" indent="0" algn="l" rtl="0">
-              <a:spcBef>
-                <a:spcPts val="0"/>
-              </a:spcBef>
-              <a:spcAft>
-                <a:spcPts val="0"/>
-              </a:spcAft>
-              <a:buNone/>
-            </a:pPr>
-            <a:endParaRPr/>
-          </a:p>
-        </p:txBody>
-      </p:sp>
-    </p:spTree>
-  </p:cSld>
-  <p:clrMapOvr>
-    <a:masterClrMapping/>
-  </p:clrMapOvr>
-</p:notes>
-</file>
-
 <file path=ppt/notesSlides/notesSlide2.xml><?xml version="1.0" encoding="utf-8"?>
 <p:notes xmlns:a="http://schemas.openxmlformats.org/drawingml/2006/main" xmlns:r="http://schemas.openxmlformats.org/officeDocument/2006/relationships" xmlns:p="http://schemas.openxmlformats.org/presentationml/2006/main" showMasterSp="0" showMasterPhAnim="0">
   <p:cSld>
@@ -1636,6 +2109,219 @@
       <p:sp>
         <p:nvSpPr>
           <p:cNvPr id="98" name="Google Shape;98;g35f391192_04:notes"/>
+          <p:cNvSpPr txBox="1">
+            <a:spLocks noGrp="1"/>
+          </p:cNvSpPr>
+          <p:nvPr>
+            <p:ph type="body" idx="1"/>
+          </p:nvPr>
+        </p:nvSpPr>
+        <p:spPr>
+          <a:xfrm>
+            <a:off x="685800" y="4343400"/>
+            <a:ext cx="5486400" cy="4114800"/>
+          </a:xfrm>
+          <a:prstGeom prst="rect">
+            <a:avLst/>
+          </a:prstGeom>
+        </p:spPr>
+        <p:txBody>
+          <a:bodyPr spcFirstLastPara="1" wrap="square" lIns="91425" tIns="91425" rIns="91425" bIns="91425" anchor="t" anchorCtr="0">
+            <a:noAutofit/>
+          </a:bodyPr>
+          <a:lstStyle/>
+          <a:p>
+            <a:pPr marL="0" lvl="0" indent="0" algn="l" rtl="0">
+              <a:spcBef>
+                <a:spcPts val="0"/>
+              </a:spcBef>
+              <a:spcAft>
+                <a:spcPts val="0"/>
+              </a:spcAft>
+              <a:buNone/>
+            </a:pPr>
+            <a:endParaRPr/>
+          </a:p>
+        </p:txBody>
+      </p:sp>
+    </p:spTree>
+  </p:cSld>
+  <p:clrMapOvr>
+    <a:masterClrMapping/>
+  </p:clrMapOvr>
+</p:notes>
+</file>
+
+<file path=ppt/notesSlides/notesSlide20.xml><?xml version="1.0" encoding="utf-8"?>
+<p:notes xmlns:a="http://schemas.openxmlformats.org/drawingml/2006/main" xmlns:r="http://schemas.openxmlformats.org/officeDocument/2006/relationships" xmlns:p="http://schemas.openxmlformats.org/presentationml/2006/main" showMasterSp="0" showMasterPhAnim="0">
+  <p:cSld>
+    <p:spTree>
+      <p:nvGrpSpPr>
+        <p:cNvPr id="1" name="Shape 120"/>
+        <p:cNvGrpSpPr/>
+        <p:nvPr/>
+      </p:nvGrpSpPr>
+      <p:grpSpPr>
+        <a:xfrm>
+          <a:off x="0" y="0"/>
+          <a:ext cx="0" cy="0"/>
+          <a:chOff x="0" y="0"/>
+          <a:chExt cx="0" cy="0"/>
+        </a:xfrm>
+      </p:grpSpPr>
+      <p:sp>
+        <p:nvSpPr>
+          <p:cNvPr id="121" name="Google Shape;121;p:notes"/>
+          <p:cNvSpPr>
+            <a:spLocks noGrp="1" noRot="1" noChangeAspect="1"/>
+          </p:cNvSpPr>
+          <p:nvPr>
+            <p:ph type="sldImg" idx="2"/>
+          </p:nvPr>
+        </p:nvSpPr>
+        <p:spPr>
+          <a:xfrm>
+            <a:off x="381000" y="685800"/>
+            <a:ext cx="6096000" cy="3429000"/>
+          </a:xfrm>
+          <a:custGeom>
+            <a:avLst/>
+            <a:gdLst/>
+            <a:ahLst/>
+            <a:cxnLst/>
+            <a:rect l="l" t="t" r="r" b="b"/>
+            <a:pathLst>
+              <a:path w="120000" h="120000" extrusionOk="0">
+                <a:moveTo>
+                  <a:pt x="0" y="0"/>
+                </a:moveTo>
+                <a:lnTo>
+                  <a:pt x="120000" y="0"/>
+                </a:lnTo>
+                <a:lnTo>
+                  <a:pt x="120000" y="120000"/>
+                </a:lnTo>
+                <a:lnTo>
+                  <a:pt x="0" y="120000"/>
+                </a:lnTo>
+                <a:close/>
+              </a:path>
+            </a:pathLst>
+          </a:custGeom>
+        </p:spPr>
+      </p:sp>
+      <p:sp>
+        <p:nvSpPr>
+          <p:cNvPr id="122" name="Google Shape;122;p:notes"/>
+          <p:cNvSpPr txBox="1">
+            <a:spLocks noGrp="1"/>
+          </p:cNvSpPr>
+          <p:nvPr>
+            <p:ph type="body" idx="1"/>
+          </p:nvPr>
+        </p:nvSpPr>
+        <p:spPr>
+          <a:xfrm>
+            <a:off x="685800" y="4343400"/>
+            <a:ext cx="5486400" cy="4114800"/>
+          </a:xfrm>
+          <a:prstGeom prst="rect">
+            <a:avLst/>
+          </a:prstGeom>
+        </p:spPr>
+        <p:txBody>
+          <a:bodyPr spcFirstLastPara="1" wrap="square" lIns="91425" tIns="91425" rIns="91425" bIns="91425" anchor="t" anchorCtr="0">
+            <a:noAutofit/>
+          </a:bodyPr>
+          <a:lstStyle/>
+          <a:p>
+            <a:pPr marL="0" lvl="0" indent="0" algn="l" rtl="0">
+              <a:spcBef>
+                <a:spcPts val="0"/>
+              </a:spcBef>
+              <a:spcAft>
+                <a:spcPts val="0"/>
+              </a:spcAft>
+              <a:buNone/>
+            </a:pPr>
+            <a:endParaRPr/>
+          </a:p>
+        </p:txBody>
+      </p:sp>
+    </p:spTree>
+    <p:extLst>
+      <p:ext uri="{BB962C8B-B14F-4D97-AF65-F5344CB8AC3E}">
+        <p14:creationId xmlns:p14="http://schemas.microsoft.com/office/powerpoint/2010/main" val="3036852091"/>
+      </p:ext>
+    </p:extLst>
+  </p:cSld>
+  <p:clrMapOvr>
+    <a:masterClrMapping/>
+  </p:clrMapOvr>
+</p:notes>
+</file>
+
+<file path=ppt/notesSlides/notesSlide21.xml><?xml version="1.0" encoding="utf-8"?>
+<p:notes xmlns:a="http://schemas.openxmlformats.org/drawingml/2006/main" xmlns:r="http://schemas.openxmlformats.org/officeDocument/2006/relationships" xmlns:p="http://schemas.openxmlformats.org/presentationml/2006/main" showMasterSp="0" showMasterPhAnim="0">
+  <p:cSld>
+    <p:spTree>
+      <p:nvGrpSpPr>
+        <p:cNvPr id="1" name="Shape 390"/>
+        <p:cNvGrpSpPr/>
+        <p:nvPr/>
+      </p:nvGrpSpPr>
+      <p:grpSpPr>
+        <a:xfrm>
+          <a:off x="0" y="0"/>
+          <a:ext cx="0" cy="0"/>
+          <a:chOff x="0" y="0"/>
+          <a:chExt cx="0" cy="0"/>
+        </a:xfrm>
+      </p:grpSpPr>
+      <p:sp>
+        <p:nvSpPr>
+          <p:cNvPr id="391" name="Google Shape;391;g35ed75ccf_022:notes"/>
+          <p:cNvSpPr>
+            <a:spLocks noGrp="1" noRot="1" noChangeAspect="1"/>
+          </p:cNvSpPr>
+          <p:nvPr>
+            <p:ph type="sldImg" idx="2"/>
+          </p:nvPr>
+        </p:nvSpPr>
+        <p:spPr>
+          <a:xfrm>
+            <a:off x="381000" y="685800"/>
+            <a:ext cx="6096000" cy="3429000"/>
+          </a:xfrm>
+          <a:custGeom>
+            <a:avLst/>
+            <a:gdLst/>
+            <a:ahLst/>
+            <a:cxnLst/>
+            <a:rect l="l" t="t" r="r" b="b"/>
+            <a:pathLst>
+              <a:path w="120000" h="120000" extrusionOk="0">
+                <a:moveTo>
+                  <a:pt x="0" y="0"/>
+                </a:moveTo>
+                <a:lnTo>
+                  <a:pt x="120000" y="0"/>
+                </a:lnTo>
+                <a:lnTo>
+                  <a:pt x="120000" y="120000"/>
+                </a:lnTo>
+                <a:lnTo>
+                  <a:pt x="0" y="120000"/>
+                </a:lnTo>
+                <a:close/>
+              </a:path>
+            </a:pathLst>
+          </a:custGeom>
+        </p:spPr>
+      </p:sp>
+      <p:sp>
+        <p:nvSpPr>
+          <p:cNvPr id="392" name="Google Shape;392;g35ed75ccf_022:notes"/>
           <p:cNvSpPr txBox="1">
             <a:spLocks noGrp="1"/>
           </p:cNvSpPr>
@@ -1866,6 +2552,67 @@
           </a:bodyPr>
           <a:lstStyle/>
           <a:p>
+            <a:pPr marL="171450" lvl="0" indent="-171450" algn="l" rtl="0">
+              <a:spcBef>
+                <a:spcPts val="0"/>
+              </a:spcBef>
+              <a:spcAft>
+                <a:spcPts val="0"/>
+              </a:spcAft>
+              <a:buFont typeface="Arial" panose="020B0604020202020204" pitchFamily="34" charset="0"/>
+              <a:buChar char="•"/>
+            </a:pPr>
+            <a:r>
+              <a:rPr lang="en-US" dirty="0"/>
+              <a:t>Lab vs. Web – does it measure what I need?</a:t>
+            </a:r>
+          </a:p>
+          <a:p>
+            <a:pPr marL="171450" lvl="0" indent="-171450" algn="l" rtl="0">
+              <a:spcBef>
+                <a:spcPts val="0"/>
+              </a:spcBef>
+              <a:spcAft>
+                <a:spcPts val="0"/>
+              </a:spcAft>
+              <a:buFont typeface="Arial" panose="020B0604020202020204" pitchFamily="34" charset="0"/>
+              <a:buChar char="•"/>
+            </a:pPr>
+            <a:r>
+              <a:rPr lang="en-US" dirty="0"/>
+              <a:t>Cost, installation, data format</a:t>
+            </a:r>
+          </a:p>
+          <a:p>
+            <a:pPr marL="171450" lvl="0" indent="-171450" algn="l" rtl="0">
+              <a:spcBef>
+                <a:spcPts val="0"/>
+              </a:spcBef>
+              <a:spcAft>
+                <a:spcPts val="0"/>
+              </a:spcAft>
+              <a:buFont typeface="Arial" panose="020B0604020202020204" pitchFamily="34" charset="0"/>
+              <a:buChar char="•"/>
+            </a:pPr>
+            <a:r>
+              <a:rPr lang="en-US" dirty="0"/>
+              <a:t>SPSS vs. R == GUI vs code</a:t>
+            </a:r>
+          </a:p>
+          <a:p>
+            <a:pPr marL="171450" lvl="0" indent="-171450" algn="l" rtl="0">
+              <a:spcBef>
+                <a:spcPts val="0"/>
+              </a:spcBef>
+              <a:spcAft>
+                <a:spcPts val="0"/>
+              </a:spcAft>
+              <a:buFont typeface="Arial" panose="020B0604020202020204" pitchFamily="34" charset="0"/>
+              <a:buChar char="•"/>
+            </a:pPr>
+            <a:endParaRPr lang="en-US" dirty="0"/>
+          </a:p>
+          <a:p>
             <a:pPr marL="0" lvl="0" indent="0" algn="l" rtl="0">
               <a:spcBef>
                 <a:spcPts val="0"/>
@@ -1873,9 +2620,14 @@
               <a:spcAft>
                 <a:spcPts val="0"/>
               </a:spcAft>
+              <a:buFont typeface="Arial" panose="020B0604020202020204" pitchFamily="34" charset="0"/>
               <a:buNone/>
             </a:pPr>
-            <a:endParaRPr/>
+            <a:r>
+              <a:rPr lang="en-US" dirty="0"/>
+              <a:t>The problem with researches: they always want more</a:t>
+            </a:r>
+            <a:endParaRPr dirty="0"/>
           </a:p>
         </p:txBody>
       </p:sp>
@@ -2088,7 +2840,41 @@
               </a:spcAft>
               <a:buNone/>
             </a:pPr>
-            <a:endParaRPr/>
+            <a:r>
+              <a:rPr lang="en-US" dirty="0"/>
+              <a:t>Clients use browsers</a:t>
+            </a:r>
+          </a:p>
+          <a:p>
+            <a:pPr marL="0" lvl="0" indent="0" algn="l" rtl="0">
+              <a:spcBef>
+                <a:spcPts val="0"/>
+              </a:spcBef>
+              <a:spcAft>
+                <a:spcPts val="0"/>
+              </a:spcAft>
+              <a:buNone/>
+            </a:pPr>
+            <a:r>
+              <a:rPr lang="en-US" dirty="0"/>
+              <a:t>Get files from server (plain text).</a:t>
+            </a:r>
+          </a:p>
+          <a:p>
+            <a:pPr marL="0" lvl="0" indent="0" algn="l" rtl="0">
+              <a:spcBef>
+                <a:spcPts val="0"/>
+              </a:spcBef>
+              <a:spcAft>
+                <a:spcPts val="0"/>
+              </a:spcAft>
+              <a:buNone/>
+            </a:pPr>
+            <a:r>
+              <a:rPr lang="en-US" dirty="0"/>
+              <a:t>Interpret them.</a:t>
+            </a:r>
+            <a:endParaRPr dirty="0"/>
           </a:p>
         </p:txBody>
       </p:sp>
@@ -4940,6 +5726,336 @@
         </p:txBody>
       </p:sp>
     </p:spTree>
+  </p:cSld>
+  <p:clrMapOvr>
+    <a:masterClrMapping/>
+  </p:clrMapOvr>
+</p:sldLayout>
+</file>
+
+<file path=ppt/slideLayouts/slideLayout7.xml><?xml version="1.0" encoding="utf-8"?>
+<p:sldLayout xmlns:a="http://schemas.openxmlformats.org/drawingml/2006/main" xmlns:r="http://schemas.openxmlformats.org/officeDocument/2006/relationships" xmlns:p="http://schemas.openxmlformats.org/presentationml/2006/main" matchingName="Title only" type="titleOnly">
+  <p:cSld name="Title only">
+    <p:spTree>
+      <p:nvGrpSpPr>
+        <p:cNvPr id="1" name="Shape 50"/>
+        <p:cNvGrpSpPr/>
+        <p:nvPr/>
+      </p:nvGrpSpPr>
+      <p:grpSpPr>
+        <a:xfrm>
+          <a:off x="0" y="0"/>
+          <a:ext cx="0" cy="0"/>
+          <a:chOff x="0" y="0"/>
+          <a:chExt cx="0" cy="0"/>
+        </a:xfrm>
+      </p:grpSpPr>
+      <p:sp>
+        <p:nvSpPr>
+          <p:cNvPr id="51" name="Google Shape;51;p8"/>
+          <p:cNvSpPr txBox="1">
+            <a:spLocks noGrp="1"/>
+          </p:cNvSpPr>
+          <p:nvPr>
+            <p:ph type="title"/>
+          </p:nvPr>
+        </p:nvSpPr>
+        <p:spPr>
+          <a:xfrm>
+            <a:off x="1381250" y="937125"/>
+            <a:ext cx="3878400" cy="435600"/>
+          </a:xfrm>
+          <a:prstGeom prst="rect">
+            <a:avLst/>
+          </a:prstGeom>
+        </p:spPr>
+        <p:txBody>
+          <a:bodyPr spcFirstLastPara="1" wrap="square" lIns="91425" tIns="91425" rIns="91425" bIns="91425" anchor="ctr" anchorCtr="0">
+            <a:noAutofit/>
+          </a:bodyPr>
+          <a:lstStyle>
+            <a:lvl1pPr lvl="0">
+              <a:spcBef>
+                <a:spcPts val="0"/>
+              </a:spcBef>
+              <a:spcAft>
+                <a:spcPts val="0"/>
+              </a:spcAft>
+              <a:buSzPts val="2000"/>
+              <a:buNone/>
+              <a:defRPr/>
+            </a:lvl1pPr>
+            <a:lvl2pPr lvl="1">
+              <a:spcBef>
+                <a:spcPts val="0"/>
+              </a:spcBef>
+              <a:spcAft>
+                <a:spcPts val="0"/>
+              </a:spcAft>
+              <a:buSzPts val="2000"/>
+              <a:buNone/>
+              <a:defRPr/>
+            </a:lvl2pPr>
+            <a:lvl3pPr lvl="2">
+              <a:spcBef>
+                <a:spcPts val="0"/>
+              </a:spcBef>
+              <a:spcAft>
+                <a:spcPts val="0"/>
+              </a:spcAft>
+              <a:buSzPts val="2000"/>
+              <a:buNone/>
+              <a:defRPr/>
+            </a:lvl3pPr>
+            <a:lvl4pPr lvl="3">
+              <a:spcBef>
+                <a:spcPts val="0"/>
+              </a:spcBef>
+              <a:spcAft>
+                <a:spcPts val="0"/>
+              </a:spcAft>
+              <a:buSzPts val="2000"/>
+              <a:buNone/>
+              <a:defRPr/>
+            </a:lvl4pPr>
+            <a:lvl5pPr lvl="4">
+              <a:spcBef>
+                <a:spcPts val="0"/>
+              </a:spcBef>
+              <a:spcAft>
+                <a:spcPts val="0"/>
+              </a:spcAft>
+              <a:buSzPts val="2000"/>
+              <a:buNone/>
+              <a:defRPr/>
+            </a:lvl5pPr>
+            <a:lvl6pPr lvl="5">
+              <a:spcBef>
+                <a:spcPts val="0"/>
+              </a:spcBef>
+              <a:spcAft>
+                <a:spcPts val="0"/>
+              </a:spcAft>
+              <a:buSzPts val="2000"/>
+              <a:buNone/>
+              <a:defRPr/>
+            </a:lvl6pPr>
+            <a:lvl7pPr lvl="6">
+              <a:spcBef>
+                <a:spcPts val="0"/>
+              </a:spcBef>
+              <a:spcAft>
+                <a:spcPts val="0"/>
+              </a:spcAft>
+              <a:buSzPts val="2000"/>
+              <a:buNone/>
+              <a:defRPr/>
+            </a:lvl7pPr>
+            <a:lvl8pPr lvl="7">
+              <a:spcBef>
+                <a:spcPts val="0"/>
+              </a:spcBef>
+              <a:spcAft>
+                <a:spcPts val="0"/>
+              </a:spcAft>
+              <a:buSzPts val="2000"/>
+              <a:buNone/>
+              <a:defRPr/>
+            </a:lvl8pPr>
+            <a:lvl9pPr lvl="8">
+              <a:spcBef>
+                <a:spcPts val="0"/>
+              </a:spcBef>
+              <a:spcAft>
+                <a:spcPts val="0"/>
+              </a:spcAft>
+              <a:buSzPts val="2000"/>
+              <a:buNone/>
+              <a:defRPr/>
+            </a:lvl9pPr>
+          </a:lstStyle>
+          <a:p>
+            <a:endParaRPr/>
+          </a:p>
+        </p:txBody>
+      </p:sp>
+      <p:cxnSp>
+        <p:nvCxnSpPr>
+          <p:cNvPr id="52" name="Google Shape;52;p8"/>
+          <p:cNvCxnSpPr/>
+          <p:nvPr/>
+        </p:nvCxnSpPr>
+        <p:spPr>
+          <a:xfrm>
+            <a:off x="0" y="1131725"/>
+            <a:ext cx="1375800" cy="0"/>
+          </a:xfrm>
+          <a:prstGeom prst="straightConnector1">
+            <a:avLst/>
+          </a:prstGeom>
+          <a:noFill/>
+          <a:ln w="9525" cap="flat" cmpd="sng">
+            <a:solidFill>
+              <a:srgbClr val="CCCCCC"/>
+            </a:solidFill>
+            <a:prstDash val="solid"/>
+            <a:round/>
+            <a:headEnd type="none" w="med" len="med"/>
+            <a:tailEnd type="none" w="med" len="med"/>
+          </a:ln>
+        </p:spPr>
+      </p:cxnSp>
+      <p:sp>
+        <p:nvSpPr>
+          <p:cNvPr id="53" name="Google Shape;53;p8"/>
+          <p:cNvSpPr/>
+          <p:nvPr/>
+        </p:nvSpPr>
+        <p:spPr>
+          <a:xfrm>
+            <a:off x="817475" y="928767"/>
+            <a:ext cx="405900" cy="405900"/>
+          </a:xfrm>
+          <a:prstGeom prst="ellipse">
+            <a:avLst/>
+          </a:prstGeom>
+          <a:solidFill>
+            <a:schemeClr val="accent1"/>
+          </a:solidFill>
+          <a:ln>
+            <a:noFill/>
+          </a:ln>
+        </p:spPr>
+        <p:txBody>
+          <a:bodyPr spcFirstLastPara="1" wrap="square" lIns="91425" tIns="91425" rIns="91425" bIns="91425" anchor="ctr" anchorCtr="0">
+            <a:noAutofit/>
+          </a:bodyPr>
+          <a:lstStyle/>
+          <a:p>
+            <a:pPr marL="0" lvl="0" indent="0" algn="l" rtl="0">
+              <a:spcBef>
+                <a:spcPts val="0"/>
+              </a:spcBef>
+              <a:spcAft>
+                <a:spcPts val="0"/>
+              </a:spcAft>
+              <a:buNone/>
+            </a:pPr>
+            <a:endParaRPr/>
+          </a:p>
+        </p:txBody>
+      </p:sp>
+      <p:cxnSp>
+        <p:nvCxnSpPr>
+          <p:cNvPr id="54" name="Google Shape;54;p8"/>
+          <p:cNvCxnSpPr/>
+          <p:nvPr/>
+        </p:nvCxnSpPr>
+        <p:spPr>
+          <a:xfrm>
+            <a:off x="5265650" y="1131725"/>
+            <a:ext cx="3878400" cy="0"/>
+          </a:xfrm>
+          <a:prstGeom prst="straightConnector1">
+            <a:avLst/>
+          </a:prstGeom>
+          <a:noFill/>
+          <a:ln w="9525" cap="flat" cmpd="sng">
+            <a:solidFill>
+              <a:srgbClr val="CCCCCC"/>
+            </a:solidFill>
+            <a:prstDash val="solid"/>
+            <a:round/>
+            <a:headEnd type="none" w="med" len="med"/>
+            <a:tailEnd type="none" w="med" len="med"/>
+          </a:ln>
+        </p:spPr>
+      </p:cxnSp>
+      <p:sp>
+        <p:nvSpPr>
+          <p:cNvPr id="55" name="Google Shape;55;p8"/>
+          <p:cNvSpPr txBox="1">
+            <a:spLocks noGrp="1"/>
+          </p:cNvSpPr>
+          <p:nvPr>
+            <p:ph type="sldNum" idx="12"/>
+          </p:nvPr>
+        </p:nvSpPr>
+        <p:spPr>
+          <a:xfrm>
+            <a:off x="8543227" y="4749851"/>
+            <a:ext cx="548700" cy="393600"/>
+          </a:xfrm>
+          <a:prstGeom prst="rect">
+            <a:avLst/>
+          </a:prstGeom>
+        </p:spPr>
+        <p:txBody>
+          <a:bodyPr spcFirstLastPara="1" wrap="square" lIns="91425" tIns="91425" rIns="91425" bIns="91425" anchor="t" anchorCtr="0">
+            <a:noAutofit/>
+          </a:bodyPr>
+          <a:lstStyle>
+            <a:lvl1pPr lvl="0">
+              <a:buNone/>
+              <a:defRPr/>
+            </a:lvl1pPr>
+            <a:lvl2pPr lvl="1">
+              <a:buNone/>
+              <a:defRPr/>
+            </a:lvl2pPr>
+            <a:lvl3pPr lvl="2">
+              <a:buNone/>
+              <a:defRPr/>
+            </a:lvl3pPr>
+            <a:lvl4pPr lvl="3">
+              <a:buNone/>
+              <a:defRPr/>
+            </a:lvl4pPr>
+            <a:lvl5pPr lvl="4">
+              <a:buNone/>
+              <a:defRPr/>
+            </a:lvl5pPr>
+            <a:lvl6pPr lvl="5">
+              <a:buNone/>
+              <a:defRPr/>
+            </a:lvl6pPr>
+            <a:lvl7pPr lvl="6">
+              <a:buNone/>
+              <a:defRPr/>
+            </a:lvl7pPr>
+            <a:lvl8pPr lvl="7">
+              <a:buNone/>
+              <a:defRPr/>
+            </a:lvl8pPr>
+            <a:lvl9pPr lvl="8">
+              <a:buNone/>
+              <a:defRPr/>
+            </a:lvl9pPr>
+          </a:lstStyle>
+          <a:p>
+            <a:pPr marL="0" lvl="0" indent="0" algn="r" rtl="0">
+              <a:spcBef>
+                <a:spcPts val="0"/>
+              </a:spcBef>
+              <a:spcAft>
+                <a:spcPts val="0"/>
+              </a:spcAft>
+              <a:buNone/>
+            </a:pPr>
+            <a:fld id="{00000000-1234-1234-1234-123412341234}" type="slidenum">
+              <a:rPr lang="en"/>
+              <a:t>‹#›</a:t>
+            </a:fld>
+            <a:endParaRPr/>
+          </a:p>
+        </p:txBody>
+      </p:sp>
+    </p:spTree>
+    <p:extLst>
+      <p:ext uri="{BB962C8B-B14F-4D97-AF65-F5344CB8AC3E}">
+        <p14:creationId xmlns:p14="http://schemas.microsoft.com/office/powerpoint/2010/main" val="1404968123"/>
+      </p:ext>
+    </p:extLst>
   </p:cSld>
   <p:clrMapOvr>
     <a:masterClrMapping/>
@@ -5619,6 +6735,7 @@
     <p:sldLayoutId id="2147483651" r:id="rId4"/>
     <p:sldLayoutId id="2147483652" r:id="rId5"/>
     <p:sldLayoutId id="2147483657" r:id="rId6"/>
+    <p:sldLayoutId id="2147483659" r:id="rId7"/>
   </p:sldLayoutIdLst>
   <p:transition>
     <p:fade thruBlk="1"/>
@@ -7175,7 +8292,7 @@
 </file>
 
 <file path=ppt/slides/slide10.xml><?xml version="1.0" encoding="utf-8"?>
-<p:sld xmlns:a="http://schemas.openxmlformats.org/drawingml/2006/main" xmlns:r="http://schemas.openxmlformats.org/officeDocument/2006/relationships" xmlns:p="http://schemas.openxmlformats.org/presentationml/2006/main">
+<p:sld xmlns:a="http://schemas.openxmlformats.org/drawingml/2006/main" xmlns:r="http://schemas.openxmlformats.org/officeDocument/2006/relationships" xmlns:p="http://schemas.openxmlformats.org/presentationml/2006/main" show="0">
   <p:cSld>
     <p:spTree>
       <p:nvGrpSpPr>
@@ -8259,7 +9376,7 @@
               <a:buNone/>
             </a:pPr>
             <a:r>
-              <a:rPr lang="en" sz="2400">
+              <a:rPr lang="en" sz="2400" dirty="0">
                 <a:solidFill>
                   <a:schemeClr val="dk1"/>
                 </a:solidFill>
@@ -8268,9 +9385,9 @@
                 <a:cs typeface="Lora"/>
                 <a:sym typeface="Lora"/>
               </a:rPr>
-              <a:t>1</a:t>
+              <a:t>2</a:t>
             </a:r>
-            <a:endParaRPr sz="2400">
+            <a:endParaRPr sz="2400" dirty="0">
               <a:latin typeface="Lora"/>
               <a:ea typeface="Lora"/>
               <a:cs typeface="Lora"/>
@@ -10076,6 +11193,248 @@
   <p:clrMapOvr>
     <a:masterClrMapping/>
   </p:clrMapOvr>
+  <p:timing>
+    <p:tnLst>
+      <p:par>
+        <p:cTn id="1" dur="indefinite" restart="never" nodeType="tmRoot">
+          <p:childTnLst>
+            <p:seq concurrent="1" nextAc="seek">
+              <p:cTn id="2" dur="indefinite" nodeType="mainSeq">
+                <p:childTnLst>
+                  <p:par>
+                    <p:cTn id="3" fill="hold">
+                      <p:stCondLst>
+                        <p:cond delay="indefinite"/>
+                      </p:stCondLst>
+                      <p:childTnLst>
+                        <p:par>
+                          <p:cTn id="4" fill="hold">
+                            <p:stCondLst>
+                              <p:cond delay="0"/>
+                            </p:stCondLst>
+                            <p:childTnLst>
+                              <p:par>
+                                <p:cTn id="5" presetID="1" presetClass="entr" presetSubtype="0" fill="hold" grpId="0" nodeType="clickEffect">
+                                  <p:stCondLst>
+                                    <p:cond delay="0"/>
+                                  </p:stCondLst>
+                                  <p:childTnLst>
+                                    <p:set>
+                                      <p:cBhvr>
+                                        <p:cTn id="6" dur="1" fill="hold">
+                                          <p:stCondLst>
+                                            <p:cond delay="0"/>
+                                          </p:stCondLst>
+                                        </p:cTn>
+                                        <p:tgtEl>
+                                          <p:spTgt spid="125">
+                                            <p:txEl>
+                                              <p:pRg st="0" end="0"/>
+                                            </p:txEl>
+                                          </p:spTgt>
+                                        </p:tgtEl>
+                                        <p:attrNameLst>
+                                          <p:attrName>style.visibility</p:attrName>
+                                        </p:attrNameLst>
+                                      </p:cBhvr>
+                                      <p:to>
+                                        <p:strVal val="visible"/>
+                                      </p:to>
+                                    </p:set>
+                                  </p:childTnLst>
+                                </p:cTn>
+                              </p:par>
+                            </p:childTnLst>
+                          </p:cTn>
+                        </p:par>
+                      </p:childTnLst>
+                    </p:cTn>
+                  </p:par>
+                  <p:par>
+                    <p:cTn id="7" fill="hold">
+                      <p:stCondLst>
+                        <p:cond delay="indefinite"/>
+                      </p:stCondLst>
+                      <p:childTnLst>
+                        <p:par>
+                          <p:cTn id="8" fill="hold">
+                            <p:stCondLst>
+                              <p:cond delay="0"/>
+                            </p:stCondLst>
+                            <p:childTnLst>
+                              <p:par>
+                                <p:cTn id="9" presetID="1" presetClass="entr" presetSubtype="0" fill="hold" grpId="0" nodeType="clickEffect">
+                                  <p:stCondLst>
+                                    <p:cond delay="0"/>
+                                  </p:stCondLst>
+                                  <p:childTnLst>
+                                    <p:set>
+                                      <p:cBhvr>
+                                        <p:cTn id="10" dur="1" fill="hold">
+                                          <p:stCondLst>
+                                            <p:cond delay="0"/>
+                                          </p:stCondLst>
+                                        </p:cTn>
+                                        <p:tgtEl>
+                                          <p:spTgt spid="125">
+                                            <p:txEl>
+                                              <p:pRg st="1" end="1"/>
+                                            </p:txEl>
+                                          </p:spTgt>
+                                        </p:tgtEl>
+                                        <p:attrNameLst>
+                                          <p:attrName>style.visibility</p:attrName>
+                                        </p:attrNameLst>
+                                      </p:cBhvr>
+                                      <p:to>
+                                        <p:strVal val="visible"/>
+                                      </p:to>
+                                    </p:set>
+                                  </p:childTnLst>
+                                </p:cTn>
+                              </p:par>
+                            </p:childTnLst>
+                          </p:cTn>
+                        </p:par>
+                      </p:childTnLst>
+                    </p:cTn>
+                  </p:par>
+                  <p:par>
+                    <p:cTn id="11" fill="hold">
+                      <p:stCondLst>
+                        <p:cond delay="indefinite"/>
+                      </p:stCondLst>
+                      <p:childTnLst>
+                        <p:par>
+                          <p:cTn id="12" fill="hold">
+                            <p:stCondLst>
+                              <p:cond delay="0"/>
+                            </p:stCondLst>
+                            <p:childTnLst>
+                              <p:par>
+                                <p:cTn id="13" presetID="1" presetClass="entr" presetSubtype="0" fill="hold" grpId="0" nodeType="clickEffect">
+                                  <p:stCondLst>
+                                    <p:cond delay="0"/>
+                                  </p:stCondLst>
+                                  <p:childTnLst>
+                                    <p:set>
+                                      <p:cBhvr>
+                                        <p:cTn id="14" dur="1" fill="hold">
+                                          <p:stCondLst>
+                                            <p:cond delay="0"/>
+                                          </p:stCondLst>
+                                        </p:cTn>
+                                        <p:tgtEl>
+                                          <p:spTgt spid="125">
+                                            <p:txEl>
+                                              <p:pRg st="2" end="2"/>
+                                            </p:txEl>
+                                          </p:spTgt>
+                                        </p:tgtEl>
+                                        <p:attrNameLst>
+                                          <p:attrName>style.visibility</p:attrName>
+                                        </p:attrNameLst>
+                                      </p:cBhvr>
+                                      <p:to>
+                                        <p:strVal val="visible"/>
+                                      </p:to>
+                                    </p:set>
+                                  </p:childTnLst>
+                                </p:cTn>
+                              </p:par>
+                              <p:par>
+                                <p:cTn id="15" presetID="1" presetClass="entr" presetSubtype="0" fill="hold" grpId="0" nodeType="withEffect">
+                                  <p:stCondLst>
+                                    <p:cond delay="0"/>
+                                  </p:stCondLst>
+                                  <p:childTnLst>
+                                    <p:set>
+                                      <p:cBhvr>
+                                        <p:cTn id="16" dur="1" fill="hold">
+                                          <p:stCondLst>
+                                            <p:cond delay="0"/>
+                                          </p:stCondLst>
+                                        </p:cTn>
+                                        <p:tgtEl>
+                                          <p:spTgt spid="125">
+                                            <p:txEl>
+                                              <p:pRg st="3" end="3"/>
+                                            </p:txEl>
+                                          </p:spTgt>
+                                        </p:tgtEl>
+                                        <p:attrNameLst>
+                                          <p:attrName>style.visibility</p:attrName>
+                                        </p:attrNameLst>
+                                      </p:cBhvr>
+                                      <p:to>
+                                        <p:strVal val="visible"/>
+                                      </p:to>
+                                    </p:set>
+                                  </p:childTnLst>
+                                </p:cTn>
+                              </p:par>
+                              <p:par>
+                                <p:cTn id="17" presetID="1" presetClass="entr" presetSubtype="0" fill="hold" grpId="0" nodeType="withEffect">
+                                  <p:stCondLst>
+                                    <p:cond delay="0"/>
+                                  </p:stCondLst>
+                                  <p:childTnLst>
+                                    <p:set>
+                                      <p:cBhvr>
+                                        <p:cTn id="18" dur="1" fill="hold">
+                                          <p:stCondLst>
+                                            <p:cond delay="0"/>
+                                          </p:stCondLst>
+                                        </p:cTn>
+                                        <p:tgtEl>
+                                          <p:spTgt spid="125">
+                                            <p:txEl>
+                                              <p:pRg st="4" end="4"/>
+                                            </p:txEl>
+                                          </p:spTgt>
+                                        </p:tgtEl>
+                                        <p:attrNameLst>
+                                          <p:attrName>style.visibility</p:attrName>
+                                        </p:attrNameLst>
+                                      </p:cBhvr>
+                                      <p:to>
+                                        <p:strVal val="visible"/>
+                                      </p:to>
+                                    </p:set>
+                                  </p:childTnLst>
+                                </p:cTn>
+                              </p:par>
+                            </p:childTnLst>
+                          </p:cTn>
+                        </p:par>
+                      </p:childTnLst>
+                    </p:cTn>
+                  </p:par>
+                </p:childTnLst>
+              </p:cTn>
+              <p:prevCondLst>
+                <p:cond evt="onPrev" delay="0">
+                  <p:tgtEl>
+                    <p:sldTgt/>
+                  </p:tgtEl>
+                </p:cond>
+              </p:prevCondLst>
+              <p:nextCondLst>
+                <p:cond evt="onNext" delay="0">
+                  <p:tgtEl>
+                    <p:sldTgt/>
+                  </p:tgtEl>
+                </p:cond>
+              </p:nextCondLst>
+            </p:seq>
+          </p:childTnLst>
+        </p:cTn>
+      </p:par>
+    </p:tnLst>
+    <p:bldLst>
+      <p:bldP spid="125" grpId="0" build="p"/>
+    </p:bldLst>
+  </p:timing>
 </p:sld>
 </file>
 
@@ -10238,7 +11597,7 @@
           <p:nvPr/>
         </p:nvPicPr>
         <p:blipFill>
-          <a:blip r:embed="rId2"/>
+          <a:blip r:embed="rId3"/>
           <a:srcRect/>
           <a:stretch/>
         </p:blipFill>
@@ -12357,6 +13716,3567 @@
   <p:cSld>
     <p:spTree>
       <p:nvGrpSpPr>
+        <p:cNvPr id="1" name="Shape 219"/>
+        <p:cNvGrpSpPr/>
+        <p:nvPr/>
+      </p:nvGrpSpPr>
+      <p:grpSpPr>
+        <a:xfrm>
+          <a:off x="0" y="0"/>
+          <a:ext cx="0" cy="0"/>
+          <a:chOff x="0" y="0"/>
+          <a:chExt cx="0" cy="0"/>
+        </a:xfrm>
+      </p:grpSpPr>
+      <p:sp>
+        <p:nvSpPr>
+          <p:cNvPr id="220" name="Google Shape;220;p24"/>
+          <p:cNvSpPr txBox="1">
+            <a:spLocks noGrp="1"/>
+          </p:cNvSpPr>
+          <p:nvPr>
+            <p:ph type="title"/>
+          </p:nvPr>
+        </p:nvSpPr>
+        <p:spPr>
+          <a:xfrm>
+            <a:off x="1363850" y="919725"/>
+            <a:ext cx="3889500" cy="435600"/>
+          </a:xfrm>
+          <a:prstGeom prst="rect">
+            <a:avLst/>
+          </a:prstGeom>
+        </p:spPr>
+        <p:txBody>
+          <a:bodyPr spcFirstLastPara="1" wrap="square" lIns="91425" tIns="91425" rIns="91425" bIns="91425" anchor="ctr" anchorCtr="0">
+            <a:noAutofit/>
+          </a:bodyPr>
+          <a:lstStyle/>
+          <a:p>
+            <a:pPr marL="0" lvl="0" indent="0" algn="l" rtl="0">
+              <a:spcBef>
+                <a:spcPts val="0"/>
+              </a:spcBef>
+              <a:spcAft>
+                <a:spcPts val="0"/>
+              </a:spcAft>
+              <a:buNone/>
+            </a:pPr>
+            <a:r>
+              <a:rPr lang="en" dirty="0"/>
+              <a:t>Interactions</a:t>
+            </a:r>
+            <a:endParaRPr dirty="0"/>
+          </a:p>
+        </p:txBody>
+      </p:sp>
+      <p:grpSp>
+        <p:nvGrpSpPr>
+          <p:cNvPr id="221" name="Google Shape;221;p24"/>
+          <p:cNvGrpSpPr/>
+          <p:nvPr/>
+        </p:nvGrpSpPr>
+        <p:grpSpPr>
+          <a:xfrm>
+            <a:off x="916458" y="1019750"/>
+            <a:ext cx="214625" cy="214625"/>
+            <a:chOff x="2594050" y="1631825"/>
+            <a:chExt cx="439625" cy="439625"/>
+          </a:xfrm>
+        </p:grpSpPr>
+        <p:sp>
+          <p:nvSpPr>
+            <p:cNvPr id="222" name="Google Shape;222;p24"/>
+            <p:cNvSpPr/>
+            <p:nvPr/>
+          </p:nvSpPr>
+          <p:spPr>
+            <a:xfrm>
+              <a:off x="2594050" y="1883300"/>
+              <a:ext cx="188175" cy="188150"/>
+            </a:xfrm>
+            <a:custGeom>
+              <a:avLst/>
+              <a:gdLst/>
+              <a:ahLst/>
+              <a:cxnLst/>
+              <a:rect l="l" t="t" r="r" b="b"/>
+              <a:pathLst>
+                <a:path w="7527" h="7526" fill="none" extrusionOk="0">
+                  <a:moveTo>
+                    <a:pt x="5992" y="0"/>
+                  </a:moveTo>
+                  <a:lnTo>
+                    <a:pt x="537" y="6430"/>
+                  </a:lnTo>
+                  <a:lnTo>
+                    <a:pt x="1" y="7526"/>
+                  </a:lnTo>
+                  <a:lnTo>
+                    <a:pt x="1097" y="6990"/>
+                  </a:lnTo>
+                  <a:lnTo>
+                    <a:pt x="7526" y="1534"/>
+                  </a:lnTo>
+                  <a:lnTo>
+                    <a:pt x="5992" y="0"/>
+                  </a:lnTo>
+                  <a:close/>
+                </a:path>
+              </a:pathLst>
+            </a:custGeom>
+            <a:noFill/>
+            <a:ln w="9525" cap="rnd" cmpd="sng">
+              <a:solidFill>
+                <a:srgbClr val="000000"/>
+              </a:solidFill>
+              <a:prstDash val="solid"/>
+              <a:round/>
+              <a:headEnd type="none" w="sm" len="sm"/>
+              <a:tailEnd type="none" w="sm" len="sm"/>
+            </a:ln>
+          </p:spPr>
+          <p:txBody>
+            <a:bodyPr spcFirstLastPara="1" wrap="square" lIns="91425" tIns="91425" rIns="91425" bIns="91425" anchor="ctr" anchorCtr="0">
+              <a:noAutofit/>
+            </a:bodyPr>
+            <a:lstStyle/>
+            <a:p>
+              <a:pPr marL="0" lvl="0" indent="0" algn="l" rtl="0">
+                <a:spcBef>
+                  <a:spcPts val="0"/>
+                </a:spcBef>
+                <a:spcAft>
+                  <a:spcPts val="0"/>
+                </a:spcAft>
+                <a:buNone/>
+              </a:pPr>
+              <a:endParaRPr/>
+            </a:p>
+          </p:txBody>
+        </p:sp>
+        <p:sp>
+          <p:nvSpPr>
+            <p:cNvPr id="223" name="Google Shape;223;p24"/>
+            <p:cNvSpPr/>
+            <p:nvPr/>
+          </p:nvSpPr>
+          <p:spPr>
+            <a:xfrm>
+              <a:off x="2857700" y="1631825"/>
+              <a:ext cx="175975" cy="176000"/>
+            </a:xfrm>
+            <a:custGeom>
+              <a:avLst/>
+              <a:gdLst/>
+              <a:ahLst/>
+              <a:cxnLst/>
+              <a:rect l="l" t="t" r="r" b="b"/>
+              <a:pathLst>
+                <a:path w="7039" h="7040" fill="none" extrusionOk="0">
+                  <a:moveTo>
+                    <a:pt x="268" y="2704"/>
+                  </a:moveTo>
+                  <a:lnTo>
+                    <a:pt x="4336" y="6771"/>
+                  </a:lnTo>
+                  <a:lnTo>
+                    <a:pt x="4336" y="6771"/>
+                  </a:lnTo>
+                  <a:lnTo>
+                    <a:pt x="4336" y="6771"/>
+                  </a:lnTo>
+                  <a:lnTo>
+                    <a:pt x="4652" y="6917"/>
+                  </a:lnTo>
+                  <a:lnTo>
+                    <a:pt x="4993" y="7015"/>
+                  </a:lnTo>
+                  <a:lnTo>
+                    <a:pt x="5310" y="7039"/>
+                  </a:lnTo>
+                  <a:lnTo>
+                    <a:pt x="5651" y="7039"/>
+                  </a:lnTo>
+                  <a:lnTo>
+                    <a:pt x="5992" y="6966"/>
+                  </a:lnTo>
+                  <a:lnTo>
+                    <a:pt x="6308" y="6844"/>
+                  </a:lnTo>
+                  <a:lnTo>
+                    <a:pt x="6454" y="6747"/>
+                  </a:lnTo>
+                  <a:lnTo>
+                    <a:pt x="6601" y="6674"/>
+                  </a:lnTo>
+                  <a:lnTo>
+                    <a:pt x="6747" y="6552"/>
+                  </a:lnTo>
+                  <a:lnTo>
+                    <a:pt x="6893" y="6430"/>
+                  </a:lnTo>
+                  <a:lnTo>
+                    <a:pt x="6893" y="6430"/>
+                  </a:lnTo>
+                  <a:lnTo>
+                    <a:pt x="6942" y="6357"/>
+                  </a:lnTo>
+                  <a:lnTo>
+                    <a:pt x="7015" y="6260"/>
+                  </a:lnTo>
+                  <a:lnTo>
+                    <a:pt x="7039" y="6138"/>
+                  </a:lnTo>
+                  <a:lnTo>
+                    <a:pt x="7039" y="6041"/>
+                  </a:lnTo>
+                  <a:lnTo>
+                    <a:pt x="7039" y="6041"/>
+                  </a:lnTo>
+                  <a:lnTo>
+                    <a:pt x="7039" y="5943"/>
+                  </a:lnTo>
+                  <a:lnTo>
+                    <a:pt x="7015" y="5846"/>
+                  </a:lnTo>
+                  <a:lnTo>
+                    <a:pt x="6942" y="5748"/>
+                  </a:lnTo>
+                  <a:lnTo>
+                    <a:pt x="6893" y="5651"/>
+                  </a:lnTo>
+                  <a:lnTo>
+                    <a:pt x="1389" y="147"/>
+                  </a:lnTo>
+                  <a:lnTo>
+                    <a:pt x="1389" y="147"/>
+                  </a:lnTo>
+                  <a:lnTo>
+                    <a:pt x="1291" y="98"/>
+                  </a:lnTo>
+                  <a:lnTo>
+                    <a:pt x="1194" y="25"/>
+                  </a:lnTo>
+                  <a:lnTo>
+                    <a:pt x="1096" y="0"/>
+                  </a:lnTo>
+                  <a:lnTo>
+                    <a:pt x="999" y="0"/>
+                  </a:lnTo>
+                  <a:lnTo>
+                    <a:pt x="999" y="0"/>
+                  </a:lnTo>
+                  <a:lnTo>
+                    <a:pt x="902" y="0"/>
+                  </a:lnTo>
+                  <a:lnTo>
+                    <a:pt x="780" y="25"/>
+                  </a:lnTo>
+                  <a:lnTo>
+                    <a:pt x="682" y="98"/>
+                  </a:lnTo>
+                  <a:lnTo>
+                    <a:pt x="609" y="147"/>
+                  </a:lnTo>
+                  <a:lnTo>
+                    <a:pt x="609" y="147"/>
+                  </a:lnTo>
+                  <a:lnTo>
+                    <a:pt x="487" y="293"/>
+                  </a:lnTo>
+                  <a:lnTo>
+                    <a:pt x="366" y="439"/>
+                  </a:lnTo>
+                  <a:lnTo>
+                    <a:pt x="293" y="585"/>
+                  </a:lnTo>
+                  <a:lnTo>
+                    <a:pt x="195" y="731"/>
+                  </a:lnTo>
+                  <a:lnTo>
+                    <a:pt x="73" y="1048"/>
+                  </a:lnTo>
+                  <a:lnTo>
+                    <a:pt x="0" y="1389"/>
+                  </a:lnTo>
+                  <a:lnTo>
+                    <a:pt x="0" y="1730"/>
+                  </a:lnTo>
+                  <a:lnTo>
+                    <a:pt x="25" y="2046"/>
+                  </a:lnTo>
+                  <a:lnTo>
+                    <a:pt x="122" y="2387"/>
+                  </a:lnTo>
+                  <a:lnTo>
+                    <a:pt x="268" y="2704"/>
+                  </a:lnTo>
+                  <a:lnTo>
+                    <a:pt x="268" y="2704"/>
+                  </a:lnTo>
+                  <a:close/>
+                </a:path>
+              </a:pathLst>
+            </a:custGeom>
+            <a:noFill/>
+            <a:ln w="9525" cap="rnd" cmpd="sng">
+              <a:solidFill>
+                <a:srgbClr val="000000"/>
+              </a:solidFill>
+              <a:prstDash val="solid"/>
+              <a:round/>
+              <a:headEnd type="none" w="sm" len="sm"/>
+              <a:tailEnd type="none" w="sm" len="sm"/>
+            </a:ln>
+          </p:spPr>
+          <p:txBody>
+            <a:bodyPr spcFirstLastPara="1" wrap="square" lIns="91425" tIns="91425" rIns="91425" bIns="91425" anchor="ctr" anchorCtr="0">
+              <a:noAutofit/>
+            </a:bodyPr>
+            <a:lstStyle/>
+            <a:p>
+              <a:pPr marL="0" lvl="0" indent="0" algn="l" rtl="0">
+                <a:spcBef>
+                  <a:spcPts val="0"/>
+                </a:spcBef>
+                <a:spcAft>
+                  <a:spcPts val="0"/>
+                </a:spcAft>
+                <a:buNone/>
+              </a:pPr>
+              <a:endParaRPr/>
+            </a:p>
+          </p:txBody>
+        </p:sp>
+        <p:sp>
+          <p:nvSpPr>
+            <p:cNvPr id="224" name="Google Shape;224;p24"/>
+            <p:cNvSpPr/>
+            <p:nvPr/>
+          </p:nvSpPr>
+          <p:spPr>
+            <a:xfrm>
+              <a:off x="2662850" y="1699400"/>
+              <a:ext cx="303250" cy="303250"/>
+            </a:xfrm>
+            <a:custGeom>
+              <a:avLst/>
+              <a:gdLst/>
+              <a:ahLst/>
+              <a:cxnLst/>
+              <a:rect l="l" t="t" r="r" b="b"/>
+              <a:pathLst>
+                <a:path w="12130" h="12130" fill="none" extrusionOk="0">
+                  <a:moveTo>
+                    <a:pt x="8038" y="1"/>
+                  </a:moveTo>
+                  <a:lnTo>
+                    <a:pt x="4872" y="3191"/>
+                  </a:lnTo>
+                  <a:lnTo>
+                    <a:pt x="4872" y="3191"/>
+                  </a:lnTo>
+                  <a:lnTo>
+                    <a:pt x="4628" y="3094"/>
+                  </a:lnTo>
+                  <a:lnTo>
+                    <a:pt x="4385" y="2997"/>
+                  </a:lnTo>
+                  <a:lnTo>
+                    <a:pt x="4092" y="2899"/>
+                  </a:lnTo>
+                  <a:lnTo>
+                    <a:pt x="3800" y="2850"/>
+                  </a:lnTo>
+                  <a:lnTo>
+                    <a:pt x="3484" y="2777"/>
+                  </a:lnTo>
+                  <a:lnTo>
+                    <a:pt x="3167" y="2729"/>
+                  </a:lnTo>
+                  <a:lnTo>
+                    <a:pt x="2850" y="2704"/>
+                  </a:lnTo>
+                  <a:lnTo>
+                    <a:pt x="2534" y="2704"/>
+                  </a:lnTo>
+                  <a:lnTo>
+                    <a:pt x="2534" y="2704"/>
+                  </a:lnTo>
+                  <a:lnTo>
+                    <a:pt x="2241" y="2704"/>
+                  </a:lnTo>
+                  <a:lnTo>
+                    <a:pt x="1949" y="2729"/>
+                  </a:lnTo>
+                  <a:lnTo>
+                    <a:pt x="1633" y="2777"/>
+                  </a:lnTo>
+                  <a:lnTo>
+                    <a:pt x="1316" y="2850"/>
+                  </a:lnTo>
+                  <a:lnTo>
+                    <a:pt x="999" y="2972"/>
+                  </a:lnTo>
+                  <a:lnTo>
+                    <a:pt x="707" y="3094"/>
+                  </a:lnTo>
+                  <a:lnTo>
+                    <a:pt x="415" y="3289"/>
+                  </a:lnTo>
+                  <a:lnTo>
+                    <a:pt x="147" y="3508"/>
+                  </a:lnTo>
+                  <a:lnTo>
+                    <a:pt x="147" y="3508"/>
+                  </a:lnTo>
+                  <a:lnTo>
+                    <a:pt x="74" y="3581"/>
+                  </a:lnTo>
+                  <a:lnTo>
+                    <a:pt x="25" y="3678"/>
+                  </a:lnTo>
+                  <a:lnTo>
+                    <a:pt x="1" y="3776"/>
+                  </a:lnTo>
+                  <a:lnTo>
+                    <a:pt x="1" y="3898"/>
+                  </a:lnTo>
+                  <a:lnTo>
+                    <a:pt x="1" y="3898"/>
+                  </a:lnTo>
+                  <a:lnTo>
+                    <a:pt x="1" y="3995"/>
+                  </a:lnTo>
+                  <a:lnTo>
+                    <a:pt x="25" y="4093"/>
+                  </a:lnTo>
+                  <a:lnTo>
+                    <a:pt x="74" y="4190"/>
+                  </a:lnTo>
+                  <a:lnTo>
+                    <a:pt x="147" y="4287"/>
+                  </a:lnTo>
+                  <a:lnTo>
+                    <a:pt x="7843" y="11984"/>
+                  </a:lnTo>
+                  <a:lnTo>
+                    <a:pt x="7843" y="11984"/>
+                  </a:lnTo>
+                  <a:lnTo>
+                    <a:pt x="7941" y="12057"/>
+                  </a:lnTo>
+                  <a:lnTo>
+                    <a:pt x="8038" y="12105"/>
+                  </a:lnTo>
+                  <a:lnTo>
+                    <a:pt x="8135" y="12130"/>
+                  </a:lnTo>
+                  <a:lnTo>
+                    <a:pt x="8233" y="12130"/>
+                  </a:lnTo>
+                  <a:lnTo>
+                    <a:pt x="8233" y="12130"/>
+                  </a:lnTo>
+                  <a:lnTo>
+                    <a:pt x="8355" y="12130"/>
+                  </a:lnTo>
+                  <a:lnTo>
+                    <a:pt x="8452" y="12105"/>
+                  </a:lnTo>
+                  <a:lnTo>
+                    <a:pt x="8549" y="12057"/>
+                  </a:lnTo>
+                  <a:lnTo>
+                    <a:pt x="8622" y="11984"/>
+                  </a:lnTo>
+                  <a:lnTo>
+                    <a:pt x="8622" y="11984"/>
+                  </a:lnTo>
+                  <a:lnTo>
+                    <a:pt x="8842" y="11716"/>
+                  </a:lnTo>
+                  <a:lnTo>
+                    <a:pt x="9036" y="11423"/>
+                  </a:lnTo>
+                  <a:lnTo>
+                    <a:pt x="9158" y="11131"/>
+                  </a:lnTo>
+                  <a:lnTo>
+                    <a:pt x="9280" y="10814"/>
+                  </a:lnTo>
+                  <a:lnTo>
+                    <a:pt x="9353" y="10498"/>
+                  </a:lnTo>
+                  <a:lnTo>
+                    <a:pt x="9402" y="10181"/>
+                  </a:lnTo>
+                  <a:lnTo>
+                    <a:pt x="9426" y="9889"/>
+                  </a:lnTo>
+                  <a:lnTo>
+                    <a:pt x="9426" y="9597"/>
+                  </a:lnTo>
+                  <a:lnTo>
+                    <a:pt x="9426" y="9597"/>
+                  </a:lnTo>
+                  <a:lnTo>
+                    <a:pt x="9426" y="9280"/>
+                  </a:lnTo>
+                  <a:lnTo>
+                    <a:pt x="9402" y="8964"/>
+                  </a:lnTo>
+                  <a:lnTo>
+                    <a:pt x="9353" y="8647"/>
+                  </a:lnTo>
+                  <a:lnTo>
+                    <a:pt x="9280" y="8330"/>
+                  </a:lnTo>
+                  <a:lnTo>
+                    <a:pt x="9231" y="8038"/>
+                  </a:lnTo>
+                  <a:lnTo>
+                    <a:pt x="9134" y="7746"/>
+                  </a:lnTo>
+                  <a:lnTo>
+                    <a:pt x="9036" y="7502"/>
+                  </a:lnTo>
+                  <a:lnTo>
+                    <a:pt x="8939" y="7259"/>
+                  </a:lnTo>
+                  <a:lnTo>
+                    <a:pt x="12130" y="4093"/>
+                  </a:lnTo>
+                </a:path>
+              </a:pathLst>
+            </a:custGeom>
+            <a:noFill/>
+            <a:ln w="9525" cap="rnd" cmpd="sng">
+              <a:solidFill>
+                <a:srgbClr val="000000"/>
+              </a:solidFill>
+              <a:prstDash val="solid"/>
+              <a:round/>
+              <a:headEnd type="none" w="sm" len="sm"/>
+              <a:tailEnd type="none" w="sm" len="sm"/>
+            </a:ln>
+          </p:spPr>
+          <p:txBody>
+            <a:bodyPr spcFirstLastPara="1" wrap="square" lIns="91425" tIns="91425" rIns="91425" bIns="91425" anchor="ctr" anchorCtr="0">
+              <a:noAutofit/>
+            </a:bodyPr>
+            <a:lstStyle/>
+            <a:p>
+              <a:pPr marL="0" lvl="0" indent="0" algn="l" rtl="0">
+                <a:spcBef>
+                  <a:spcPts val="0"/>
+                </a:spcBef>
+                <a:spcAft>
+                  <a:spcPts val="0"/>
+                </a:spcAft>
+                <a:buNone/>
+              </a:pPr>
+              <a:endParaRPr/>
+            </a:p>
+          </p:txBody>
+        </p:sp>
+        <p:sp>
+          <p:nvSpPr>
+            <p:cNvPr id="225" name="Google Shape;225;p24"/>
+            <p:cNvSpPr/>
+            <p:nvPr/>
+          </p:nvSpPr>
+          <p:spPr>
+            <a:xfrm>
+              <a:off x="2814912" y="1754062"/>
+              <a:ext cx="49950" cy="49950"/>
+            </a:xfrm>
+            <a:custGeom>
+              <a:avLst/>
+              <a:gdLst/>
+              <a:ahLst/>
+              <a:cxnLst/>
+              <a:rect l="l" t="t" r="r" b="b"/>
+              <a:pathLst>
+                <a:path w="1998" h="1998" fill="none" extrusionOk="0">
+                  <a:moveTo>
+                    <a:pt x="1" y="1997"/>
+                  </a:moveTo>
+                  <a:lnTo>
+                    <a:pt x="1998" y="0"/>
+                  </a:lnTo>
+                </a:path>
+              </a:pathLst>
+            </a:custGeom>
+            <a:noFill/>
+            <a:ln w="9525" cap="rnd" cmpd="sng">
+              <a:solidFill>
+                <a:srgbClr val="000000"/>
+              </a:solidFill>
+              <a:prstDash val="solid"/>
+              <a:round/>
+              <a:headEnd type="none" w="sm" len="sm"/>
+              <a:tailEnd type="none" w="sm" len="sm"/>
+            </a:ln>
+          </p:spPr>
+          <p:txBody>
+            <a:bodyPr spcFirstLastPara="1" wrap="square" lIns="91425" tIns="91425" rIns="91425" bIns="91425" anchor="ctr" anchorCtr="0">
+              <a:noAutofit/>
+            </a:bodyPr>
+            <a:lstStyle/>
+            <a:p>
+              <a:pPr marL="0" lvl="0" indent="0" algn="l" rtl="0">
+                <a:spcBef>
+                  <a:spcPts val="0"/>
+                </a:spcBef>
+                <a:spcAft>
+                  <a:spcPts val="0"/>
+                </a:spcAft>
+                <a:buNone/>
+              </a:pPr>
+              <a:endParaRPr/>
+            </a:p>
+          </p:txBody>
+        </p:sp>
+      </p:grpSp>
+      <p:sp>
+        <p:nvSpPr>
+          <p:cNvPr id="226" name="Google Shape;226;p24"/>
+          <p:cNvSpPr txBox="1">
+            <a:spLocks noGrp="1"/>
+          </p:cNvSpPr>
+          <p:nvPr>
+            <p:ph type="sldNum" idx="12"/>
+          </p:nvPr>
+        </p:nvSpPr>
+        <p:spPr>
+          <a:xfrm>
+            <a:off x="8543227" y="4749851"/>
+            <a:ext cx="548700" cy="393600"/>
+          </a:xfrm>
+          <a:prstGeom prst="rect">
+            <a:avLst/>
+          </a:prstGeom>
+        </p:spPr>
+        <p:txBody>
+          <a:bodyPr spcFirstLastPara="1" wrap="square" lIns="91425" tIns="91425" rIns="91425" bIns="91425" anchor="t" anchorCtr="0">
+            <a:noAutofit/>
+          </a:bodyPr>
+          <a:lstStyle/>
+          <a:p>
+            <a:pPr marL="0" lvl="0" indent="0" algn="r" rtl="0">
+              <a:spcBef>
+                <a:spcPts val="0"/>
+              </a:spcBef>
+              <a:spcAft>
+                <a:spcPts val="0"/>
+              </a:spcAft>
+              <a:buNone/>
+            </a:pPr>
+            <a:fld id="{00000000-1234-1234-1234-123412341234}" type="slidenum">
+              <a:rPr lang="en"/>
+              <a:t>16</a:t>
+            </a:fld>
+            <a:endParaRPr/>
+          </a:p>
+        </p:txBody>
+      </p:sp>
+      <p:sp>
+        <p:nvSpPr>
+          <p:cNvPr id="227" name="Google Shape;227;p24"/>
+          <p:cNvSpPr/>
+          <p:nvPr/>
+        </p:nvSpPr>
+        <p:spPr>
+          <a:xfrm>
+            <a:off x="3297500" y="1546742"/>
+            <a:ext cx="2540100" cy="2540100"/>
+          </a:xfrm>
+          <a:prstGeom prst="donut">
+            <a:avLst>
+              <a:gd name="adj" fmla="val 16067"/>
+            </a:avLst>
+          </a:prstGeom>
+          <a:solidFill>
+            <a:schemeClr val="lt2"/>
+          </a:solidFill>
+          <a:ln>
+            <a:noFill/>
+          </a:ln>
+        </p:spPr>
+        <p:txBody>
+          <a:bodyPr spcFirstLastPara="1" wrap="square" lIns="91425" tIns="91425" rIns="91425" bIns="91425" anchor="ctr" anchorCtr="0">
+            <a:noAutofit/>
+          </a:bodyPr>
+          <a:lstStyle/>
+          <a:p>
+            <a:pPr marL="0" lvl="0" indent="0" algn="l" rtl="0">
+              <a:spcBef>
+                <a:spcPts val="0"/>
+              </a:spcBef>
+              <a:spcAft>
+                <a:spcPts val="0"/>
+              </a:spcAft>
+              <a:buNone/>
+            </a:pPr>
+            <a:endParaRPr/>
+          </a:p>
+        </p:txBody>
+      </p:sp>
+      <p:grpSp>
+        <p:nvGrpSpPr>
+          <p:cNvPr id="228" name="Google Shape;228;p24"/>
+          <p:cNvGrpSpPr/>
+          <p:nvPr/>
+        </p:nvGrpSpPr>
+        <p:grpSpPr>
+          <a:xfrm>
+            <a:off x="1680836" y="1696124"/>
+            <a:ext cx="1931633" cy="669600"/>
+            <a:chOff x="1680836" y="1315124"/>
+            <a:chExt cx="1931633" cy="669600"/>
+          </a:xfrm>
+        </p:grpSpPr>
+        <p:cxnSp>
+          <p:nvCxnSpPr>
+            <p:cNvPr id="229" name="Google Shape;229;p24"/>
+            <p:cNvCxnSpPr/>
+            <p:nvPr/>
+          </p:nvCxnSpPr>
+          <p:spPr>
+            <a:xfrm>
+              <a:off x="3178969" y="1638300"/>
+              <a:ext cx="433500" cy="252300"/>
+            </a:xfrm>
+            <a:prstGeom prst="straightConnector1">
+              <a:avLst/>
+            </a:prstGeom>
+            <a:noFill/>
+            <a:ln w="19050" cap="flat" cmpd="sng">
+              <a:solidFill>
+                <a:schemeClr val="accent1"/>
+              </a:solidFill>
+              <a:prstDash val="solid"/>
+              <a:round/>
+              <a:headEnd type="oval" w="med" len="med"/>
+              <a:tailEnd type="none" w="sm" len="sm"/>
+            </a:ln>
+          </p:spPr>
+        </p:cxnSp>
+        <p:sp>
+          <p:nvSpPr>
+            <p:cNvPr id="230" name="Google Shape;230;p24"/>
+            <p:cNvSpPr txBox="1"/>
+            <p:nvPr/>
+          </p:nvSpPr>
+          <p:spPr>
+            <a:xfrm>
+              <a:off x="1680836" y="1315124"/>
+              <a:ext cx="1495200" cy="669600"/>
+            </a:xfrm>
+            <a:prstGeom prst="rect">
+              <a:avLst/>
+            </a:prstGeom>
+            <a:noFill/>
+            <a:ln>
+              <a:noFill/>
+            </a:ln>
+          </p:spPr>
+          <p:txBody>
+            <a:bodyPr spcFirstLastPara="1" wrap="square" lIns="91425" tIns="91425" rIns="91425" bIns="91425" anchor="t" anchorCtr="0">
+              <a:noAutofit/>
+            </a:bodyPr>
+            <a:lstStyle/>
+            <a:p>
+              <a:pPr marL="0" lvl="0" indent="0" algn="r" rtl="0">
+                <a:lnSpc>
+                  <a:spcPct val="115000"/>
+                </a:lnSpc>
+                <a:spcBef>
+                  <a:spcPts val="0"/>
+                </a:spcBef>
+                <a:spcAft>
+                  <a:spcPts val="0"/>
+                </a:spcAft>
+                <a:buNone/>
+              </a:pPr>
+              <a:r>
+                <a:rPr lang="en-US" sz="800" dirty="0">
+                  <a:solidFill>
+                    <a:schemeClr val="dk1"/>
+                  </a:solidFill>
+                  <a:latin typeface="Quattrocento Sans"/>
+                  <a:ea typeface="Quattrocento Sans"/>
+                  <a:cs typeface="Quattrocento Sans"/>
+                  <a:sym typeface="Quattrocento Sans"/>
+                </a:rPr>
+                <a:t>Events (input)</a:t>
+              </a:r>
+              <a:endParaRPr sz="800" dirty="0">
+                <a:solidFill>
+                  <a:schemeClr val="dk1"/>
+                </a:solidFill>
+                <a:latin typeface="Quattrocento Sans"/>
+                <a:ea typeface="Quattrocento Sans"/>
+                <a:cs typeface="Quattrocento Sans"/>
+                <a:sym typeface="Quattrocento Sans"/>
+              </a:endParaRPr>
+            </a:p>
+            <a:p>
+              <a:pPr marL="0" lvl="0" indent="0" algn="r" rtl="0">
+                <a:lnSpc>
+                  <a:spcPct val="115000"/>
+                </a:lnSpc>
+                <a:spcBef>
+                  <a:spcPts val="0"/>
+                </a:spcBef>
+                <a:spcAft>
+                  <a:spcPts val="0"/>
+                </a:spcAft>
+                <a:buNone/>
+              </a:pPr>
+              <a:endParaRPr sz="600" dirty="0">
+                <a:solidFill>
+                  <a:schemeClr val="dk1"/>
+                </a:solidFill>
+                <a:latin typeface="Quattrocento Sans"/>
+                <a:ea typeface="Quattrocento Sans"/>
+                <a:cs typeface="Quattrocento Sans"/>
+                <a:sym typeface="Quattrocento Sans"/>
+              </a:endParaRPr>
+            </a:p>
+            <a:p>
+              <a:pPr marL="0" lvl="0" indent="0" algn="r" rtl="0">
+                <a:lnSpc>
+                  <a:spcPct val="115000"/>
+                </a:lnSpc>
+                <a:spcBef>
+                  <a:spcPts val="0"/>
+                </a:spcBef>
+                <a:spcAft>
+                  <a:spcPts val="0"/>
+                </a:spcAft>
+                <a:buNone/>
+              </a:pPr>
+              <a:r>
+                <a:rPr lang="en" sz="800" b="1" dirty="0">
+                  <a:solidFill>
+                    <a:schemeClr val="dk1"/>
+                  </a:solidFill>
+                  <a:latin typeface="Quattrocento Sans"/>
+                  <a:ea typeface="Quattrocento Sans"/>
+                  <a:cs typeface="Quattrocento Sans"/>
+                  <a:sym typeface="Quattrocento Sans"/>
+                </a:rPr>
+                <a:t>Startup, user actions, timers.</a:t>
+              </a:r>
+              <a:endParaRPr sz="800" b="1" dirty="0">
+                <a:solidFill>
+                  <a:schemeClr val="dk1"/>
+                </a:solidFill>
+                <a:latin typeface="Quattrocento Sans"/>
+                <a:ea typeface="Quattrocento Sans"/>
+                <a:cs typeface="Quattrocento Sans"/>
+                <a:sym typeface="Quattrocento Sans"/>
+              </a:endParaRPr>
+            </a:p>
+          </p:txBody>
+        </p:sp>
+      </p:grpSp>
+      <p:grpSp>
+        <p:nvGrpSpPr>
+          <p:cNvPr id="231" name="Google Shape;231;p24"/>
+          <p:cNvGrpSpPr/>
+          <p:nvPr/>
+        </p:nvGrpSpPr>
+        <p:grpSpPr>
+          <a:xfrm>
+            <a:off x="5517319" y="1696124"/>
+            <a:ext cx="2540100" cy="669600"/>
+            <a:chOff x="5517319" y="1315124"/>
+            <a:chExt cx="1940006" cy="669600"/>
+          </a:xfrm>
+        </p:grpSpPr>
+        <p:cxnSp>
+          <p:nvCxnSpPr>
+            <p:cNvPr id="232" name="Google Shape;232;p24"/>
+            <p:cNvCxnSpPr/>
+            <p:nvPr/>
+          </p:nvCxnSpPr>
+          <p:spPr>
+            <a:xfrm flipH="1">
+              <a:off x="5517319" y="1638300"/>
+              <a:ext cx="433500" cy="252300"/>
+            </a:xfrm>
+            <a:prstGeom prst="straightConnector1">
+              <a:avLst/>
+            </a:prstGeom>
+            <a:noFill/>
+            <a:ln w="19050" cap="flat" cmpd="sng">
+              <a:solidFill>
+                <a:schemeClr val="accent2"/>
+              </a:solidFill>
+              <a:prstDash val="solid"/>
+              <a:round/>
+              <a:headEnd type="oval" w="med" len="med"/>
+              <a:tailEnd type="none" w="sm" len="sm"/>
+            </a:ln>
+          </p:spPr>
+        </p:cxnSp>
+        <p:sp>
+          <p:nvSpPr>
+            <p:cNvPr id="233" name="Google Shape;233;p24"/>
+            <p:cNvSpPr txBox="1"/>
+            <p:nvPr/>
+          </p:nvSpPr>
+          <p:spPr>
+            <a:xfrm>
+              <a:off x="5962125" y="1315124"/>
+              <a:ext cx="1495200" cy="669600"/>
+            </a:xfrm>
+            <a:prstGeom prst="rect">
+              <a:avLst/>
+            </a:prstGeom>
+            <a:noFill/>
+            <a:ln>
+              <a:noFill/>
+            </a:ln>
+          </p:spPr>
+          <p:txBody>
+            <a:bodyPr spcFirstLastPara="1" wrap="square" lIns="91425" tIns="91425" rIns="91425" bIns="91425" anchor="t" anchorCtr="0">
+              <a:noAutofit/>
+            </a:bodyPr>
+            <a:lstStyle/>
+            <a:p>
+              <a:pPr marL="0" lvl="0" indent="0" algn="l" rtl="0">
+                <a:lnSpc>
+                  <a:spcPct val="115000"/>
+                </a:lnSpc>
+                <a:spcBef>
+                  <a:spcPts val="0"/>
+                </a:spcBef>
+                <a:spcAft>
+                  <a:spcPts val="0"/>
+                </a:spcAft>
+                <a:buNone/>
+              </a:pPr>
+              <a:r>
+                <a:rPr lang="en-US" sz="800" dirty="0">
+                  <a:solidFill>
+                    <a:schemeClr val="dk1"/>
+                  </a:solidFill>
+                  <a:latin typeface="Quattrocento Sans"/>
+                  <a:ea typeface="Quattrocento Sans"/>
+                  <a:cs typeface="Quattrocento Sans"/>
+                  <a:sym typeface="Quattrocento Sans"/>
+                </a:rPr>
+                <a:t>Conditions</a:t>
+              </a:r>
+              <a:endParaRPr sz="800" dirty="0">
+                <a:solidFill>
+                  <a:schemeClr val="dk1"/>
+                </a:solidFill>
+                <a:latin typeface="Quattrocento Sans"/>
+                <a:ea typeface="Quattrocento Sans"/>
+                <a:cs typeface="Quattrocento Sans"/>
+                <a:sym typeface="Quattrocento Sans"/>
+              </a:endParaRPr>
+            </a:p>
+            <a:p>
+              <a:pPr marL="0" lvl="0" indent="0" algn="l" rtl="0">
+                <a:lnSpc>
+                  <a:spcPct val="115000"/>
+                </a:lnSpc>
+                <a:spcBef>
+                  <a:spcPts val="0"/>
+                </a:spcBef>
+                <a:spcAft>
+                  <a:spcPts val="0"/>
+                </a:spcAft>
+                <a:buNone/>
+              </a:pPr>
+              <a:endParaRPr sz="600" dirty="0">
+                <a:solidFill>
+                  <a:schemeClr val="dk1"/>
+                </a:solidFill>
+                <a:latin typeface="Quattrocento Sans"/>
+                <a:ea typeface="Quattrocento Sans"/>
+                <a:cs typeface="Quattrocento Sans"/>
+                <a:sym typeface="Quattrocento Sans"/>
+              </a:endParaRPr>
+            </a:p>
+            <a:p>
+              <a:pPr marL="0" lvl="0" indent="0" algn="l" rtl="0">
+                <a:lnSpc>
+                  <a:spcPct val="115000"/>
+                </a:lnSpc>
+                <a:spcBef>
+                  <a:spcPts val="0"/>
+                </a:spcBef>
+                <a:spcAft>
+                  <a:spcPts val="0"/>
+                </a:spcAft>
+                <a:buNone/>
+              </a:pPr>
+              <a:r>
+                <a:rPr lang="en" sz="800" b="1" dirty="0">
+                  <a:solidFill>
+                    <a:schemeClr val="dk1"/>
+                  </a:solidFill>
+                  <a:latin typeface="Quattrocento Sans"/>
+                  <a:ea typeface="Quattrocento Sans"/>
+                  <a:cs typeface="Quattrocento Sans"/>
+                  <a:sym typeface="Quattrocento Sans"/>
+                </a:rPr>
+                <a:t>Is this the correct type of input?</a:t>
+              </a:r>
+            </a:p>
+            <a:p>
+              <a:pPr marL="0" lvl="0" indent="0" algn="l" rtl="0">
+                <a:lnSpc>
+                  <a:spcPct val="115000"/>
+                </a:lnSpc>
+                <a:spcBef>
+                  <a:spcPts val="0"/>
+                </a:spcBef>
+                <a:spcAft>
+                  <a:spcPts val="0"/>
+                </a:spcAft>
+                <a:buNone/>
+              </a:pPr>
+              <a:r>
+                <a:rPr lang="en" sz="800" b="1" dirty="0">
+                  <a:solidFill>
+                    <a:schemeClr val="dk1"/>
+                  </a:solidFill>
+                  <a:latin typeface="Quattrocento Sans"/>
+                  <a:ea typeface="Quattrocento Sans"/>
+                  <a:cs typeface="Quattrocento Sans"/>
+                  <a:sym typeface="Quattrocento Sans"/>
+                </a:rPr>
+                <a:t>Has the user done something?</a:t>
+              </a:r>
+              <a:endParaRPr sz="800" b="1" dirty="0">
+                <a:solidFill>
+                  <a:schemeClr val="dk1"/>
+                </a:solidFill>
+                <a:latin typeface="Quattrocento Sans"/>
+                <a:ea typeface="Quattrocento Sans"/>
+                <a:cs typeface="Quattrocento Sans"/>
+                <a:sym typeface="Quattrocento Sans"/>
+              </a:endParaRPr>
+            </a:p>
+          </p:txBody>
+        </p:sp>
+      </p:grpSp>
+      <p:grpSp>
+        <p:nvGrpSpPr>
+          <p:cNvPr id="234" name="Google Shape;234;p24"/>
+          <p:cNvGrpSpPr/>
+          <p:nvPr/>
+        </p:nvGrpSpPr>
+        <p:grpSpPr>
+          <a:xfrm>
+            <a:off x="3808226" y="3916140"/>
+            <a:ext cx="1495200" cy="1143796"/>
+            <a:chOff x="3808226" y="3535140"/>
+            <a:chExt cx="1495200" cy="1143796"/>
+          </a:xfrm>
+        </p:grpSpPr>
+        <p:cxnSp>
+          <p:nvCxnSpPr>
+            <p:cNvPr id="235" name="Google Shape;235;p24"/>
+            <p:cNvCxnSpPr/>
+            <p:nvPr/>
+          </p:nvCxnSpPr>
+          <p:spPr>
+            <a:xfrm rot="10800000">
+              <a:off x="4556399" y="3535140"/>
+              <a:ext cx="0" cy="460500"/>
+            </a:xfrm>
+            <a:prstGeom prst="straightConnector1">
+              <a:avLst/>
+            </a:prstGeom>
+            <a:noFill/>
+            <a:ln w="19050" cap="flat" cmpd="sng">
+              <a:solidFill>
+                <a:schemeClr val="accent3"/>
+              </a:solidFill>
+              <a:prstDash val="solid"/>
+              <a:round/>
+              <a:headEnd type="oval" w="med" len="med"/>
+              <a:tailEnd type="none" w="sm" len="sm"/>
+            </a:ln>
+          </p:spPr>
+        </p:cxnSp>
+        <p:sp>
+          <p:nvSpPr>
+            <p:cNvPr id="236" name="Google Shape;236;p24"/>
+            <p:cNvSpPr txBox="1"/>
+            <p:nvPr/>
+          </p:nvSpPr>
+          <p:spPr>
+            <a:xfrm>
+              <a:off x="3808226" y="4009336"/>
+              <a:ext cx="1495200" cy="669600"/>
+            </a:xfrm>
+            <a:prstGeom prst="rect">
+              <a:avLst/>
+            </a:prstGeom>
+            <a:noFill/>
+            <a:ln>
+              <a:noFill/>
+            </a:ln>
+          </p:spPr>
+          <p:txBody>
+            <a:bodyPr spcFirstLastPara="1" wrap="square" lIns="91425" tIns="91425" rIns="91425" bIns="91425" anchor="t" anchorCtr="0">
+              <a:noAutofit/>
+            </a:bodyPr>
+            <a:lstStyle/>
+            <a:p>
+              <a:pPr marL="0" lvl="0" indent="0" algn="ctr" rtl="0">
+                <a:lnSpc>
+                  <a:spcPct val="115000"/>
+                </a:lnSpc>
+                <a:spcBef>
+                  <a:spcPts val="0"/>
+                </a:spcBef>
+                <a:spcAft>
+                  <a:spcPts val="0"/>
+                </a:spcAft>
+                <a:buNone/>
+              </a:pPr>
+              <a:r>
+                <a:rPr lang="en-US" sz="800" dirty="0">
+                  <a:solidFill>
+                    <a:schemeClr val="dk1"/>
+                  </a:solidFill>
+                  <a:latin typeface="Quattrocento Sans"/>
+                  <a:ea typeface="Quattrocento Sans"/>
+                  <a:cs typeface="Quattrocento Sans"/>
+                  <a:sym typeface="Quattrocento Sans"/>
+                </a:rPr>
+                <a:t>Actions</a:t>
+              </a:r>
+              <a:endParaRPr sz="800" dirty="0">
+                <a:solidFill>
+                  <a:schemeClr val="dk1"/>
+                </a:solidFill>
+                <a:latin typeface="Quattrocento Sans"/>
+                <a:ea typeface="Quattrocento Sans"/>
+                <a:cs typeface="Quattrocento Sans"/>
+                <a:sym typeface="Quattrocento Sans"/>
+              </a:endParaRPr>
+            </a:p>
+            <a:p>
+              <a:pPr marL="0" lvl="0" indent="0" algn="ctr" rtl="0">
+                <a:lnSpc>
+                  <a:spcPct val="115000"/>
+                </a:lnSpc>
+                <a:spcBef>
+                  <a:spcPts val="0"/>
+                </a:spcBef>
+                <a:spcAft>
+                  <a:spcPts val="0"/>
+                </a:spcAft>
+                <a:buNone/>
+              </a:pPr>
+              <a:endParaRPr sz="600" dirty="0">
+                <a:solidFill>
+                  <a:schemeClr val="dk1"/>
+                </a:solidFill>
+                <a:latin typeface="Quattrocento Sans"/>
+                <a:ea typeface="Quattrocento Sans"/>
+                <a:cs typeface="Quattrocento Sans"/>
+                <a:sym typeface="Quattrocento Sans"/>
+              </a:endParaRPr>
+            </a:p>
+            <a:p>
+              <a:pPr marL="0" lvl="0" indent="0" algn="ctr" rtl="0">
+                <a:lnSpc>
+                  <a:spcPct val="115000"/>
+                </a:lnSpc>
+                <a:spcBef>
+                  <a:spcPts val="0"/>
+                </a:spcBef>
+                <a:spcAft>
+                  <a:spcPts val="0"/>
+                </a:spcAft>
+                <a:buNone/>
+              </a:pPr>
+              <a:r>
+                <a:rPr lang="en" sz="800" b="1" dirty="0">
+                  <a:solidFill>
+                    <a:schemeClr val="dk1"/>
+                  </a:solidFill>
+                  <a:latin typeface="Quattrocento Sans"/>
+                  <a:ea typeface="Quattrocento Sans"/>
+                  <a:cs typeface="Quattrocento Sans"/>
+                  <a:sym typeface="Quattrocento Sans"/>
+                </a:rPr>
+                <a:t>Show a stimulus</a:t>
+              </a:r>
+            </a:p>
+            <a:p>
+              <a:pPr marL="0" lvl="0" indent="0" algn="ctr" rtl="0">
+                <a:lnSpc>
+                  <a:spcPct val="115000"/>
+                </a:lnSpc>
+                <a:spcBef>
+                  <a:spcPts val="0"/>
+                </a:spcBef>
+                <a:spcAft>
+                  <a:spcPts val="0"/>
+                </a:spcAft>
+                <a:buNone/>
+              </a:pPr>
+              <a:r>
+                <a:rPr lang="en" sz="800" b="1" dirty="0">
+                  <a:solidFill>
+                    <a:schemeClr val="dk1"/>
+                  </a:solidFill>
+                  <a:latin typeface="Quattrocento Sans"/>
+                  <a:ea typeface="Quattrocento Sans"/>
+                  <a:cs typeface="Quattrocento Sans"/>
+                  <a:sym typeface="Quattrocento Sans"/>
+                </a:rPr>
+                <a:t>End the trial</a:t>
+              </a:r>
+              <a:endParaRPr sz="800" b="1" dirty="0">
+                <a:solidFill>
+                  <a:schemeClr val="dk1"/>
+                </a:solidFill>
+                <a:latin typeface="Quattrocento Sans"/>
+                <a:ea typeface="Quattrocento Sans"/>
+                <a:cs typeface="Quattrocento Sans"/>
+                <a:sym typeface="Quattrocento Sans"/>
+              </a:endParaRPr>
+            </a:p>
+          </p:txBody>
+        </p:sp>
+      </p:grpSp>
+      <p:sp>
+        <p:nvSpPr>
+          <p:cNvPr id="237" name="Google Shape;237;p24"/>
+          <p:cNvSpPr txBox="1"/>
+          <p:nvPr/>
+        </p:nvSpPr>
+        <p:spPr>
+          <a:xfrm>
+            <a:off x="3845784" y="2437460"/>
+            <a:ext cx="1443600" cy="804300"/>
+          </a:xfrm>
+          <a:prstGeom prst="rect">
+            <a:avLst/>
+          </a:prstGeom>
+          <a:noFill/>
+          <a:ln>
+            <a:noFill/>
+          </a:ln>
+        </p:spPr>
+        <p:txBody>
+          <a:bodyPr spcFirstLastPara="1" wrap="square" lIns="91425" tIns="91425" rIns="91425" bIns="91425" anchor="ctr" anchorCtr="0">
+            <a:noAutofit/>
+          </a:bodyPr>
+          <a:lstStyle/>
+          <a:p>
+            <a:pPr marL="0" lvl="0" indent="0" algn="ctr" rtl="0">
+              <a:lnSpc>
+                <a:spcPct val="115000"/>
+              </a:lnSpc>
+              <a:spcBef>
+                <a:spcPts val="0"/>
+              </a:spcBef>
+              <a:spcAft>
+                <a:spcPts val="0"/>
+              </a:spcAft>
+              <a:buNone/>
+            </a:pPr>
+            <a:r>
+              <a:rPr lang="en" sz="1200" b="1" dirty="0">
+                <a:solidFill>
+                  <a:schemeClr val="dk2"/>
+                </a:solidFill>
+                <a:latin typeface="Quattrocento Sans"/>
+                <a:ea typeface="Quattrocento Sans"/>
+                <a:cs typeface="Quattrocento Sans"/>
+                <a:sym typeface="Quattrocento Sans"/>
+              </a:rPr>
+              <a:t>The interaction cycle</a:t>
+            </a:r>
+            <a:endParaRPr sz="1200" dirty="0">
+              <a:solidFill>
+                <a:schemeClr val="dk2"/>
+              </a:solidFill>
+              <a:latin typeface="Quattrocento Sans"/>
+              <a:ea typeface="Quattrocento Sans"/>
+              <a:cs typeface="Quattrocento Sans"/>
+              <a:sym typeface="Quattrocento Sans"/>
+            </a:endParaRPr>
+          </a:p>
+        </p:txBody>
+      </p:sp>
+      <p:sp>
+        <p:nvSpPr>
+          <p:cNvPr id="238" name="Google Shape;238;p24"/>
+          <p:cNvSpPr/>
+          <p:nvPr/>
+        </p:nvSpPr>
+        <p:spPr>
+          <a:xfrm rot="1800047">
+            <a:off x="3219843" y="1467434"/>
+            <a:ext cx="2690936" cy="2690936"/>
+          </a:xfrm>
+          <a:prstGeom prst="blockArc">
+            <a:avLst>
+              <a:gd name="adj1" fmla="val 14414370"/>
+              <a:gd name="adj2" fmla="val 694"/>
+              <a:gd name="adj3" fmla="val 9562"/>
+            </a:avLst>
+          </a:prstGeom>
+          <a:solidFill>
+            <a:schemeClr val="accent2"/>
+          </a:solidFill>
+          <a:ln>
+            <a:noFill/>
+          </a:ln>
+          <a:effectLst>
+            <a:outerShdw blurRad="71438" dist="9525" dir="5400000" algn="bl" rotWithShape="0">
+              <a:srgbClr val="000000">
+                <a:alpha val="40000"/>
+              </a:srgbClr>
+            </a:outerShdw>
+          </a:effectLst>
+        </p:spPr>
+        <p:txBody>
+          <a:bodyPr spcFirstLastPara="1" wrap="square" lIns="91425" tIns="91425" rIns="91425" bIns="91425" anchor="ctr" anchorCtr="0">
+            <a:noAutofit/>
+          </a:bodyPr>
+          <a:lstStyle/>
+          <a:p>
+            <a:pPr marL="0" lvl="0" indent="0" algn="l" rtl="0">
+              <a:spcBef>
+                <a:spcPts val="0"/>
+              </a:spcBef>
+              <a:spcAft>
+                <a:spcPts val="0"/>
+              </a:spcAft>
+              <a:buNone/>
+            </a:pPr>
+            <a:endParaRPr/>
+          </a:p>
+        </p:txBody>
+      </p:sp>
+      <p:sp>
+        <p:nvSpPr>
+          <p:cNvPr id="239" name="Google Shape;239;p24"/>
+          <p:cNvSpPr/>
+          <p:nvPr/>
+        </p:nvSpPr>
+        <p:spPr>
+          <a:xfrm rot="-1800047" flipH="1">
+            <a:off x="3221956" y="1467434"/>
+            <a:ext cx="2690936" cy="2690936"/>
+          </a:xfrm>
+          <a:prstGeom prst="blockArc">
+            <a:avLst>
+              <a:gd name="adj1" fmla="val 14348563"/>
+              <a:gd name="adj2" fmla="val 21472873"/>
+              <a:gd name="adj3" fmla="val 9381"/>
+            </a:avLst>
+          </a:prstGeom>
+          <a:solidFill>
+            <a:schemeClr val="accent1"/>
+          </a:solidFill>
+          <a:ln>
+            <a:noFill/>
+          </a:ln>
+          <a:effectLst>
+            <a:outerShdw blurRad="71438" dist="9525" dir="5400000" algn="bl" rotWithShape="0">
+              <a:srgbClr val="000000">
+                <a:alpha val="40000"/>
+              </a:srgbClr>
+            </a:outerShdw>
+          </a:effectLst>
+        </p:spPr>
+        <p:txBody>
+          <a:bodyPr spcFirstLastPara="1" wrap="square" lIns="91425" tIns="91425" rIns="91425" bIns="91425" anchor="ctr" anchorCtr="0">
+            <a:noAutofit/>
+          </a:bodyPr>
+          <a:lstStyle/>
+          <a:p>
+            <a:pPr marL="0" lvl="0" indent="0" algn="l" rtl="0">
+              <a:spcBef>
+                <a:spcPts val="0"/>
+              </a:spcBef>
+              <a:spcAft>
+                <a:spcPts val="0"/>
+              </a:spcAft>
+              <a:buNone/>
+            </a:pPr>
+            <a:endParaRPr/>
+          </a:p>
+        </p:txBody>
+      </p:sp>
+      <p:sp>
+        <p:nvSpPr>
+          <p:cNvPr id="240" name="Google Shape;240;p24"/>
+          <p:cNvSpPr/>
+          <p:nvPr/>
+        </p:nvSpPr>
+        <p:spPr>
+          <a:xfrm rot="-8100000">
+            <a:off x="4382715" y="1408393"/>
+            <a:ext cx="363170" cy="363170"/>
+          </a:xfrm>
+          <a:prstGeom prst="rtTriangle">
+            <a:avLst/>
+          </a:prstGeom>
+          <a:solidFill>
+            <a:schemeClr val="accent1"/>
+          </a:solidFill>
+          <a:ln>
+            <a:noFill/>
+          </a:ln>
+        </p:spPr>
+        <p:txBody>
+          <a:bodyPr spcFirstLastPara="1" wrap="square" lIns="91425" tIns="91425" rIns="91425" bIns="91425" anchor="ctr" anchorCtr="0">
+            <a:noAutofit/>
+          </a:bodyPr>
+          <a:lstStyle/>
+          <a:p>
+            <a:pPr marL="0" lvl="0" indent="0" algn="l" rtl="0">
+              <a:spcBef>
+                <a:spcPts val="0"/>
+              </a:spcBef>
+              <a:spcAft>
+                <a:spcPts val="0"/>
+              </a:spcAft>
+              <a:buNone/>
+            </a:pPr>
+            <a:endParaRPr/>
+          </a:p>
+        </p:txBody>
+      </p:sp>
+      <p:sp>
+        <p:nvSpPr>
+          <p:cNvPr id="241" name="Google Shape;241;p24"/>
+          <p:cNvSpPr/>
+          <p:nvPr/>
+        </p:nvSpPr>
+        <p:spPr>
+          <a:xfrm rot="-9000757" flipH="1">
+            <a:off x="3220953" y="1465808"/>
+            <a:ext cx="2690226" cy="2690226"/>
+          </a:xfrm>
+          <a:prstGeom prst="blockArc">
+            <a:avLst>
+              <a:gd name="adj1" fmla="val 14316164"/>
+              <a:gd name="adj2" fmla="val 21502663"/>
+              <a:gd name="adj3" fmla="val 9415"/>
+            </a:avLst>
+          </a:prstGeom>
+          <a:solidFill>
+            <a:schemeClr val="accent3"/>
+          </a:solidFill>
+          <a:ln>
+            <a:noFill/>
+          </a:ln>
+          <a:effectLst>
+            <a:outerShdw blurRad="71438" dist="9525" dir="5400000" algn="bl" rotWithShape="0">
+              <a:srgbClr val="000000">
+                <a:alpha val="40000"/>
+              </a:srgbClr>
+            </a:outerShdw>
+          </a:effectLst>
+        </p:spPr>
+        <p:txBody>
+          <a:bodyPr spcFirstLastPara="1" wrap="square" lIns="91425" tIns="91425" rIns="91425" bIns="91425" anchor="ctr" anchorCtr="0">
+            <a:noAutofit/>
+          </a:bodyPr>
+          <a:lstStyle/>
+          <a:p>
+            <a:pPr marL="0" lvl="0" indent="0" algn="l" rtl="0">
+              <a:spcBef>
+                <a:spcPts val="0"/>
+              </a:spcBef>
+              <a:spcAft>
+                <a:spcPts val="0"/>
+              </a:spcAft>
+              <a:buNone/>
+            </a:pPr>
+            <a:endParaRPr/>
+          </a:p>
+        </p:txBody>
+      </p:sp>
+      <p:sp>
+        <p:nvSpPr>
+          <p:cNvPr id="242" name="Google Shape;242;p24"/>
+          <p:cNvSpPr/>
+          <p:nvPr/>
+        </p:nvSpPr>
+        <p:spPr>
+          <a:xfrm rot="-1027861">
+            <a:off x="5485874" y="3230832"/>
+            <a:ext cx="312672" cy="312672"/>
+          </a:xfrm>
+          <a:prstGeom prst="rtTriangle">
+            <a:avLst/>
+          </a:prstGeom>
+          <a:solidFill>
+            <a:schemeClr val="accent2"/>
+          </a:solidFill>
+          <a:ln>
+            <a:noFill/>
+          </a:ln>
+        </p:spPr>
+        <p:txBody>
+          <a:bodyPr spcFirstLastPara="1" wrap="square" lIns="91425" tIns="91425" rIns="91425" bIns="91425" anchor="ctr" anchorCtr="0">
+            <a:noAutofit/>
+          </a:bodyPr>
+          <a:lstStyle/>
+          <a:p>
+            <a:pPr marL="0" lvl="0" indent="0" algn="l" rtl="0">
+              <a:spcBef>
+                <a:spcPts val="0"/>
+              </a:spcBef>
+              <a:spcAft>
+                <a:spcPts val="0"/>
+              </a:spcAft>
+              <a:buNone/>
+            </a:pPr>
+            <a:endParaRPr/>
+          </a:p>
+        </p:txBody>
+      </p:sp>
+      <p:sp>
+        <p:nvSpPr>
+          <p:cNvPr id="243" name="Google Shape;243;p24"/>
+          <p:cNvSpPr/>
+          <p:nvPr/>
+        </p:nvSpPr>
+        <p:spPr>
+          <a:xfrm rot="6359841">
+            <a:off x="3315801" y="3228762"/>
+            <a:ext cx="363580" cy="363580"/>
+          </a:xfrm>
+          <a:prstGeom prst="rtTriangle">
+            <a:avLst/>
+          </a:prstGeom>
+          <a:solidFill>
+            <a:schemeClr val="accent3"/>
+          </a:solidFill>
+          <a:ln>
+            <a:noFill/>
+          </a:ln>
+        </p:spPr>
+        <p:txBody>
+          <a:bodyPr spcFirstLastPara="1" wrap="square" lIns="91425" tIns="91425" rIns="91425" bIns="91425" anchor="ctr" anchorCtr="0">
+            <a:noAutofit/>
+          </a:bodyPr>
+          <a:lstStyle/>
+          <a:p>
+            <a:pPr marL="0" lvl="0" indent="0" algn="l" rtl="0">
+              <a:spcBef>
+                <a:spcPts val="0"/>
+              </a:spcBef>
+              <a:spcAft>
+                <a:spcPts val="0"/>
+              </a:spcAft>
+              <a:buNone/>
+            </a:pPr>
+            <a:endParaRPr/>
+          </a:p>
+        </p:txBody>
+      </p:sp>
+    </p:spTree>
+  </p:cSld>
+  <p:clrMapOvr>
+    <a:masterClrMapping/>
+  </p:clrMapOvr>
+  <p:timing>
+    <p:tnLst>
+      <p:par>
+        <p:cTn id="1" dur="indefinite" restart="never" nodeType="tmRoot">
+          <p:childTnLst>
+            <p:seq concurrent="1" nextAc="seek">
+              <p:cTn id="2" dur="indefinite" nodeType="mainSeq">
+                <p:childTnLst>
+                  <p:par>
+                    <p:cTn id="3" fill="hold">
+                      <p:stCondLst>
+                        <p:cond delay="indefinite"/>
+                      </p:stCondLst>
+                      <p:childTnLst>
+                        <p:par>
+                          <p:cTn id="4" fill="hold">
+                            <p:stCondLst>
+                              <p:cond delay="0"/>
+                            </p:stCondLst>
+                            <p:childTnLst>
+                              <p:par>
+                                <p:cTn id="5" presetID="1" presetClass="entr" presetSubtype="0" fill="hold" nodeType="clickEffect">
+                                  <p:stCondLst>
+                                    <p:cond delay="0"/>
+                                  </p:stCondLst>
+                                  <p:childTnLst>
+                                    <p:set>
+                                      <p:cBhvr>
+                                        <p:cTn id="6" dur="1" fill="hold">
+                                          <p:stCondLst>
+                                            <p:cond delay="0"/>
+                                          </p:stCondLst>
+                                        </p:cTn>
+                                        <p:tgtEl>
+                                          <p:spTgt spid="228"/>
+                                        </p:tgtEl>
+                                        <p:attrNameLst>
+                                          <p:attrName>style.visibility</p:attrName>
+                                        </p:attrNameLst>
+                                      </p:cBhvr>
+                                      <p:to>
+                                        <p:strVal val="visible"/>
+                                      </p:to>
+                                    </p:set>
+                                  </p:childTnLst>
+                                </p:cTn>
+                              </p:par>
+                            </p:childTnLst>
+                          </p:cTn>
+                        </p:par>
+                      </p:childTnLst>
+                    </p:cTn>
+                  </p:par>
+                  <p:par>
+                    <p:cTn id="7" fill="hold">
+                      <p:stCondLst>
+                        <p:cond delay="indefinite"/>
+                      </p:stCondLst>
+                      <p:childTnLst>
+                        <p:par>
+                          <p:cTn id="8" fill="hold">
+                            <p:stCondLst>
+                              <p:cond delay="0"/>
+                            </p:stCondLst>
+                            <p:childTnLst>
+                              <p:par>
+                                <p:cTn id="9" presetID="1" presetClass="entr" presetSubtype="0" fill="hold" nodeType="clickEffect">
+                                  <p:stCondLst>
+                                    <p:cond delay="0"/>
+                                  </p:stCondLst>
+                                  <p:childTnLst>
+                                    <p:set>
+                                      <p:cBhvr>
+                                        <p:cTn id="10" dur="1" fill="hold">
+                                          <p:stCondLst>
+                                            <p:cond delay="0"/>
+                                          </p:stCondLst>
+                                        </p:cTn>
+                                        <p:tgtEl>
+                                          <p:spTgt spid="231"/>
+                                        </p:tgtEl>
+                                        <p:attrNameLst>
+                                          <p:attrName>style.visibility</p:attrName>
+                                        </p:attrNameLst>
+                                      </p:cBhvr>
+                                      <p:to>
+                                        <p:strVal val="visible"/>
+                                      </p:to>
+                                    </p:set>
+                                  </p:childTnLst>
+                                </p:cTn>
+                              </p:par>
+                            </p:childTnLst>
+                          </p:cTn>
+                        </p:par>
+                      </p:childTnLst>
+                    </p:cTn>
+                  </p:par>
+                  <p:par>
+                    <p:cTn id="11" fill="hold">
+                      <p:stCondLst>
+                        <p:cond delay="indefinite"/>
+                      </p:stCondLst>
+                      <p:childTnLst>
+                        <p:par>
+                          <p:cTn id="12" fill="hold">
+                            <p:stCondLst>
+                              <p:cond delay="0"/>
+                            </p:stCondLst>
+                            <p:childTnLst>
+                              <p:par>
+                                <p:cTn id="13" presetID="1" presetClass="entr" presetSubtype="0" fill="hold" nodeType="clickEffect">
+                                  <p:stCondLst>
+                                    <p:cond delay="0"/>
+                                  </p:stCondLst>
+                                  <p:childTnLst>
+                                    <p:set>
+                                      <p:cBhvr>
+                                        <p:cTn id="14" dur="1" fill="hold">
+                                          <p:stCondLst>
+                                            <p:cond delay="0"/>
+                                          </p:stCondLst>
+                                        </p:cTn>
+                                        <p:tgtEl>
+                                          <p:spTgt spid="234"/>
+                                        </p:tgtEl>
+                                        <p:attrNameLst>
+                                          <p:attrName>style.visibility</p:attrName>
+                                        </p:attrNameLst>
+                                      </p:cBhvr>
+                                      <p:to>
+                                        <p:strVal val="visible"/>
+                                      </p:to>
+                                    </p:set>
+                                  </p:childTnLst>
+                                </p:cTn>
+                              </p:par>
+                            </p:childTnLst>
+                          </p:cTn>
+                        </p:par>
+                      </p:childTnLst>
+                    </p:cTn>
+                  </p:par>
+                </p:childTnLst>
+              </p:cTn>
+              <p:prevCondLst>
+                <p:cond evt="onPrev" delay="0">
+                  <p:tgtEl>
+                    <p:sldTgt/>
+                  </p:tgtEl>
+                </p:cond>
+              </p:prevCondLst>
+              <p:nextCondLst>
+                <p:cond evt="onNext" delay="0">
+                  <p:tgtEl>
+                    <p:sldTgt/>
+                  </p:tgtEl>
+                </p:cond>
+              </p:nextCondLst>
+            </p:seq>
+          </p:childTnLst>
+        </p:cTn>
+      </p:par>
+    </p:tnLst>
+  </p:timing>
+</p:sld>
+</file>
+
+<file path=ppt/slides/slide17.xml><?xml version="1.0" encoding="utf-8"?>
+<p:sld xmlns:a="http://schemas.openxmlformats.org/drawingml/2006/main" xmlns:r="http://schemas.openxmlformats.org/officeDocument/2006/relationships" xmlns:p="http://schemas.openxmlformats.org/presentationml/2006/main">
+  <p:cSld>
+    <p:spTree>
+      <p:nvGrpSpPr>
+        <p:cNvPr id="1" name="Shape 109"/>
+        <p:cNvGrpSpPr/>
+        <p:nvPr/>
+      </p:nvGrpSpPr>
+      <p:grpSpPr>
+        <a:xfrm>
+          <a:off x="0" y="0"/>
+          <a:ext cx="0" cy="0"/>
+          <a:chOff x="0" y="0"/>
+          <a:chExt cx="0" cy="0"/>
+        </a:xfrm>
+      </p:grpSpPr>
+      <p:sp>
+        <p:nvSpPr>
+          <p:cNvPr id="110" name="Google Shape;110;p15"/>
+          <p:cNvSpPr txBox="1">
+            <a:spLocks noGrp="1"/>
+          </p:cNvSpPr>
+          <p:nvPr>
+            <p:ph type="ctrTitle"/>
+          </p:nvPr>
+        </p:nvSpPr>
+        <p:spPr>
+          <a:xfrm>
+            <a:off x="2022225" y="1693523"/>
+            <a:ext cx="3787800" cy="1159800"/>
+          </a:xfrm>
+          <a:prstGeom prst="rect">
+            <a:avLst/>
+          </a:prstGeom>
+        </p:spPr>
+        <p:txBody>
+          <a:bodyPr spcFirstLastPara="1" wrap="square" lIns="91425" tIns="91425" rIns="91425" bIns="91425" anchor="b" anchorCtr="0">
+            <a:noAutofit/>
+          </a:bodyPr>
+          <a:lstStyle/>
+          <a:p>
+            <a:pPr marL="0" lvl="0" indent="0" algn="l" rtl="0">
+              <a:spcBef>
+                <a:spcPts val="0"/>
+              </a:spcBef>
+              <a:spcAft>
+                <a:spcPts val="0"/>
+              </a:spcAft>
+              <a:buNone/>
+            </a:pPr>
+            <a:r>
+              <a:rPr lang="en" dirty="0"/>
+              <a:t>Building a task</a:t>
+            </a:r>
+            <a:endParaRPr dirty="0"/>
+          </a:p>
+        </p:txBody>
+      </p:sp>
+      <p:sp>
+        <p:nvSpPr>
+          <p:cNvPr id="111" name="Google Shape;111;p15"/>
+          <p:cNvSpPr txBox="1">
+            <a:spLocks noGrp="1"/>
+          </p:cNvSpPr>
+          <p:nvPr>
+            <p:ph type="subTitle" idx="1"/>
+          </p:nvPr>
+        </p:nvSpPr>
+        <p:spPr>
+          <a:xfrm>
+            <a:off x="2022300" y="2815923"/>
+            <a:ext cx="5591400" cy="784800"/>
+          </a:xfrm>
+          <a:prstGeom prst="rect">
+            <a:avLst/>
+          </a:prstGeom>
+        </p:spPr>
+        <p:txBody>
+          <a:bodyPr spcFirstLastPara="1" wrap="square" lIns="91425" tIns="91425" rIns="91425" bIns="91425" anchor="t" anchorCtr="0">
+            <a:noAutofit/>
+          </a:bodyPr>
+          <a:lstStyle/>
+          <a:p>
+            <a:pPr marL="0" lvl="0" indent="0" algn="l" rtl="0">
+              <a:spcBef>
+                <a:spcPts val="0"/>
+              </a:spcBef>
+              <a:spcAft>
+                <a:spcPts val="0"/>
+              </a:spcAft>
+              <a:buNone/>
+            </a:pPr>
+            <a:r>
+              <a:rPr lang="en-US" dirty="0"/>
+              <a:t>A minimal sorting task with </a:t>
+            </a:r>
+            <a:r>
+              <a:rPr lang="en-US" dirty="0" err="1"/>
+              <a:t>MinnoJS</a:t>
+            </a:r>
+            <a:endParaRPr dirty="0"/>
+          </a:p>
+        </p:txBody>
+      </p:sp>
+      <p:sp>
+        <p:nvSpPr>
+          <p:cNvPr id="112" name="Google Shape;112;p15"/>
+          <p:cNvSpPr txBox="1"/>
+          <p:nvPr/>
+        </p:nvSpPr>
+        <p:spPr>
+          <a:xfrm>
+            <a:off x="1133975" y="2291150"/>
+            <a:ext cx="543900" cy="562200"/>
+          </a:xfrm>
+          <a:prstGeom prst="rect">
+            <a:avLst/>
+          </a:prstGeom>
+          <a:noFill/>
+          <a:ln>
+            <a:noFill/>
+          </a:ln>
+        </p:spPr>
+        <p:txBody>
+          <a:bodyPr spcFirstLastPara="1" wrap="square" lIns="91425" tIns="91425" rIns="91425" bIns="91425" anchor="ctr" anchorCtr="0">
+            <a:noAutofit/>
+          </a:bodyPr>
+          <a:lstStyle/>
+          <a:p>
+            <a:pPr marL="0" lvl="0" indent="0" algn="ctr" rtl="0">
+              <a:spcBef>
+                <a:spcPts val="0"/>
+              </a:spcBef>
+              <a:spcAft>
+                <a:spcPts val="0"/>
+              </a:spcAft>
+              <a:buNone/>
+            </a:pPr>
+            <a:r>
+              <a:rPr lang="en" sz="2400" dirty="0">
+                <a:solidFill>
+                  <a:schemeClr val="dk1"/>
+                </a:solidFill>
+                <a:latin typeface="Lora"/>
+                <a:ea typeface="Lora"/>
+                <a:cs typeface="Lora"/>
+                <a:sym typeface="Lora"/>
+              </a:rPr>
+              <a:t>3</a:t>
+            </a:r>
+            <a:endParaRPr sz="2400" dirty="0">
+              <a:latin typeface="Lora"/>
+              <a:ea typeface="Lora"/>
+              <a:cs typeface="Lora"/>
+              <a:sym typeface="Lora"/>
+            </a:endParaRPr>
+          </a:p>
+        </p:txBody>
+      </p:sp>
+      <p:sp>
+        <p:nvSpPr>
+          <p:cNvPr id="113" name="Google Shape;113;p15"/>
+          <p:cNvSpPr txBox="1">
+            <a:spLocks noGrp="1"/>
+          </p:cNvSpPr>
+          <p:nvPr>
+            <p:ph type="sldNum" idx="12"/>
+          </p:nvPr>
+        </p:nvSpPr>
+        <p:spPr>
+          <a:xfrm>
+            <a:off x="8543227" y="4749851"/>
+            <a:ext cx="548700" cy="393600"/>
+          </a:xfrm>
+          <a:prstGeom prst="rect">
+            <a:avLst/>
+          </a:prstGeom>
+        </p:spPr>
+        <p:txBody>
+          <a:bodyPr spcFirstLastPara="1" wrap="square" lIns="91425" tIns="91425" rIns="91425" bIns="91425" anchor="t" anchorCtr="0">
+            <a:noAutofit/>
+          </a:bodyPr>
+          <a:lstStyle/>
+          <a:p>
+            <a:pPr marL="0" lvl="0" indent="0" algn="r" rtl="0">
+              <a:spcBef>
+                <a:spcPts val="0"/>
+              </a:spcBef>
+              <a:spcAft>
+                <a:spcPts val="0"/>
+              </a:spcAft>
+              <a:buNone/>
+            </a:pPr>
+            <a:fld id="{00000000-1234-1234-1234-123412341234}" type="slidenum">
+              <a:rPr lang="en"/>
+              <a:t>17</a:t>
+            </a:fld>
+            <a:endParaRPr/>
+          </a:p>
+        </p:txBody>
+      </p:sp>
+    </p:spTree>
+    <p:extLst>
+      <p:ext uri="{BB962C8B-B14F-4D97-AF65-F5344CB8AC3E}">
+        <p14:creationId xmlns:p14="http://schemas.microsoft.com/office/powerpoint/2010/main" val="355540138"/>
+      </p:ext>
+    </p:extLst>
+  </p:cSld>
+  <p:clrMapOvr>
+    <a:masterClrMapping/>
+  </p:clrMapOvr>
+</p:sld>
+</file>
+
+<file path=ppt/slides/slide18.xml><?xml version="1.0" encoding="utf-8"?>
+<p:sld xmlns:a="http://schemas.openxmlformats.org/drawingml/2006/main" xmlns:r="http://schemas.openxmlformats.org/officeDocument/2006/relationships" xmlns:p="http://schemas.openxmlformats.org/presentationml/2006/main">
+  <p:cSld>
+    <p:spTree>
+      <p:nvGrpSpPr>
+        <p:cNvPr id="1" name="Shape 123"/>
+        <p:cNvGrpSpPr/>
+        <p:nvPr/>
+      </p:nvGrpSpPr>
+      <p:grpSpPr>
+        <a:xfrm>
+          <a:off x="0" y="0"/>
+          <a:ext cx="0" cy="0"/>
+          <a:chOff x="0" y="0"/>
+          <a:chExt cx="0" cy="0"/>
+        </a:xfrm>
+      </p:grpSpPr>
+      <p:sp>
+        <p:nvSpPr>
+          <p:cNvPr id="124" name="Google Shape;124;p17"/>
+          <p:cNvSpPr txBox="1">
+            <a:spLocks noGrp="1"/>
+          </p:cNvSpPr>
+          <p:nvPr>
+            <p:ph type="title"/>
+          </p:nvPr>
+        </p:nvSpPr>
+        <p:spPr>
+          <a:xfrm>
+            <a:off x="1381250" y="922668"/>
+            <a:ext cx="3878400" cy="435600"/>
+          </a:xfrm>
+          <a:prstGeom prst="rect">
+            <a:avLst/>
+          </a:prstGeom>
+        </p:spPr>
+        <p:txBody>
+          <a:bodyPr spcFirstLastPara="1" wrap="square" lIns="91425" tIns="91425" rIns="91425" bIns="91425" anchor="ctr" anchorCtr="0">
+            <a:noAutofit/>
+          </a:bodyPr>
+          <a:lstStyle/>
+          <a:p>
+            <a:pPr marL="0" lvl="0" indent="0" algn="l" rtl="0">
+              <a:spcBef>
+                <a:spcPts val="0"/>
+              </a:spcBef>
+              <a:spcAft>
+                <a:spcPts val="0"/>
+              </a:spcAft>
+              <a:buNone/>
+            </a:pPr>
+            <a:r>
+              <a:rPr lang="en" dirty="0"/>
+              <a:t>A sorting task</a:t>
+            </a:r>
+            <a:endParaRPr dirty="0"/>
+          </a:p>
+        </p:txBody>
+      </p:sp>
+      <p:sp>
+        <p:nvSpPr>
+          <p:cNvPr id="125" name="Google Shape;125;p17"/>
+          <p:cNvSpPr txBox="1">
+            <a:spLocks noGrp="1"/>
+          </p:cNvSpPr>
+          <p:nvPr>
+            <p:ph type="body" idx="1"/>
+          </p:nvPr>
+        </p:nvSpPr>
+        <p:spPr>
+          <a:xfrm>
+            <a:off x="1381250" y="1616470"/>
+            <a:ext cx="3383631" cy="3112200"/>
+          </a:xfrm>
+          <a:prstGeom prst="rect">
+            <a:avLst/>
+          </a:prstGeom>
+        </p:spPr>
+        <p:txBody>
+          <a:bodyPr spcFirstLastPara="1" wrap="square" lIns="91425" tIns="91425" rIns="91425" bIns="91425" anchor="t" anchorCtr="0">
+            <a:noAutofit/>
+          </a:bodyPr>
+          <a:lstStyle/>
+          <a:p>
+            <a:pPr marL="457200" lvl="0" indent="-381000" algn="l" rtl="0">
+              <a:spcBef>
+                <a:spcPts val="600"/>
+              </a:spcBef>
+              <a:spcAft>
+                <a:spcPts val="0"/>
+              </a:spcAft>
+              <a:buSzPts val="2400"/>
+              <a:buChar char="◉"/>
+            </a:pPr>
+            <a:r>
+              <a:rPr lang="en-US" dirty="0"/>
+              <a:t>Show labels</a:t>
+            </a:r>
+          </a:p>
+          <a:p>
+            <a:pPr marL="457200" lvl="0" indent="-381000" algn="l" rtl="0">
+              <a:spcBef>
+                <a:spcPts val="600"/>
+              </a:spcBef>
+              <a:spcAft>
+                <a:spcPts val="0"/>
+              </a:spcAft>
+              <a:buSzPts val="2400"/>
+              <a:buChar char="◉"/>
+            </a:pPr>
+            <a:r>
+              <a:rPr lang="en-US" dirty="0"/>
+              <a:t>Show target</a:t>
+            </a:r>
+          </a:p>
+          <a:p>
+            <a:pPr marL="457200" lvl="0" indent="-381000" algn="l" rtl="0">
+              <a:spcBef>
+                <a:spcPts val="600"/>
+              </a:spcBef>
+              <a:spcAft>
+                <a:spcPts val="0"/>
+              </a:spcAft>
+              <a:buSzPts val="2400"/>
+              <a:buChar char="◉"/>
+            </a:pPr>
+            <a:r>
+              <a:rPr lang="en-US" dirty="0"/>
+              <a:t>Hide target</a:t>
+            </a:r>
+          </a:p>
+          <a:p>
+            <a:pPr marL="457200" lvl="0" indent="-381000" algn="l" rtl="0">
+              <a:spcBef>
+                <a:spcPts val="600"/>
+              </a:spcBef>
+              <a:spcAft>
+                <a:spcPts val="0"/>
+              </a:spcAft>
+              <a:buSzPts val="2400"/>
+              <a:buChar char="◉"/>
+            </a:pPr>
+            <a:r>
+              <a:rPr lang="en-US" dirty="0"/>
+              <a:t>Use keyboard </a:t>
+            </a:r>
+            <a:r>
+              <a:rPr lang="en-US"/>
+              <a:t>to sort</a:t>
+            </a:r>
+            <a:endParaRPr lang="en-US" dirty="0"/>
+          </a:p>
+          <a:p>
+            <a:pPr marL="457200" lvl="0" indent="-381000" algn="l" rtl="0">
+              <a:spcBef>
+                <a:spcPts val="600"/>
+              </a:spcBef>
+              <a:spcAft>
+                <a:spcPts val="0"/>
+              </a:spcAft>
+              <a:buSzPts val="2400"/>
+              <a:buChar char="◉"/>
+            </a:pPr>
+            <a:endParaRPr lang="en-US" dirty="0"/>
+          </a:p>
+          <a:p>
+            <a:pPr marL="0" lvl="0" indent="0" algn="l" rtl="0">
+              <a:spcBef>
+                <a:spcPts val="600"/>
+              </a:spcBef>
+              <a:spcAft>
+                <a:spcPts val="0"/>
+              </a:spcAft>
+              <a:buNone/>
+            </a:pPr>
+            <a:endParaRPr dirty="0"/>
+          </a:p>
+        </p:txBody>
+      </p:sp>
+      <p:grpSp>
+        <p:nvGrpSpPr>
+          <p:cNvPr id="126" name="Google Shape;126;p17"/>
+          <p:cNvGrpSpPr/>
+          <p:nvPr/>
+        </p:nvGrpSpPr>
+        <p:grpSpPr>
+          <a:xfrm>
+            <a:off x="916458" y="1019750"/>
+            <a:ext cx="214625" cy="214625"/>
+            <a:chOff x="2594050" y="1631825"/>
+            <a:chExt cx="439625" cy="439625"/>
+          </a:xfrm>
+        </p:grpSpPr>
+        <p:sp>
+          <p:nvSpPr>
+            <p:cNvPr id="127" name="Google Shape;127;p17"/>
+            <p:cNvSpPr/>
+            <p:nvPr/>
+          </p:nvSpPr>
+          <p:spPr>
+            <a:xfrm>
+              <a:off x="2594050" y="1883300"/>
+              <a:ext cx="188175" cy="188150"/>
+            </a:xfrm>
+            <a:custGeom>
+              <a:avLst/>
+              <a:gdLst/>
+              <a:ahLst/>
+              <a:cxnLst/>
+              <a:rect l="l" t="t" r="r" b="b"/>
+              <a:pathLst>
+                <a:path w="7527" h="7526" fill="none" extrusionOk="0">
+                  <a:moveTo>
+                    <a:pt x="5992" y="0"/>
+                  </a:moveTo>
+                  <a:lnTo>
+                    <a:pt x="537" y="6430"/>
+                  </a:lnTo>
+                  <a:lnTo>
+                    <a:pt x="1" y="7526"/>
+                  </a:lnTo>
+                  <a:lnTo>
+                    <a:pt x="1097" y="6990"/>
+                  </a:lnTo>
+                  <a:lnTo>
+                    <a:pt x="7526" y="1534"/>
+                  </a:lnTo>
+                  <a:lnTo>
+                    <a:pt x="5992" y="0"/>
+                  </a:lnTo>
+                  <a:close/>
+                </a:path>
+              </a:pathLst>
+            </a:custGeom>
+            <a:noFill/>
+            <a:ln w="9525" cap="rnd" cmpd="sng">
+              <a:solidFill>
+                <a:srgbClr val="000000"/>
+              </a:solidFill>
+              <a:prstDash val="solid"/>
+              <a:round/>
+              <a:headEnd type="none" w="sm" len="sm"/>
+              <a:tailEnd type="none" w="sm" len="sm"/>
+            </a:ln>
+          </p:spPr>
+          <p:txBody>
+            <a:bodyPr spcFirstLastPara="1" wrap="square" lIns="91425" tIns="91425" rIns="91425" bIns="91425" anchor="ctr" anchorCtr="0">
+              <a:noAutofit/>
+            </a:bodyPr>
+            <a:lstStyle/>
+            <a:p>
+              <a:pPr marL="0" lvl="0" indent="0" algn="l" rtl="0">
+                <a:spcBef>
+                  <a:spcPts val="0"/>
+                </a:spcBef>
+                <a:spcAft>
+                  <a:spcPts val="0"/>
+                </a:spcAft>
+                <a:buNone/>
+              </a:pPr>
+              <a:endParaRPr/>
+            </a:p>
+          </p:txBody>
+        </p:sp>
+        <p:sp>
+          <p:nvSpPr>
+            <p:cNvPr id="128" name="Google Shape;128;p17"/>
+            <p:cNvSpPr/>
+            <p:nvPr/>
+          </p:nvSpPr>
+          <p:spPr>
+            <a:xfrm>
+              <a:off x="2857700" y="1631825"/>
+              <a:ext cx="175975" cy="176000"/>
+            </a:xfrm>
+            <a:custGeom>
+              <a:avLst/>
+              <a:gdLst/>
+              <a:ahLst/>
+              <a:cxnLst/>
+              <a:rect l="l" t="t" r="r" b="b"/>
+              <a:pathLst>
+                <a:path w="7039" h="7040" fill="none" extrusionOk="0">
+                  <a:moveTo>
+                    <a:pt x="268" y="2704"/>
+                  </a:moveTo>
+                  <a:lnTo>
+                    <a:pt x="4336" y="6771"/>
+                  </a:lnTo>
+                  <a:lnTo>
+                    <a:pt x="4336" y="6771"/>
+                  </a:lnTo>
+                  <a:lnTo>
+                    <a:pt x="4336" y="6771"/>
+                  </a:lnTo>
+                  <a:lnTo>
+                    <a:pt x="4652" y="6917"/>
+                  </a:lnTo>
+                  <a:lnTo>
+                    <a:pt x="4993" y="7015"/>
+                  </a:lnTo>
+                  <a:lnTo>
+                    <a:pt x="5310" y="7039"/>
+                  </a:lnTo>
+                  <a:lnTo>
+                    <a:pt x="5651" y="7039"/>
+                  </a:lnTo>
+                  <a:lnTo>
+                    <a:pt x="5992" y="6966"/>
+                  </a:lnTo>
+                  <a:lnTo>
+                    <a:pt x="6308" y="6844"/>
+                  </a:lnTo>
+                  <a:lnTo>
+                    <a:pt x="6454" y="6747"/>
+                  </a:lnTo>
+                  <a:lnTo>
+                    <a:pt x="6601" y="6674"/>
+                  </a:lnTo>
+                  <a:lnTo>
+                    <a:pt x="6747" y="6552"/>
+                  </a:lnTo>
+                  <a:lnTo>
+                    <a:pt x="6893" y="6430"/>
+                  </a:lnTo>
+                  <a:lnTo>
+                    <a:pt x="6893" y="6430"/>
+                  </a:lnTo>
+                  <a:lnTo>
+                    <a:pt x="6942" y="6357"/>
+                  </a:lnTo>
+                  <a:lnTo>
+                    <a:pt x="7015" y="6260"/>
+                  </a:lnTo>
+                  <a:lnTo>
+                    <a:pt x="7039" y="6138"/>
+                  </a:lnTo>
+                  <a:lnTo>
+                    <a:pt x="7039" y="6041"/>
+                  </a:lnTo>
+                  <a:lnTo>
+                    <a:pt x="7039" y="6041"/>
+                  </a:lnTo>
+                  <a:lnTo>
+                    <a:pt x="7039" y="5943"/>
+                  </a:lnTo>
+                  <a:lnTo>
+                    <a:pt x="7015" y="5846"/>
+                  </a:lnTo>
+                  <a:lnTo>
+                    <a:pt x="6942" y="5748"/>
+                  </a:lnTo>
+                  <a:lnTo>
+                    <a:pt x="6893" y="5651"/>
+                  </a:lnTo>
+                  <a:lnTo>
+                    <a:pt x="1389" y="147"/>
+                  </a:lnTo>
+                  <a:lnTo>
+                    <a:pt x="1389" y="147"/>
+                  </a:lnTo>
+                  <a:lnTo>
+                    <a:pt x="1291" y="98"/>
+                  </a:lnTo>
+                  <a:lnTo>
+                    <a:pt x="1194" y="25"/>
+                  </a:lnTo>
+                  <a:lnTo>
+                    <a:pt x="1096" y="0"/>
+                  </a:lnTo>
+                  <a:lnTo>
+                    <a:pt x="999" y="0"/>
+                  </a:lnTo>
+                  <a:lnTo>
+                    <a:pt x="999" y="0"/>
+                  </a:lnTo>
+                  <a:lnTo>
+                    <a:pt x="902" y="0"/>
+                  </a:lnTo>
+                  <a:lnTo>
+                    <a:pt x="780" y="25"/>
+                  </a:lnTo>
+                  <a:lnTo>
+                    <a:pt x="682" y="98"/>
+                  </a:lnTo>
+                  <a:lnTo>
+                    <a:pt x="609" y="147"/>
+                  </a:lnTo>
+                  <a:lnTo>
+                    <a:pt x="609" y="147"/>
+                  </a:lnTo>
+                  <a:lnTo>
+                    <a:pt x="487" y="293"/>
+                  </a:lnTo>
+                  <a:lnTo>
+                    <a:pt x="366" y="439"/>
+                  </a:lnTo>
+                  <a:lnTo>
+                    <a:pt x="293" y="585"/>
+                  </a:lnTo>
+                  <a:lnTo>
+                    <a:pt x="195" y="731"/>
+                  </a:lnTo>
+                  <a:lnTo>
+                    <a:pt x="73" y="1048"/>
+                  </a:lnTo>
+                  <a:lnTo>
+                    <a:pt x="0" y="1389"/>
+                  </a:lnTo>
+                  <a:lnTo>
+                    <a:pt x="0" y="1730"/>
+                  </a:lnTo>
+                  <a:lnTo>
+                    <a:pt x="25" y="2046"/>
+                  </a:lnTo>
+                  <a:lnTo>
+                    <a:pt x="122" y="2387"/>
+                  </a:lnTo>
+                  <a:lnTo>
+                    <a:pt x="268" y="2704"/>
+                  </a:lnTo>
+                  <a:lnTo>
+                    <a:pt x="268" y="2704"/>
+                  </a:lnTo>
+                  <a:close/>
+                </a:path>
+              </a:pathLst>
+            </a:custGeom>
+            <a:noFill/>
+            <a:ln w="9525" cap="rnd" cmpd="sng">
+              <a:solidFill>
+                <a:srgbClr val="000000"/>
+              </a:solidFill>
+              <a:prstDash val="solid"/>
+              <a:round/>
+              <a:headEnd type="none" w="sm" len="sm"/>
+              <a:tailEnd type="none" w="sm" len="sm"/>
+            </a:ln>
+          </p:spPr>
+          <p:txBody>
+            <a:bodyPr spcFirstLastPara="1" wrap="square" lIns="91425" tIns="91425" rIns="91425" bIns="91425" anchor="ctr" anchorCtr="0">
+              <a:noAutofit/>
+            </a:bodyPr>
+            <a:lstStyle/>
+            <a:p>
+              <a:pPr marL="0" lvl="0" indent="0" algn="l" rtl="0">
+                <a:spcBef>
+                  <a:spcPts val="0"/>
+                </a:spcBef>
+                <a:spcAft>
+                  <a:spcPts val="0"/>
+                </a:spcAft>
+                <a:buNone/>
+              </a:pPr>
+              <a:endParaRPr/>
+            </a:p>
+          </p:txBody>
+        </p:sp>
+        <p:sp>
+          <p:nvSpPr>
+            <p:cNvPr id="129" name="Google Shape;129;p17"/>
+            <p:cNvSpPr/>
+            <p:nvPr/>
+          </p:nvSpPr>
+          <p:spPr>
+            <a:xfrm>
+              <a:off x="2662850" y="1699400"/>
+              <a:ext cx="303250" cy="303250"/>
+            </a:xfrm>
+            <a:custGeom>
+              <a:avLst/>
+              <a:gdLst/>
+              <a:ahLst/>
+              <a:cxnLst/>
+              <a:rect l="l" t="t" r="r" b="b"/>
+              <a:pathLst>
+                <a:path w="12130" h="12130" fill="none" extrusionOk="0">
+                  <a:moveTo>
+                    <a:pt x="8038" y="1"/>
+                  </a:moveTo>
+                  <a:lnTo>
+                    <a:pt x="4872" y="3191"/>
+                  </a:lnTo>
+                  <a:lnTo>
+                    <a:pt x="4872" y="3191"/>
+                  </a:lnTo>
+                  <a:lnTo>
+                    <a:pt x="4628" y="3094"/>
+                  </a:lnTo>
+                  <a:lnTo>
+                    <a:pt x="4385" y="2997"/>
+                  </a:lnTo>
+                  <a:lnTo>
+                    <a:pt x="4092" y="2899"/>
+                  </a:lnTo>
+                  <a:lnTo>
+                    <a:pt x="3800" y="2850"/>
+                  </a:lnTo>
+                  <a:lnTo>
+                    <a:pt x="3484" y="2777"/>
+                  </a:lnTo>
+                  <a:lnTo>
+                    <a:pt x="3167" y="2729"/>
+                  </a:lnTo>
+                  <a:lnTo>
+                    <a:pt x="2850" y="2704"/>
+                  </a:lnTo>
+                  <a:lnTo>
+                    <a:pt x="2534" y="2704"/>
+                  </a:lnTo>
+                  <a:lnTo>
+                    <a:pt x="2534" y="2704"/>
+                  </a:lnTo>
+                  <a:lnTo>
+                    <a:pt x="2241" y="2704"/>
+                  </a:lnTo>
+                  <a:lnTo>
+                    <a:pt x="1949" y="2729"/>
+                  </a:lnTo>
+                  <a:lnTo>
+                    <a:pt x="1633" y="2777"/>
+                  </a:lnTo>
+                  <a:lnTo>
+                    <a:pt x="1316" y="2850"/>
+                  </a:lnTo>
+                  <a:lnTo>
+                    <a:pt x="999" y="2972"/>
+                  </a:lnTo>
+                  <a:lnTo>
+                    <a:pt x="707" y="3094"/>
+                  </a:lnTo>
+                  <a:lnTo>
+                    <a:pt x="415" y="3289"/>
+                  </a:lnTo>
+                  <a:lnTo>
+                    <a:pt x="147" y="3508"/>
+                  </a:lnTo>
+                  <a:lnTo>
+                    <a:pt x="147" y="3508"/>
+                  </a:lnTo>
+                  <a:lnTo>
+                    <a:pt x="74" y="3581"/>
+                  </a:lnTo>
+                  <a:lnTo>
+                    <a:pt x="25" y="3678"/>
+                  </a:lnTo>
+                  <a:lnTo>
+                    <a:pt x="1" y="3776"/>
+                  </a:lnTo>
+                  <a:lnTo>
+                    <a:pt x="1" y="3898"/>
+                  </a:lnTo>
+                  <a:lnTo>
+                    <a:pt x="1" y="3898"/>
+                  </a:lnTo>
+                  <a:lnTo>
+                    <a:pt x="1" y="3995"/>
+                  </a:lnTo>
+                  <a:lnTo>
+                    <a:pt x="25" y="4093"/>
+                  </a:lnTo>
+                  <a:lnTo>
+                    <a:pt x="74" y="4190"/>
+                  </a:lnTo>
+                  <a:lnTo>
+                    <a:pt x="147" y="4287"/>
+                  </a:lnTo>
+                  <a:lnTo>
+                    <a:pt x="7843" y="11984"/>
+                  </a:lnTo>
+                  <a:lnTo>
+                    <a:pt x="7843" y="11984"/>
+                  </a:lnTo>
+                  <a:lnTo>
+                    <a:pt x="7941" y="12057"/>
+                  </a:lnTo>
+                  <a:lnTo>
+                    <a:pt x="8038" y="12105"/>
+                  </a:lnTo>
+                  <a:lnTo>
+                    <a:pt x="8135" y="12130"/>
+                  </a:lnTo>
+                  <a:lnTo>
+                    <a:pt x="8233" y="12130"/>
+                  </a:lnTo>
+                  <a:lnTo>
+                    <a:pt x="8233" y="12130"/>
+                  </a:lnTo>
+                  <a:lnTo>
+                    <a:pt x="8355" y="12130"/>
+                  </a:lnTo>
+                  <a:lnTo>
+                    <a:pt x="8452" y="12105"/>
+                  </a:lnTo>
+                  <a:lnTo>
+                    <a:pt x="8549" y="12057"/>
+                  </a:lnTo>
+                  <a:lnTo>
+                    <a:pt x="8622" y="11984"/>
+                  </a:lnTo>
+                  <a:lnTo>
+                    <a:pt x="8622" y="11984"/>
+                  </a:lnTo>
+                  <a:lnTo>
+                    <a:pt x="8842" y="11716"/>
+                  </a:lnTo>
+                  <a:lnTo>
+                    <a:pt x="9036" y="11423"/>
+                  </a:lnTo>
+                  <a:lnTo>
+                    <a:pt x="9158" y="11131"/>
+                  </a:lnTo>
+                  <a:lnTo>
+                    <a:pt x="9280" y="10814"/>
+                  </a:lnTo>
+                  <a:lnTo>
+                    <a:pt x="9353" y="10498"/>
+                  </a:lnTo>
+                  <a:lnTo>
+                    <a:pt x="9402" y="10181"/>
+                  </a:lnTo>
+                  <a:lnTo>
+                    <a:pt x="9426" y="9889"/>
+                  </a:lnTo>
+                  <a:lnTo>
+                    <a:pt x="9426" y="9597"/>
+                  </a:lnTo>
+                  <a:lnTo>
+                    <a:pt x="9426" y="9597"/>
+                  </a:lnTo>
+                  <a:lnTo>
+                    <a:pt x="9426" y="9280"/>
+                  </a:lnTo>
+                  <a:lnTo>
+                    <a:pt x="9402" y="8964"/>
+                  </a:lnTo>
+                  <a:lnTo>
+                    <a:pt x="9353" y="8647"/>
+                  </a:lnTo>
+                  <a:lnTo>
+                    <a:pt x="9280" y="8330"/>
+                  </a:lnTo>
+                  <a:lnTo>
+                    <a:pt x="9231" y="8038"/>
+                  </a:lnTo>
+                  <a:lnTo>
+                    <a:pt x="9134" y="7746"/>
+                  </a:lnTo>
+                  <a:lnTo>
+                    <a:pt x="9036" y="7502"/>
+                  </a:lnTo>
+                  <a:lnTo>
+                    <a:pt x="8939" y="7259"/>
+                  </a:lnTo>
+                  <a:lnTo>
+                    <a:pt x="12130" y="4093"/>
+                  </a:lnTo>
+                </a:path>
+              </a:pathLst>
+            </a:custGeom>
+            <a:noFill/>
+            <a:ln w="9525" cap="rnd" cmpd="sng">
+              <a:solidFill>
+                <a:srgbClr val="000000"/>
+              </a:solidFill>
+              <a:prstDash val="solid"/>
+              <a:round/>
+              <a:headEnd type="none" w="sm" len="sm"/>
+              <a:tailEnd type="none" w="sm" len="sm"/>
+            </a:ln>
+          </p:spPr>
+          <p:txBody>
+            <a:bodyPr spcFirstLastPara="1" wrap="square" lIns="91425" tIns="91425" rIns="91425" bIns="91425" anchor="ctr" anchorCtr="0">
+              <a:noAutofit/>
+            </a:bodyPr>
+            <a:lstStyle/>
+            <a:p>
+              <a:pPr marL="0" lvl="0" indent="0" algn="l" rtl="0">
+                <a:spcBef>
+                  <a:spcPts val="0"/>
+                </a:spcBef>
+                <a:spcAft>
+                  <a:spcPts val="0"/>
+                </a:spcAft>
+                <a:buNone/>
+              </a:pPr>
+              <a:endParaRPr/>
+            </a:p>
+          </p:txBody>
+        </p:sp>
+        <p:sp>
+          <p:nvSpPr>
+            <p:cNvPr id="130" name="Google Shape;130;p17"/>
+            <p:cNvSpPr/>
+            <p:nvPr/>
+          </p:nvSpPr>
+          <p:spPr>
+            <a:xfrm>
+              <a:off x="2814912" y="1754062"/>
+              <a:ext cx="49950" cy="49950"/>
+            </a:xfrm>
+            <a:custGeom>
+              <a:avLst/>
+              <a:gdLst/>
+              <a:ahLst/>
+              <a:cxnLst/>
+              <a:rect l="l" t="t" r="r" b="b"/>
+              <a:pathLst>
+                <a:path w="1998" h="1998" fill="none" extrusionOk="0">
+                  <a:moveTo>
+                    <a:pt x="1" y="1997"/>
+                  </a:moveTo>
+                  <a:lnTo>
+                    <a:pt x="1998" y="0"/>
+                  </a:lnTo>
+                </a:path>
+              </a:pathLst>
+            </a:custGeom>
+            <a:noFill/>
+            <a:ln w="9525" cap="rnd" cmpd="sng">
+              <a:solidFill>
+                <a:srgbClr val="000000"/>
+              </a:solidFill>
+              <a:prstDash val="solid"/>
+              <a:round/>
+              <a:headEnd type="none" w="sm" len="sm"/>
+              <a:tailEnd type="none" w="sm" len="sm"/>
+            </a:ln>
+          </p:spPr>
+          <p:txBody>
+            <a:bodyPr spcFirstLastPara="1" wrap="square" lIns="91425" tIns="91425" rIns="91425" bIns="91425" anchor="ctr" anchorCtr="0">
+              <a:noAutofit/>
+            </a:bodyPr>
+            <a:lstStyle/>
+            <a:p>
+              <a:pPr marL="0" lvl="0" indent="0" algn="l" rtl="0">
+                <a:spcBef>
+                  <a:spcPts val="0"/>
+                </a:spcBef>
+                <a:spcAft>
+                  <a:spcPts val="0"/>
+                </a:spcAft>
+                <a:buNone/>
+              </a:pPr>
+              <a:endParaRPr/>
+            </a:p>
+          </p:txBody>
+        </p:sp>
+      </p:grpSp>
+      <p:sp>
+        <p:nvSpPr>
+          <p:cNvPr id="131" name="Google Shape;131;p17"/>
+          <p:cNvSpPr txBox="1">
+            <a:spLocks noGrp="1"/>
+          </p:cNvSpPr>
+          <p:nvPr>
+            <p:ph type="sldNum" idx="12"/>
+          </p:nvPr>
+        </p:nvSpPr>
+        <p:spPr>
+          <a:xfrm>
+            <a:off x="8543227" y="4749851"/>
+            <a:ext cx="548700" cy="393600"/>
+          </a:xfrm>
+          <a:prstGeom prst="rect">
+            <a:avLst/>
+          </a:prstGeom>
+        </p:spPr>
+        <p:txBody>
+          <a:bodyPr spcFirstLastPara="1" wrap="square" lIns="91425" tIns="91425" rIns="91425" bIns="91425" anchor="t" anchorCtr="0">
+            <a:noAutofit/>
+          </a:bodyPr>
+          <a:lstStyle/>
+          <a:p>
+            <a:pPr marL="0" lvl="0" indent="0" algn="r" rtl="0">
+              <a:spcBef>
+                <a:spcPts val="0"/>
+              </a:spcBef>
+              <a:spcAft>
+                <a:spcPts val="0"/>
+              </a:spcAft>
+              <a:buNone/>
+            </a:pPr>
+            <a:fld id="{00000000-1234-1234-1234-123412341234}" type="slidenum">
+              <a:rPr lang="en"/>
+              <a:t>18</a:t>
+            </a:fld>
+            <a:endParaRPr/>
+          </a:p>
+        </p:txBody>
+      </p:sp>
+      <p:grpSp>
+        <p:nvGrpSpPr>
+          <p:cNvPr id="10" name="Google Shape;591;p39">
+            <a:extLst>
+              <a:ext uri="{FF2B5EF4-FFF2-40B4-BE49-F238E27FC236}">
+                <a16:creationId xmlns:a16="http://schemas.microsoft.com/office/drawing/2014/main" id="{40BF4121-0CA2-4CEC-B98D-1076AB182C8C}"/>
+              </a:ext>
+            </a:extLst>
+          </p:cNvPr>
+          <p:cNvGrpSpPr/>
+          <p:nvPr/>
+        </p:nvGrpSpPr>
+        <p:grpSpPr>
+          <a:xfrm>
+            <a:off x="4939178" y="1091619"/>
+            <a:ext cx="3878399" cy="3606678"/>
+            <a:chOff x="2583100" y="2973775"/>
+            <a:chExt cx="461550" cy="437200"/>
+          </a:xfrm>
+        </p:grpSpPr>
+        <p:sp>
+          <p:nvSpPr>
+            <p:cNvPr id="11" name="Google Shape;592;p39">
+              <a:extLst>
+                <a:ext uri="{FF2B5EF4-FFF2-40B4-BE49-F238E27FC236}">
+                  <a16:creationId xmlns:a16="http://schemas.microsoft.com/office/drawing/2014/main" id="{022A82CD-D347-4E83-9F8B-81B7BDAB2048}"/>
+                </a:ext>
+              </a:extLst>
+            </p:cNvPr>
+            <p:cNvSpPr/>
+            <p:nvPr/>
+          </p:nvSpPr>
+          <p:spPr>
+            <a:xfrm>
+              <a:off x="2701225" y="3315975"/>
+              <a:ext cx="225300" cy="95000"/>
+            </a:xfrm>
+            <a:custGeom>
+              <a:avLst/>
+              <a:gdLst/>
+              <a:ahLst/>
+              <a:cxnLst/>
+              <a:rect l="l" t="t" r="r" b="b"/>
+              <a:pathLst>
+                <a:path w="9012" h="3800" fill="none" extrusionOk="0">
+                  <a:moveTo>
+                    <a:pt x="2947" y="0"/>
+                  </a:moveTo>
+                  <a:lnTo>
+                    <a:pt x="2947" y="2947"/>
+                  </a:lnTo>
+                  <a:lnTo>
+                    <a:pt x="853" y="2947"/>
+                  </a:lnTo>
+                  <a:lnTo>
+                    <a:pt x="853" y="2947"/>
+                  </a:lnTo>
+                  <a:lnTo>
+                    <a:pt x="682" y="2947"/>
+                  </a:lnTo>
+                  <a:lnTo>
+                    <a:pt x="512" y="2996"/>
+                  </a:lnTo>
+                  <a:lnTo>
+                    <a:pt x="365" y="3093"/>
+                  </a:lnTo>
+                  <a:lnTo>
+                    <a:pt x="244" y="3191"/>
+                  </a:lnTo>
+                  <a:lnTo>
+                    <a:pt x="146" y="3313"/>
+                  </a:lnTo>
+                  <a:lnTo>
+                    <a:pt x="49" y="3459"/>
+                  </a:lnTo>
+                  <a:lnTo>
+                    <a:pt x="0" y="3629"/>
+                  </a:lnTo>
+                  <a:lnTo>
+                    <a:pt x="0" y="3800"/>
+                  </a:lnTo>
+                  <a:lnTo>
+                    <a:pt x="9011" y="3800"/>
+                  </a:lnTo>
+                  <a:lnTo>
+                    <a:pt x="9011" y="3800"/>
+                  </a:lnTo>
+                  <a:lnTo>
+                    <a:pt x="9011" y="3629"/>
+                  </a:lnTo>
+                  <a:lnTo>
+                    <a:pt x="8963" y="3459"/>
+                  </a:lnTo>
+                  <a:lnTo>
+                    <a:pt x="8865" y="3313"/>
+                  </a:lnTo>
+                  <a:lnTo>
+                    <a:pt x="8768" y="3191"/>
+                  </a:lnTo>
+                  <a:lnTo>
+                    <a:pt x="8646" y="3093"/>
+                  </a:lnTo>
+                  <a:lnTo>
+                    <a:pt x="8500" y="2996"/>
+                  </a:lnTo>
+                  <a:lnTo>
+                    <a:pt x="8330" y="2947"/>
+                  </a:lnTo>
+                  <a:lnTo>
+                    <a:pt x="8159" y="2947"/>
+                  </a:lnTo>
+                  <a:lnTo>
+                    <a:pt x="6065" y="2947"/>
+                  </a:lnTo>
+                  <a:lnTo>
+                    <a:pt x="6065" y="0"/>
+                  </a:lnTo>
+                </a:path>
+              </a:pathLst>
+            </a:custGeom>
+            <a:noFill/>
+            <a:ln w="34925" cap="rnd" cmpd="sng">
+              <a:solidFill>
+                <a:schemeClr val="accent3"/>
+              </a:solidFill>
+              <a:prstDash val="solid"/>
+              <a:round/>
+              <a:headEnd type="none" w="sm" len="sm"/>
+              <a:tailEnd type="none" w="sm" len="sm"/>
+            </a:ln>
+          </p:spPr>
+          <p:txBody>
+            <a:bodyPr spcFirstLastPara="1" wrap="square" lIns="91425" tIns="91425" rIns="91425" bIns="91425" anchor="ctr" anchorCtr="0">
+              <a:noAutofit/>
+            </a:bodyPr>
+            <a:lstStyle/>
+            <a:p>
+              <a:pPr marL="0" lvl="0" indent="0" algn="l" rtl="0">
+                <a:spcBef>
+                  <a:spcPts val="0"/>
+                </a:spcBef>
+                <a:spcAft>
+                  <a:spcPts val="0"/>
+                </a:spcAft>
+                <a:buNone/>
+              </a:pPr>
+              <a:endParaRPr/>
+            </a:p>
+          </p:txBody>
+        </p:sp>
+        <p:sp>
+          <p:nvSpPr>
+            <p:cNvPr id="12" name="Google Shape;593;p39">
+              <a:extLst>
+                <a:ext uri="{FF2B5EF4-FFF2-40B4-BE49-F238E27FC236}">
+                  <a16:creationId xmlns:a16="http://schemas.microsoft.com/office/drawing/2014/main" id="{81EC9DDE-B571-4455-92A1-05CC38662B21}"/>
+                </a:ext>
+              </a:extLst>
+            </p:cNvPr>
+            <p:cNvSpPr/>
+            <p:nvPr/>
+          </p:nvSpPr>
+          <p:spPr>
+            <a:xfrm>
+              <a:off x="2583100" y="2973775"/>
+              <a:ext cx="461550" cy="336125"/>
+            </a:xfrm>
+            <a:custGeom>
+              <a:avLst/>
+              <a:gdLst/>
+              <a:ahLst/>
+              <a:cxnLst/>
+              <a:rect l="l" t="t" r="r" b="b"/>
+              <a:pathLst>
+                <a:path w="18462" h="13445" fill="none" extrusionOk="0">
+                  <a:moveTo>
+                    <a:pt x="17974" y="1"/>
+                  </a:moveTo>
+                  <a:lnTo>
+                    <a:pt x="487" y="1"/>
+                  </a:lnTo>
+                  <a:lnTo>
+                    <a:pt x="487" y="1"/>
+                  </a:lnTo>
+                  <a:lnTo>
+                    <a:pt x="390" y="1"/>
+                  </a:lnTo>
+                  <a:lnTo>
+                    <a:pt x="317" y="50"/>
+                  </a:lnTo>
+                  <a:lnTo>
+                    <a:pt x="220" y="74"/>
+                  </a:lnTo>
+                  <a:lnTo>
+                    <a:pt x="146" y="147"/>
+                  </a:lnTo>
+                  <a:lnTo>
+                    <a:pt x="98" y="220"/>
+                  </a:lnTo>
+                  <a:lnTo>
+                    <a:pt x="49" y="293"/>
+                  </a:lnTo>
+                  <a:lnTo>
+                    <a:pt x="25" y="390"/>
+                  </a:lnTo>
+                  <a:lnTo>
+                    <a:pt x="0" y="488"/>
+                  </a:lnTo>
+                  <a:lnTo>
+                    <a:pt x="0" y="12958"/>
+                  </a:lnTo>
+                  <a:lnTo>
+                    <a:pt x="0" y="12958"/>
+                  </a:lnTo>
+                  <a:lnTo>
+                    <a:pt x="25" y="13055"/>
+                  </a:lnTo>
+                  <a:lnTo>
+                    <a:pt x="49" y="13152"/>
+                  </a:lnTo>
+                  <a:lnTo>
+                    <a:pt x="98" y="13226"/>
+                  </a:lnTo>
+                  <a:lnTo>
+                    <a:pt x="146" y="13299"/>
+                  </a:lnTo>
+                  <a:lnTo>
+                    <a:pt x="220" y="13372"/>
+                  </a:lnTo>
+                  <a:lnTo>
+                    <a:pt x="317" y="13396"/>
+                  </a:lnTo>
+                  <a:lnTo>
+                    <a:pt x="390" y="13445"/>
+                  </a:lnTo>
+                  <a:lnTo>
+                    <a:pt x="487" y="13445"/>
+                  </a:lnTo>
+                  <a:lnTo>
+                    <a:pt x="17974" y="13445"/>
+                  </a:lnTo>
+                  <a:lnTo>
+                    <a:pt x="17974" y="13445"/>
+                  </a:lnTo>
+                  <a:lnTo>
+                    <a:pt x="18072" y="13445"/>
+                  </a:lnTo>
+                  <a:lnTo>
+                    <a:pt x="18145" y="13396"/>
+                  </a:lnTo>
+                  <a:lnTo>
+                    <a:pt x="18242" y="13372"/>
+                  </a:lnTo>
+                  <a:lnTo>
+                    <a:pt x="18315" y="13299"/>
+                  </a:lnTo>
+                  <a:lnTo>
+                    <a:pt x="18364" y="13226"/>
+                  </a:lnTo>
+                  <a:lnTo>
+                    <a:pt x="18413" y="13152"/>
+                  </a:lnTo>
+                  <a:lnTo>
+                    <a:pt x="18437" y="13055"/>
+                  </a:lnTo>
+                  <a:lnTo>
+                    <a:pt x="18461" y="12958"/>
+                  </a:lnTo>
+                  <a:lnTo>
+                    <a:pt x="18461" y="488"/>
+                  </a:lnTo>
+                  <a:lnTo>
+                    <a:pt x="18461" y="488"/>
+                  </a:lnTo>
+                  <a:lnTo>
+                    <a:pt x="18437" y="390"/>
+                  </a:lnTo>
+                  <a:lnTo>
+                    <a:pt x="18413" y="293"/>
+                  </a:lnTo>
+                  <a:lnTo>
+                    <a:pt x="18364" y="220"/>
+                  </a:lnTo>
+                  <a:lnTo>
+                    <a:pt x="18315" y="147"/>
+                  </a:lnTo>
+                  <a:lnTo>
+                    <a:pt x="18242" y="74"/>
+                  </a:lnTo>
+                  <a:lnTo>
+                    <a:pt x="18145" y="50"/>
+                  </a:lnTo>
+                  <a:lnTo>
+                    <a:pt x="18072" y="1"/>
+                  </a:lnTo>
+                  <a:lnTo>
+                    <a:pt x="17974" y="1"/>
+                  </a:lnTo>
+                  <a:lnTo>
+                    <a:pt x="17974" y="1"/>
+                  </a:lnTo>
+                  <a:close/>
+                  <a:moveTo>
+                    <a:pt x="17000" y="11983"/>
+                  </a:moveTo>
+                  <a:lnTo>
+                    <a:pt x="1462" y="11983"/>
+                  </a:lnTo>
+                  <a:lnTo>
+                    <a:pt x="1462" y="1462"/>
+                  </a:lnTo>
+                  <a:lnTo>
+                    <a:pt x="17000" y="1462"/>
+                  </a:lnTo>
+                  <a:lnTo>
+                    <a:pt x="17000" y="11983"/>
+                  </a:lnTo>
+                  <a:close/>
+                </a:path>
+              </a:pathLst>
+            </a:custGeom>
+            <a:noFill/>
+            <a:ln w="34925" cap="rnd" cmpd="sng">
+              <a:solidFill>
+                <a:schemeClr val="accent3"/>
+              </a:solidFill>
+              <a:prstDash val="solid"/>
+              <a:round/>
+              <a:headEnd type="none" w="sm" len="sm"/>
+              <a:tailEnd type="none" w="sm" len="sm"/>
+            </a:ln>
+          </p:spPr>
+          <p:txBody>
+            <a:bodyPr spcFirstLastPara="1" wrap="square" lIns="91425" tIns="91425" rIns="91425" bIns="91425" anchor="ctr" anchorCtr="0">
+              <a:noAutofit/>
+            </a:bodyPr>
+            <a:lstStyle/>
+            <a:p>
+              <a:pPr marL="0" lvl="0" indent="0" algn="l" rtl="0">
+                <a:spcBef>
+                  <a:spcPts val="0"/>
+                </a:spcBef>
+                <a:spcAft>
+                  <a:spcPts val="0"/>
+                </a:spcAft>
+                <a:buNone/>
+              </a:pPr>
+              <a:endParaRPr/>
+            </a:p>
+          </p:txBody>
+        </p:sp>
+      </p:grpSp>
+      <p:grpSp>
+        <p:nvGrpSpPr>
+          <p:cNvPr id="3" name="Labels">
+            <a:extLst>
+              <a:ext uri="{FF2B5EF4-FFF2-40B4-BE49-F238E27FC236}">
+                <a16:creationId xmlns:a16="http://schemas.microsoft.com/office/drawing/2014/main" id="{DFE484D9-02E8-43FB-A6D2-678E67E0769E}"/>
+              </a:ext>
+            </a:extLst>
+          </p:cNvPr>
+          <p:cNvGrpSpPr/>
+          <p:nvPr/>
+        </p:nvGrpSpPr>
+        <p:grpSpPr>
+          <a:xfrm>
+            <a:off x="5410217" y="1616470"/>
+            <a:ext cx="2990834" cy="309759"/>
+            <a:chOff x="5410217" y="1616470"/>
+            <a:chExt cx="2990834" cy="309759"/>
+          </a:xfrm>
+        </p:grpSpPr>
+        <p:sp>
+          <p:nvSpPr>
+            <p:cNvPr id="2" name="TextBox 1">
+              <a:extLst>
+                <a:ext uri="{FF2B5EF4-FFF2-40B4-BE49-F238E27FC236}">
+                  <a16:creationId xmlns:a16="http://schemas.microsoft.com/office/drawing/2014/main" id="{66624838-35D6-465A-B7B4-75D5D2C5665D}"/>
+                </a:ext>
+              </a:extLst>
+            </p:cNvPr>
+            <p:cNvSpPr txBox="1"/>
+            <p:nvPr/>
+          </p:nvSpPr>
+          <p:spPr>
+            <a:xfrm>
+              <a:off x="5410217" y="1616470"/>
+              <a:ext cx="635794" cy="307777"/>
+            </a:xfrm>
+            <a:prstGeom prst="rect">
+              <a:avLst/>
+            </a:prstGeom>
+            <a:noFill/>
+          </p:spPr>
+          <p:txBody>
+            <a:bodyPr wrap="square" rtlCol="0">
+              <a:spAutoFit/>
+            </a:bodyPr>
+            <a:lstStyle/>
+            <a:p>
+              <a:r>
+                <a:rPr lang="en-US" dirty="0"/>
+                <a:t>Good</a:t>
+              </a:r>
+            </a:p>
+          </p:txBody>
+        </p:sp>
+        <p:sp>
+          <p:nvSpPr>
+            <p:cNvPr id="14" name="TextBox 13">
+              <a:extLst>
+                <a:ext uri="{FF2B5EF4-FFF2-40B4-BE49-F238E27FC236}">
+                  <a16:creationId xmlns:a16="http://schemas.microsoft.com/office/drawing/2014/main" id="{317F0650-D3F2-45AC-A191-5A28D51AE52E}"/>
+                </a:ext>
+              </a:extLst>
+            </p:cNvPr>
+            <p:cNvSpPr txBox="1"/>
+            <p:nvPr/>
+          </p:nvSpPr>
+          <p:spPr>
+            <a:xfrm>
+              <a:off x="7824975" y="1618452"/>
+              <a:ext cx="576076" cy="307777"/>
+            </a:xfrm>
+            <a:prstGeom prst="rect">
+              <a:avLst/>
+            </a:prstGeom>
+            <a:noFill/>
+          </p:spPr>
+          <p:txBody>
+            <a:bodyPr wrap="square" rtlCol="0">
+              <a:spAutoFit/>
+            </a:bodyPr>
+            <a:lstStyle/>
+            <a:p>
+              <a:r>
+                <a:rPr lang="en-US" dirty="0"/>
+                <a:t>Bad</a:t>
+              </a:r>
+            </a:p>
+          </p:txBody>
+        </p:sp>
+      </p:grpSp>
+      <p:sp>
+        <p:nvSpPr>
+          <p:cNvPr id="4" name="Target">
+            <a:extLst>
+              <a:ext uri="{FF2B5EF4-FFF2-40B4-BE49-F238E27FC236}">
+                <a16:creationId xmlns:a16="http://schemas.microsoft.com/office/drawing/2014/main" id="{7BDB943F-0040-48CF-8ED3-91BFCC22B0F4}"/>
+              </a:ext>
+            </a:extLst>
+          </p:cNvPr>
+          <p:cNvSpPr txBox="1"/>
+          <p:nvPr/>
+        </p:nvSpPr>
+        <p:spPr>
+          <a:xfrm>
+            <a:off x="6392074" y="2417861"/>
+            <a:ext cx="972605" cy="307777"/>
+          </a:xfrm>
+          <a:prstGeom prst="rect">
+            <a:avLst/>
+          </a:prstGeom>
+          <a:noFill/>
+        </p:spPr>
+        <p:txBody>
+          <a:bodyPr wrap="square" rtlCol="0">
+            <a:spAutoFit/>
+          </a:bodyPr>
+          <a:lstStyle/>
+          <a:p>
+            <a:r>
+              <a:rPr lang="en-US" dirty="0"/>
+              <a:t>Awesome</a:t>
+            </a:r>
+          </a:p>
+        </p:txBody>
+      </p:sp>
+    </p:spTree>
+    <p:extLst>
+      <p:ext uri="{BB962C8B-B14F-4D97-AF65-F5344CB8AC3E}">
+        <p14:creationId xmlns:p14="http://schemas.microsoft.com/office/powerpoint/2010/main" val="2467732185"/>
+      </p:ext>
+    </p:extLst>
+  </p:cSld>
+  <p:clrMapOvr>
+    <a:masterClrMapping/>
+  </p:clrMapOvr>
+  <p:timing>
+    <p:tnLst>
+      <p:par>
+        <p:cTn id="1" dur="indefinite" restart="never" nodeType="tmRoot">
+          <p:childTnLst>
+            <p:seq concurrent="1" nextAc="seek">
+              <p:cTn id="2" dur="indefinite" nodeType="mainSeq">
+                <p:childTnLst>
+                  <p:par>
+                    <p:cTn id="3" fill="hold">
+                      <p:stCondLst>
+                        <p:cond delay="indefinite"/>
+                      </p:stCondLst>
+                      <p:childTnLst>
+                        <p:par>
+                          <p:cTn id="4" fill="hold">
+                            <p:stCondLst>
+                              <p:cond delay="0"/>
+                            </p:stCondLst>
+                            <p:childTnLst>
+                              <p:par>
+                                <p:cTn id="5" presetID="1" presetClass="entr" presetSubtype="0" fill="hold" grpId="0" nodeType="clickEffect">
+                                  <p:stCondLst>
+                                    <p:cond delay="0"/>
+                                  </p:stCondLst>
+                                  <p:childTnLst>
+                                    <p:set>
+                                      <p:cBhvr>
+                                        <p:cTn id="6" dur="1" fill="hold">
+                                          <p:stCondLst>
+                                            <p:cond delay="0"/>
+                                          </p:stCondLst>
+                                        </p:cTn>
+                                        <p:tgtEl>
+                                          <p:spTgt spid="125">
+                                            <p:txEl>
+                                              <p:pRg st="0" end="0"/>
+                                            </p:txEl>
+                                          </p:spTgt>
+                                        </p:tgtEl>
+                                        <p:attrNameLst>
+                                          <p:attrName>style.visibility</p:attrName>
+                                        </p:attrNameLst>
+                                      </p:cBhvr>
+                                      <p:to>
+                                        <p:strVal val="visible"/>
+                                      </p:to>
+                                    </p:set>
+                                  </p:childTnLst>
+                                </p:cTn>
+                              </p:par>
+                              <p:par>
+                                <p:cTn id="7" presetID="1" presetClass="entr" presetSubtype="0" fill="hold" nodeType="withEffect">
+                                  <p:stCondLst>
+                                    <p:cond delay="0"/>
+                                  </p:stCondLst>
+                                  <p:childTnLst>
+                                    <p:set>
+                                      <p:cBhvr>
+                                        <p:cTn id="8" dur="1" fill="hold">
+                                          <p:stCondLst>
+                                            <p:cond delay="0"/>
+                                          </p:stCondLst>
+                                        </p:cTn>
+                                        <p:tgtEl>
+                                          <p:spTgt spid="3"/>
+                                        </p:tgtEl>
+                                        <p:attrNameLst>
+                                          <p:attrName>style.visibility</p:attrName>
+                                        </p:attrNameLst>
+                                      </p:cBhvr>
+                                      <p:to>
+                                        <p:strVal val="visible"/>
+                                      </p:to>
+                                    </p:set>
+                                  </p:childTnLst>
+                                </p:cTn>
+                              </p:par>
+                            </p:childTnLst>
+                          </p:cTn>
+                        </p:par>
+                      </p:childTnLst>
+                    </p:cTn>
+                  </p:par>
+                  <p:par>
+                    <p:cTn id="9" fill="hold">
+                      <p:stCondLst>
+                        <p:cond delay="indefinite"/>
+                      </p:stCondLst>
+                      <p:childTnLst>
+                        <p:par>
+                          <p:cTn id="10" fill="hold">
+                            <p:stCondLst>
+                              <p:cond delay="0"/>
+                            </p:stCondLst>
+                            <p:childTnLst>
+                              <p:par>
+                                <p:cTn id="11" presetID="1" presetClass="entr" presetSubtype="0" fill="hold" grpId="0" nodeType="clickEffect">
+                                  <p:stCondLst>
+                                    <p:cond delay="0"/>
+                                  </p:stCondLst>
+                                  <p:childTnLst>
+                                    <p:set>
+                                      <p:cBhvr>
+                                        <p:cTn id="12" dur="1" fill="hold">
+                                          <p:stCondLst>
+                                            <p:cond delay="0"/>
+                                          </p:stCondLst>
+                                        </p:cTn>
+                                        <p:tgtEl>
+                                          <p:spTgt spid="125">
+                                            <p:txEl>
+                                              <p:pRg st="1" end="1"/>
+                                            </p:txEl>
+                                          </p:spTgt>
+                                        </p:tgtEl>
+                                        <p:attrNameLst>
+                                          <p:attrName>style.visibility</p:attrName>
+                                        </p:attrNameLst>
+                                      </p:cBhvr>
+                                      <p:to>
+                                        <p:strVal val="visible"/>
+                                      </p:to>
+                                    </p:set>
+                                  </p:childTnLst>
+                                </p:cTn>
+                              </p:par>
+                              <p:par>
+                                <p:cTn id="13" presetID="1" presetClass="entr" presetSubtype="0" fill="hold" grpId="0" nodeType="withEffect">
+                                  <p:stCondLst>
+                                    <p:cond delay="0"/>
+                                  </p:stCondLst>
+                                  <p:childTnLst>
+                                    <p:set>
+                                      <p:cBhvr>
+                                        <p:cTn id="14" dur="1" fill="hold">
+                                          <p:stCondLst>
+                                            <p:cond delay="0"/>
+                                          </p:stCondLst>
+                                        </p:cTn>
+                                        <p:tgtEl>
+                                          <p:spTgt spid="4"/>
+                                        </p:tgtEl>
+                                        <p:attrNameLst>
+                                          <p:attrName>style.visibility</p:attrName>
+                                        </p:attrNameLst>
+                                      </p:cBhvr>
+                                      <p:to>
+                                        <p:strVal val="visible"/>
+                                      </p:to>
+                                    </p:set>
+                                  </p:childTnLst>
+                                </p:cTn>
+                              </p:par>
+                            </p:childTnLst>
+                          </p:cTn>
+                        </p:par>
+                      </p:childTnLst>
+                    </p:cTn>
+                  </p:par>
+                  <p:par>
+                    <p:cTn id="15" fill="hold">
+                      <p:stCondLst>
+                        <p:cond delay="indefinite"/>
+                      </p:stCondLst>
+                      <p:childTnLst>
+                        <p:par>
+                          <p:cTn id="16" fill="hold">
+                            <p:stCondLst>
+                              <p:cond delay="0"/>
+                            </p:stCondLst>
+                            <p:childTnLst>
+                              <p:par>
+                                <p:cTn id="17" presetID="1" presetClass="entr" presetSubtype="0" fill="hold" grpId="0" nodeType="clickEffect">
+                                  <p:stCondLst>
+                                    <p:cond delay="0"/>
+                                  </p:stCondLst>
+                                  <p:childTnLst>
+                                    <p:set>
+                                      <p:cBhvr>
+                                        <p:cTn id="18" dur="1" fill="hold">
+                                          <p:stCondLst>
+                                            <p:cond delay="0"/>
+                                          </p:stCondLst>
+                                        </p:cTn>
+                                        <p:tgtEl>
+                                          <p:spTgt spid="125">
+                                            <p:txEl>
+                                              <p:pRg st="2" end="2"/>
+                                            </p:txEl>
+                                          </p:spTgt>
+                                        </p:tgtEl>
+                                        <p:attrNameLst>
+                                          <p:attrName>style.visibility</p:attrName>
+                                        </p:attrNameLst>
+                                      </p:cBhvr>
+                                      <p:to>
+                                        <p:strVal val="visible"/>
+                                      </p:to>
+                                    </p:set>
+                                  </p:childTnLst>
+                                </p:cTn>
+                              </p:par>
+                            </p:childTnLst>
+                          </p:cTn>
+                        </p:par>
+                      </p:childTnLst>
+                    </p:cTn>
+                  </p:par>
+                  <p:par>
+                    <p:cTn id="19" fill="hold">
+                      <p:stCondLst>
+                        <p:cond delay="indefinite"/>
+                      </p:stCondLst>
+                      <p:childTnLst>
+                        <p:par>
+                          <p:cTn id="20" fill="hold">
+                            <p:stCondLst>
+                              <p:cond delay="0"/>
+                            </p:stCondLst>
+                            <p:childTnLst>
+                              <p:par>
+                                <p:cTn id="21" presetID="1" presetClass="entr" presetSubtype="0" fill="hold" grpId="0" nodeType="clickEffect">
+                                  <p:stCondLst>
+                                    <p:cond delay="0"/>
+                                  </p:stCondLst>
+                                  <p:childTnLst>
+                                    <p:set>
+                                      <p:cBhvr>
+                                        <p:cTn id="22" dur="1" fill="hold">
+                                          <p:stCondLst>
+                                            <p:cond delay="0"/>
+                                          </p:stCondLst>
+                                        </p:cTn>
+                                        <p:tgtEl>
+                                          <p:spTgt spid="125">
+                                            <p:txEl>
+                                              <p:pRg st="3" end="3"/>
+                                            </p:txEl>
+                                          </p:spTgt>
+                                        </p:tgtEl>
+                                        <p:attrNameLst>
+                                          <p:attrName>style.visibility</p:attrName>
+                                        </p:attrNameLst>
+                                      </p:cBhvr>
+                                      <p:to>
+                                        <p:strVal val="visible"/>
+                                      </p:to>
+                                    </p:set>
+                                  </p:childTnLst>
+                                </p:cTn>
+                              </p:par>
+                              <p:par>
+                                <p:cTn id="23" presetID="1" presetClass="exit" presetSubtype="0" fill="hold" grpId="1" nodeType="withEffect">
+                                  <p:stCondLst>
+                                    <p:cond delay="0"/>
+                                  </p:stCondLst>
+                                  <p:childTnLst>
+                                    <p:set>
+                                      <p:cBhvr>
+                                        <p:cTn id="24" dur="1" fill="hold">
+                                          <p:stCondLst>
+                                            <p:cond delay="0"/>
+                                          </p:stCondLst>
+                                        </p:cTn>
+                                        <p:tgtEl>
+                                          <p:spTgt spid="4"/>
+                                        </p:tgtEl>
+                                        <p:attrNameLst>
+                                          <p:attrName>style.visibility</p:attrName>
+                                        </p:attrNameLst>
+                                      </p:cBhvr>
+                                      <p:to>
+                                        <p:strVal val="hidden"/>
+                                      </p:to>
+                                    </p:set>
+                                  </p:childTnLst>
+                                </p:cTn>
+                              </p:par>
+                            </p:childTnLst>
+                          </p:cTn>
+                        </p:par>
+                      </p:childTnLst>
+                    </p:cTn>
+                  </p:par>
+                </p:childTnLst>
+              </p:cTn>
+              <p:prevCondLst>
+                <p:cond evt="onPrev" delay="0">
+                  <p:tgtEl>
+                    <p:sldTgt/>
+                  </p:tgtEl>
+                </p:cond>
+              </p:prevCondLst>
+              <p:nextCondLst>
+                <p:cond evt="onNext" delay="0">
+                  <p:tgtEl>
+                    <p:sldTgt/>
+                  </p:tgtEl>
+                </p:cond>
+              </p:nextCondLst>
+            </p:seq>
+          </p:childTnLst>
+        </p:cTn>
+      </p:par>
+    </p:tnLst>
+    <p:bldLst>
+      <p:bldP spid="125" grpId="0" uiExpand="1" build="p"/>
+      <p:bldP spid="4" grpId="0" uiExpand="1"/>
+      <p:bldP spid="4" grpId="1"/>
+    </p:bldLst>
+  </p:timing>
+</p:sld>
+</file>
+
+<file path=ppt/slides/slide19.xml><?xml version="1.0" encoding="utf-8"?>
+<p:sld xmlns:a="http://schemas.openxmlformats.org/drawingml/2006/main" xmlns:r="http://schemas.openxmlformats.org/officeDocument/2006/relationships" xmlns:p="http://schemas.openxmlformats.org/presentationml/2006/main">
+  <p:cSld>
+    <p:spTree>
+      <p:nvGrpSpPr>
         <p:cNvPr id="1" name="Shape 135"/>
         <p:cNvGrpSpPr/>
         <p:nvPr/>
@@ -12408,6 +17328,7 @@
                 <a:highlight>
                   <a:srgbClr val="FFCD00"/>
                 </a:highlight>
+                <a:hlinkClick r:id="rId3"/>
               </a:rPr>
               <a:t>Demonstration</a:t>
             </a:r>
@@ -12459,7 +17380,7 @@
             </a:r>
             <a:r>
               <a:rPr lang="en-US" dirty="0">
-                <a:hlinkClick r:id="rId3"/>
+                <a:hlinkClick r:id="rId4"/>
               </a:rPr>
               <a:t>https://git.io/JkqYK</a:t>
             </a:r>
@@ -12573,7 +17494,7 @@
             </a:pPr>
             <a:fld id="{00000000-1234-1234-1234-123412341234}" type="slidenum">
               <a:rPr lang="en"/>
-              <a:t>16</a:t>
+              <a:t>19</a:t>
             </a:fld>
             <a:endParaRPr/>
           </a:p>
@@ -12939,7 +17860,378 @@
 </p:sld>
 </file>
 
-<file path=ppt/slides/slide17.xml><?xml version="1.0" encoding="utf-8"?>
+<file path=ppt/slides/slide2.xml><?xml version="1.0" encoding="utf-8"?>
+<p:sld xmlns:a="http://schemas.openxmlformats.org/drawingml/2006/main" xmlns:r="http://schemas.openxmlformats.org/officeDocument/2006/relationships" xmlns:p="http://schemas.openxmlformats.org/presentationml/2006/main">
+  <p:cSld>
+    <p:spTree>
+      <p:nvGrpSpPr>
+        <p:cNvPr id="1" name="Shape 99"/>
+        <p:cNvGrpSpPr/>
+        <p:nvPr/>
+      </p:nvGrpSpPr>
+      <p:grpSpPr>
+        <a:xfrm>
+          <a:off x="0" y="0"/>
+          <a:ext cx="0" cy="0"/>
+          <a:chOff x="0" y="0"/>
+          <a:chExt cx="0" cy="0"/>
+        </a:xfrm>
+      </p:grpSpPr>
+      <p:sp>
+        <p:nvSpPr>
+          <p:cNvPr id="100" name="Google Shape;100;p14"/>
+          <p:cNvSpPr txBox="1">
+            <a:spLocks noGrp="1"/>
+          </p:cNvSpPr>
+          <p:nvPr>
+            <p:ph type="subTitle" idx="4294967295"/>
+          </p:nvPr>
+        </p:nvSpPr>
+        <p:spPr>
+          <a:xfrm>
+            <a:off x="2371500" y="2093775"/>
+            <a:ext cx="5636644" cy="784800"/>
+          </a:xfrm>
+          <a:prstGeom prst="rect">
+            <a:avLst/>
+          </a:prstGeom>
+        </p:spPr>
+        <p:txBody>
+          <a:bodyPr spcFirstLastPara="1" wrap="square" lIns="91425" tIns="91425" rIns="91425" bIns="91425" anchor="t" anchorCtr="0">
+            <a:noAutofit/>
+          </a:bodyPr>
+          <a:lstStyle/>
+          <a:p>
+            <a:pPr marL="0" lvl="0" indent="0" algn="l" rtl="0">
+              <a:spcBef>
+                <a:spcPts val="600"/>
+              </a:spcBef>
+              <a:spcAft>
+                <a:spcPts val="0"/>
+              </a:spcAft>
+              <a:buNone/>
+            </a:pPr>
+            <a:r>
+              <a:rPr lang="en" sz="3600" b="1" i="1" dirty="0">
+                <a:latin typeface="Lora"/>
+                <a:ea typeface="Lora"/>
+                <a:cs typeface="Lora"/>
+                <a:sym typeface="Lora"/>
+              </a:rPr>
+              <a:t>I am </a:t>
+            </a:r>
+            <a:r>
+              <a:rPr lang="en" sz="3600" b="1" i="1" dirty="0">
+                <a:highlight>
+                  <a:srgbClr val="FFCD00"/>
+                </a:highlight>
+                <a:latin typeface="Lora"/>
+                <a:ea typeface="Lora"/>
+                <a:cs typeface="Lora"/>
+                <a:sym typeface="Lora"/>
+              </a:rPr>
+              <a:t>Elad Zlotnick</a:t>
+            </a:r>
+            <a:endParaRPr sz="3600" b="1" i="1" dirty="0">
+              <a:highlight>
+                <a:srgbClr val="FFCD00"/>
+              </a:highlight>
+              <a:latin typeface="Lora"/>
+              <a:ea typeface="Lora"/>
+              <a:cs typeface="Lora"/>
+              <a:sym typeface="Lora"/>
+            </a:endParaRPr>
+          </a:p>
+          <a:p>
+            <a:pPr marL="0" lvl="0" indent="0" algn="l" rtl="0">
+              <a:spcBef>
+                <a:spcPts val="600"/>
+              </a:spcBef>
+              <a:spcAft>
+                <a:spcPts val="0"/>
+              </a:spcAft>
+              <a:buClr>
+                <a:schemeClr val="dk1"/>
+              </a:buClr>
+              <a:buSzPts val="1100"/>
+              <a:buFont typeface="Arial"/>
+              <a:buNone/>
+            </a:pPr>
+            <a:r>
+              <a:rPr lang="en" sz="1800" dirty="0">
+                <a:solidFill>
+                  <a:schemeClr val="dk1"/>
+                </a:solidFill>
+              </a:rPr>
+              <a:t>You can contact me at </a:t>
+            </a:r>
+            <a:r>
+              <a:rPr lang="en" sz="1800" dirty="0">
+                <a:solidFill>
+                  <a:schemeClr val="dk1"/>
+                </a:solidFill>
+                <a:highlight>
+                  <a:srgbClr val="FFCD00"/>
+                </a:highlight>
+              </a:rPr>
+              <a:t>elad.zlotnick@mail.huij.ac.il</a:t>
+            </a:r>
+            <a:endParaRPr sz="1800" dirty="0">
+              <a:solidFill>
+                <a:schemeClr val="dk1"/>
+              </a:solidFill>
+              <a:highlight>
+                <a:srgbClr val="FFCD00"/>
+              </a:highlight>
+            </a:endParaRPr>
+          </a:p>
+          <a:p>
+            <a:pPr marL="0" lvl="0" indent="0" algn="l" rtl="0">
+              <a:spcBef>
+                <a:spcPts val="600"/>
+              </a:spcBef>
+              <a:spcAft>
+                <a:spcPts val="0"/>
+              </a:spcAft>
+              <a:buNone/>
+            </a:pPr>
+            <a:endParaRPr b="1" dirty="0"/>
+          </a:p>
+        </p:txBody>
+      </p:sp>
+      <p:cxnSp>
+        <p:nvCxnSpPr>
+          <p:cNvPr id="101" name="Google Shape;101;p14"/>
+          <p:cNvCxnSpPr/>
+          <p:nvPr/>
+        </p:nvCxnSpPr>
+        <p:spPr>
+          <a:xfrm>
+            <a:off x="6450" y="1428750"/>
+            <a:ext cx="2397300" cy="0"/>
+          </a:xfrm>
+          <a:prstGeom prst="straightConnector1">
+            <a:avLst/>
+          </a:prstGeom>
+          <a:noFill/>
+          <a:ln w="9525" cap="flat" cmpd="sng">
+            <a:solidFill>
+              <a:srgbClr val="CCCCCC"/>
+            </a:solidFill>
+            <a:prstDash val="solid"/>
+            <a:round/>
+            <a:headEnd type="none" w="med" len="med"/>
+            <a:tailEnd type="none" w="med" len="med"/>
+          </a:ln>
+        </p:spPr>
+      </p:cxnSp>
+      <p:pic>
+        <p:nvPicPr>
+          <p:cNvPr id="102" name="Google Shape;102;p14"/>
+          <p:cNvPicPr preferRelativeResize="0">
+            <a:picLocks noChangeAspect="1"/>
+          </p:cNvPicPr>
+          <p:nvPr/>
+        </p:nvPicPr>
+        <p:blipFill>
+          <a:blip r:embed="rId3"/>
+          <a:srcRect/>
+          <a:stretch/>
+        </p:blipFill>
+        <p:spPr>
+          <a:xfrm>
+            <a:off x="414913" y="654750"/>
+            <a:ext cx="1548000" cy="1548000"/>
+          </a:xfrm>
+          <a:prstGeom prst="ellipse">
+            <a:avLst/>
+          </a:prstGeom>
+          <a:noFill/>
+          <a:ln>
+            <a:noFill/>
+          </a:ln>
+        </p:spPr>
+      </p:pic>
+      <p:sp>
+        <p:nvSpPr>
+          <p:cNvPr id="103" name="Google Shape;103;p14"/>
+          <p:cNvSpPr txBox="1">
+            <a:spLocks noGrp="1"/>
+          </p:cNvSpPr>
+          <p:nvPr>
+            <p:ph type="ctrTitle" idx="4294967295"/>
+          </p:nvPr>
+        </p:nvSpPr>
+        <p:spPr>
+          <a:xfrm>
+            <a:off x="2371625" y="816550"/>
+            <a:ext cx="4908000" cy="1159800"/>
+          </a:xfrm>
+          <a:prstGeom prst="rect">
+            <a:avLst/>
+          </a:prstGeom>
+        </p:spPr>
+        <p:txBody>
+          <a:bodyPr spcFirstLastPara="1" wrap="square" lIns="91425" tIns="91425" rIns="91425" bIns="91425" anchor="ctr" anchorCtr="0">
+            <a:noAutofit/>
+          </a:bodyPr>
+          <a:lstStyle/>
+          <a:p>
+            <a:pPr marL="0" lvl="0" indent="0" algn="l" rtl="0">
+              <a:spcBef>
+                <a:spcPts val="0"/>
+              </a:spcBef>
+              <a:spcAft>
+                <a:spcPts val="0"/>
+              </a:spcAft>
+              <a:buNone/>
+            </a:pPr>
+            <a:r>
+              <a:rPr lang="en" sz="6000"/>
+              <a:t>Hello!</a:t>
+            </a:r>
+            <a:endParaRPr sz="6000"/>
+          </a:p>
+        </p:txBody>
+      </p:sp>
+      <p:cxnSp>
+        <p:nvCxnSpPr>
+          <p:cNvPr id="104" name="Google Shape;104;p14"/>
+          <p:cNvCxnSpPr/>
+          <p:nvPr/>
+        </p:nvCxnSpPr>
+        <p:spPr>
+          <a:xfrm>
+            <a:off x="4738400" y="1428750"/>
+            <a:ext cx="4405500" cy="0"/>
+          </a:xfrm>
+          <a:prstGeom prst="straightConnector1">
+            <a:avLst/>
+          </a:prstGeom>
+          <a:noFill/>
+          <a:ln w="9525" cap="flat" cmpd="sng">
+            <a:solidFill>
+              <a:srgbClr val="CCCCCC"/>
+            </a:solidFill>
+            <a:prstDash val="solid"/>
+            <a:round/>
+            <a:headEnd type="none" w="med" len="med"/>
+            <a:tailEnd type="none" w="med" len="med"/>
+          </a:ln>
+        </p:spPr>
+      </p:cxnSp>
+      <p:sp>
+        <p:nvSpPr>
+          <p:cNvPr id="105" name="Google Shape;105;p14"/>
+          <p:cNvSpPr txBox="1">
+            <a:spLocks noGrp="1"/>
+          </p:cNvSpPr>
+          <p:nvPr>
+            <p:ph type="sldNum" idx="12"/>
+          </p:nvPr>
+        </p:nvSpPr>
+        <p:spPr>
+          <a:xfrm>
+            <a:off x="8543227" y="4749851"/>
+            <a:ext cx="548700" cy="393600"/>
+          </a:xfrm>
+          <a:prstGeom prst="rect">
+            <a:avLst/>
+          </a:prstGeom>
+        </p:spPr>
+        <p:txBody>
+          <a:bodyPr spcFirstLastPara="1" wrap="square" lIns="91425" tIns="91425" rIns="91425" bIns="91425" anchor="t" anchorCtr="0">
+            <a:noAutofit/>
+          </a:bodyPr>
+          <a:lstStyle/>
+          <a:p>
+            <a:pPr marL="0" lvl="0" indent="0" algn="r" rtl="0">
+              <a:spcBef>
+                <a:spcPts val="0"/>
+              </a:spcBef>
+              <a:spcAft>
+                <a:spcPts val="0"/>
+              </a:spcAft>
+              <a:buNone/>
+            </a:pPr>
+            <a:fld id="{00000000-1234-1234-1234-123412341234}" type="slidenum">
+              <a:rPr lang="en"/>
+              <a:t>2</a:t>
+            </a:fld>
+            <a:endParaRPr/>
+          </a:p>
+        </p:txBody>
+      </p:sp>
+      <p:sp>
+        <p:nvSpPr>
+          <p:cNvPr id="2" name="Google Shape;426;p38">
+            <a:extLst>
+              <a:ext uri="{FF2B5EF4-FFF2-40B4-BE49-F238E27FC236}">
+                <a16:creationId xmlns:a16="http://schemas.microsoft.com/office/drawing/2014/main" id="{A4A7CE00-6593-4C28-97ED-2D806BD85286}"/>
+              </a:ext>
+            </a:extLst>
+          </p:cNvPr>
+          <p:cNvSpPr/>
+          <p:nvPr/>
+        </p:nvSpPr>
+        <p:spPr>
+          <a:xfrm>
+            <a:off x="5650" y="4707750"/>
+            <a:ext cx="9144000" cy="435600"/>
+          </a:xfrm>
+          <a:prstGeom prst="rect">
+            <a:avLst/>
+          </a:prstGeom>
+          <a:solidFill>
+            <a:srgbClr val="FFCD00"/>
+          </a:solidFill>
+          <a:ln>
+            <a:noFill/>
+          </a:ln>
+        </p:spPr>
+        <p:txBody>
+          <a:bodyPr spcFirstLastPara="1" wrap="square" lIns="91425" tIns="91425" rIns="91425" bIns="91425" anchor="ctr" anchorCtr="0">
+            <a:noAutofit/>
+          </a:bodyPr>
+          <a:lstStyle/>
+          <a:p>
+            <a:pPr marL="0" lvl="0" indent="0" algn="ctr" rtl="0">
+              <a:spcBef>
+                <a:spcPts val="0"/>
+              </a:spcBef>
+              <a:spcAft>
+                <a:spcPts val="0"/>
+              </a:spcAft>
+              <a:buNone/>
+            </a:pPr>
+            <a:r>
+              <a:rPr lang="en-US" i="1" dirty="0">
+                <a:latin typeface="Lora" panose="020B0604020202020204" charset="0"/>
+              </a:rPr>
+              <a:t>This presentation along with accompanying source code can be found at </a:t>
+            </a:r>
+            <a:r>
+              <a:rPr lang="en-US" i="1" dirty="0">
+                <a:latin typeface="Lora" panose="020B0604020202020204" charset="0"/>
+                <a:hlinkClick r:id="rId4"/>
+              </a:rPr>
+              <a:t>https://git.io/JkqYK</a:t>
+            </a:r>
+            <a:endParaRPr i="1" dirty="0">
+              <a:latin typeface="Lora" panose="020B0604020202020204" charset="0"/>
+            </a:endParaRPr>
+          </a:p>
+        </p:txBody>
+      </p:sp>
+    </p:spTree>
+  </p:cSld>
+  <p:clrMapOvr>
+    <a:masterClrMapping/>
+  </p:clrMapOvr>
+</p:sld>
+</file>
+
+<file path=ppt/slides/slide20.xml><?xml version="1.0" encoding="utf-8"?>
 <p:sld xmlns:a="http://schemas.openxmlformats.org/drawingml/2006/main" xmlns:r="http://schemas.openxmlformats.org/officeDocument/2006/relationships" xmlns:p="http://schemas.openxmlformats.org/presentationml/2006/main">
   <p:cSld>
     <p:spTree>
@@ -13716,7 +19008,7 @@
             </a:pPr>
             <a:fld id="{00000000-1234-1234-1234-123412341234}" type="slidenum">
               <a:rPr lang="en"/>
-              <a:t>17</a:t>
+              <a:t>20</a:t>
             </a:fld>
             <a:endParaRPr/>
           </a:p>
@@ -13964,7 +19256,954 @@
 </p:sld>
 </file>
 
-<file path=ppt/slides/slide18.xml><?xml version="1.0" encoding="utf-8"?>
+<file path=ppt/slides/slide21.xml><?xml version="1.0" encoding="utf-8"?>
+<p:sld xmlns:a="http://schemas.openxmlformats.org/drawingml/2006/main" xmlns:r="http://schemas.openxmlformats.org/officeDocument/2006/relationships" xmlns:p="http://schemas.openxmlformats.org/presentationml/2006/main">
+  <p:cSld>
+    <p:spTree>
+      <p:nvGrpSpPr>
+        <p:cNvPr id="1" name="Shape 123"/>
+        <p:cNvGrpSpPr/>
+        <p:nvPr/>
+      </p:nvGrpSpPr>
+      <p:grpSpPr>
+        <a:xfrm>
+          <a:off x="0" y="0"/>
+          <a:ext cx="0" cy="0"/>
+          <a:chOff x="0" y="0"/>
+          <a:chExt cx="0" cy="0"/>
+        </a:xfrm>
+      </p:grpSpPr>
+      <p:sp>
+        <p:nvSpPr>
+          <p:cNvPr id="124" name="Google Shape;124;p17"/>
+          <p:cNvSpPr txBox="1">
+            <a:spLocks noGrp="1"/>
+          </p:cNvSpPr>
+          <p:nvPr>
+            <p:ph type="title"/>
+          </p:nvPr>
+        </p:nvSpPr>
+        <p:spPr>
+          <a:xfrm>
+            <a:off x="1381250" y="922668"/>
+            <a:ext cx="3878400" cy="435600"/>
+          </a:xfrm>
+          <a:prstGeom prst="rect">
+            <a:avLst/>
+          </a:prstGeom>
+        </p:spPr>
+        <p:txBody>
+          <a:bodyPr spcFirstLastPara="1" wrap="square" lIns="91425" tIns="91425" rIns="91425" bIns="91425" anchor="ctr" anchorCtr="0">
+            <a:noAutofit/>
+          </a:bodyPr>
+          <a:lstStyle/>
+          <a:p>
+            <a:pPr marL="0" lvl="0" indent="0" algn="l" rtl="0">
+              <a:spcBef>
+                <a:spcPts val="0"/>
+              </a:spcBef>
+              <a:spcAft>
+                <a:spcPts val="0"/>
+              </a:spcAft>
+              <a:buNone/>
+            </a:pPr>
+            <a:r>
+              <a:rPr lang="en-US" dirty="0"/>
+              <a:t>Getting help</a:t>
+            </a:r>
+            <a:endParaRPr dirty="0"/>
+          </a:p>
+        </p:txBody>
+      </p:sp>
+      <p:sp>
+        <p:nvSpPr>
+          <p:cNvPr id="125" name="Google Shape;125;p17"/>
+          <p:cNvSpPr txBox="1">
+            <a:spLocks noGrp="1"/>
+          </p:cNvSpPr>
+          <p:nvPr>
+            <p:ph type="body" idx="1"/>
+          </p:nvPr>
+        </p:nvSpPr>
+        <p:spPr>
+          <a:xfrm>
+            <a:off x="1381250" y="1616470"/>
+            <a:ext cx="6809700" cy="3112200"/>
+          </a:xfrm>
+          <a:prstGeom prst="rect">
+            <a:avLst/>
+          </a:prstGeom>
+        </p:spPr>
+        <p:txBody>
+          <a:bodyPr spcFirstLastPara="1" wrap="square" lIns="91425" tIns="91425" rIns="91425" bIns="91425" anchor="t" anchorCtr="0">
+            <a:noAutofit/>
+          </a:bodyPr>
+          <a:lstStyle/>
+          <a:p>
+            <a:pPr marL="457200" lvl="0" indent="-381000" algn="l" rtl="0">
+              <a:spcBef>
+                <a:spcPts val="600"/>
+              </a:spcBef>
+              <a:spcAft>
+                <a:spcPts val="0"/>
+              </a:spcAft>
+              <a:buSzPts val="2400"/>
+              <a:buChar char="◉"/>
+            </a:pPr>
+            <a:r>
+              <a:rPr lang="en-US" dirty="0">
+                <a:hlinkClick r:id="rId3"/>
+              </a:rPr>
+              <a:t>Documentation</a:t>
+            </a:r>
+            <a:endParaRPr lang="en-US" dirty="0"/>
+          </a:p>
+          <a:p>
+            <a:pPr marL="457200" lvl="0" indent="-381000" algn="l" rtl="0">
+              <a:spcBef>
+                <a:spcPts val="600"/>
+              </a:spcBef>
+              <a:spcAft>
+                <a:spcPts val="0"/>
+              </a:spcAft>
+              <a:buSzPts val="2400"/>
+              <a:buChar char="◉"/>
+            </a:pPr>
+            <a:r>
+              <a:rPr lang="en-US" dirty="0">
+                <a:hlinkClick r:id="rId4"/>
+              </a:rPr>
+              <a:t>Google group</a:t>
+            </a:r>
+            <a:endParaRPr lang="en-US" dirty="0"/>
+          </a:p>
+          <a:p>
+            <a:pPr marL="457200" lvl="0" indent="-381000" algn="l" rtl="0">
+              <a:spcBef>
+                <a:spcPts val="600"/>
+              </a:spcBef>
+              <a:spcAft>
+                <a:spcPts val="0"/>
+              </a:spcAft>
+              <a:buSzPts val="2400"/>
+              <a:buChar char="◉"/>
+            </a:pPr>
+            <a:r>
+              <a:rPr lang="en-US" dirty="0">
+                <a:hlinkClick r:id="rId5"/>
+              </a:rPr>
+              <a:t>Blog</a:t>
+            </a:r>
+            <a:endParaRPr lang="en-US" dirty="0"/>
+          </a:p>
+        </p:txBody>
+      </p:sp>
+      <p:grpSp>
+        <p:nvGrpSpPr>
+          <p:cNvPr id="126" name="Google Shape;126;p17"/>
+          <p:cNvGrpSpPr/>
+          <p:nvPr/>
+        </p:nvGrpSpPr>
+        <p:grpSpPr>
+          <a:xfrm>
+            <a:off x="916458" y="1019750"/>
+            <a:ext cx="214625" cy="214625"/>
+            <a:chOff x="2594050" y="1631825"/>
+            <a:chExt cx="439625" cy="439625"/>
+          </a:xfrm>
+        </p:grpSpPr>
+        <p:sp>
+          <p:nvSpPr>
+            <p:cNvPr id="127" name="Google Shape;127;p17"/>
+            <p:cNvSpPr/>
+            <p:nvPr/>
+          </p:nvSpPr>
+          <p:spPr>
+            <a:xfrm>
+              <a:off x="2594050" y="1883300"/>
+              <a:ext cx="188175" cy="188150"/>
+            </a:xfrm>
+            <a:custGeom>
+              <a:avLst/>
+              <a:gdLst/>
+              <a:ahLst/>
+              <a:cxnLst/>
+              <a:rect l="l" t="t" r="r" b="b"/>
+              <a:pathLst>
+                <a:path w="7527" h="7526" fill="none" extrusionOk="0">
+                  <a:moveTo>
+                    <a:pt x="5992" y="0"/>
+                  </a:moveTo>
+                  <a:lnTo>
+                    <a:pt x="537" y="6430"/>
+                  </a:lnTo>
+                  <a:lnTo>
+                    <a:pt x="1" y="7526"/>
+                  </a:lnTo>
+                  <a:lnTo>
+                    <a:pt x="1097" y="6990"/>
+                  </a:lnTo>
+                  <a:lnTo>
+                    <a:pt x="7526" y="1534"/>
+                  </a:lnTo>
+                  <a:lnTo>
+                    <a:pt x="5992" y="0"/>
+                  </a:lnTo>
+                  <a:close/>
+                </a:path>
+              </a:pathLst>
+            </a:custGeom>
+            <a:noFill/>
+            <a:ln w="9525" cap="rnd" cmpd="sng">
+              <a:solidFill>
+                <a:srgbClr val="000000"/>
+              </a:solidFill>
+              <a:prstDash val="solid"/>
+              <a:round/>
+              <a:headEnd type="none" w="sm" len="sm"/>
+              <a:tailEnd type="none" w="sm" len="sm"/>
+            </a:ln>
+          </p:spPr>
+          <p:txBody>
+            <a:bodyPr spcFirstLastPara="1" wrap="square" lIns="91425" tIns="91425" rIns="91425" bIns="91425" anchor="ctr" anchorCtr="0">
+              <a:noAutofit/>
+            </a:bodyPr>
+            <a:lstStyle/>
+            <a:p>
+              <a:pPr marL="0" lvl="0" indent="0" algn="l" rtl="0">
+                <a:spcBef>
+                  <a:spcPts val="0"/>
+                </a:spcBef>
+                <a:spcAft>
+                  <a:spcPts val="0"/>
+                </a:spcAft>
+                <a:buNone/>
+              </a:pPr>
+              <a:endParaRPr/>
+            </a:p>
+          </p:txBody>
+        </p:sp>
+        <p:sp>
+          <p:nvSpPr>
+            <p:cNvPr id="128" name="Google Shape;128;p17"/>
+            <p:cNvSpPr/>
+            <p:nvPr/>
+          </p:nvSpPr>
+          <p:spPr>
+            <a:xfrm>
+              <a:off x="2857700" y="1631825"/>
+              <a:ext cx="175975" cy="176000"/>
+            </a:xfrm>
+            <a:custGeom>
+              <a:avLst/>
+              <a:gdLst/>
+              <a:ahLst/>
+              <a:cxnLst/>
+              <a:rect l="l" t="t" r="r" b="b"/>
+              <a:pathLst>
+                <a:path w="7039" h="7040" fill="none" extrusionOk="0">
+                  <a:moveTo>
+                    <a:pt x="268" y="2704"/>
+                  </a:moveTo>
+                  <a:lnTo>
+                    <a:pt x="4336" y="6771"/>
+                  </a:lnTo>
+                  <a:lnTo>
+                    <a:pt x="4336" y="6771"/>
+                  </a:lnTo>
+                  <a:lnTo>
+                    <a:pt x="4336" y="6771"/>
+                  </a:lnTo>
+                  <a:lnTo>
+                    <a:pt x="4652" y="6917"/>
+                  </a:lnTo>
+                  <a:lnTo>
+                    <a:pt x="4993" y="7015"/>
+                  </a:lnTo>
+                  <a:lnTo>
+                    <a:pt x="5310" y="7039"/>
+                  </a:lnTo>
+                  <a:lnTo>
+                    <a:pt x="5651" y="7039"/>
+                  </a:lnTo>
+                  <a:lnTo>
+                    <a:pt x="5992" y="6966"/>
+                  </a:lnTo>
+                  <a:lnTo>
+                    <a:pt x="6308" y="6844"/>
+                  </a:lnTo>
+                  <a:lnTo>
+                    <a:pt x="6454" y="6747"/>
+                  </a:lnTo>
+                  <a:lnTo>
+                    <a:pt x="6601" y="6674"/>
+                  </a:lnTo>
+                  <a:lnTo>
+                    <a:pt x="6747" y="6552"/>
+                  </a:lnTo>
+                  <a:lnTo>
+                    <a:pt x="6893" y="6430"/>
+                  </a:lnTo>
+                  <a:lnTo>
+                    <a:pt x="6893" y="6430"/>
+                  </a:lnTo>
+                  <a:lnTo>
+                    <a:pt x="6942" y="6357"/>
+                  </a:lnTo>
+                  <a:lnTo>
+                    <a:pt x="7015" y="6260"/>
+                  </a:lnTo>
+                  <a:lnTo>
+                    <a:pt x="7039" y="6138"/>
+                  </a:lnTo>
+                  <a:lnTo>
+                    <a:pt x="7039" y="6041"/>
+                  </a:lnTo>
+                  <a:lnTo>
+                    <a:pt x="7039" y="6041"/>
+                  </a:lnTo>
+                  <a:lnTo>
+                    <a:pt x="7039" y="5943"/>
+                  </a:lnTo>
+                  <a:lnTo>
+                    <a:pt x="7015" y="5846"/>
+                  </a:lnTo>
+                  <a:lnTo>
+                    <a:pt x="6942" y="5748"/>
+                  </a:lnTo>
+                  <a:lnTo>
+                    <a:pt x="6893" y="5651"/>
+                  </a:lnTo>
+                  <a:lnTo>
+                    <a:pt x="1389" y="147"/>
+                  </a:lnTo>
+                  <a:lnTo>
+                    <a:pt x="1389" y="147"/>
+                  </a:lnTo>
+                  <a:lnTo>
+                    <a:pt x="1291" y="98"/>
+                  </a:lnTo>
+                  <a:lnTo>
+                    <a:pt x="1194" y="25"/>
+                  </a:lnTo>
+                  <a:lnTo>
+                    <a:pt x="1096" y="0"/>
+                  </a:lnTo>
+                  <a:lnTo>
+                    <a:pt x="999" y="0"/>
+                  </a:lnTo>
+                  <a:lnTo>
+                    <a:pt x="999" y="0"/>
+                  </a:lnTo>
+                  <a:lnTo>
+                    <a:pt x="902" y="0"/>
+                  </a:lnTo>
+                  <a:lnTo>
+                    <a:pt x="780" y="25"/>
+                  </a:lnTo>
+                  <a:lnTo>
+                    <a:pt x="682" y="98"/>
+                  </a:lnTo>
+                  <a:lnTo>
+                    <a:pt x="609" y="147"/>
+                  </a:lnTo>
+                  <a:lnTo>
+                    <a:pt x="609" y="147"/>
+                  </a:lnTo>
+                  <a:lnTo>
+                    <a:pt x="487" y="293"/>
+                  </a:lnTo>
+                  <a:lnTo>
+                    <a:pt x="366" y="439"/>
+                  </a:lnTo>
+                  <a:lnTo>
+                    <a:pt x="293" y="585"/>
+                  </a:lnTo>
+                  <a:lnTo>
+                    <a:pt x="195" y="731"/>
+                  </a:lnTo>
+                  <a:lnTo>
+                    <a:pt x="73" y="1048"/>
+                  </a:lnTo>
+                  <a:lnTo>
+                    <a:pt x="0" y="1389"/>
+                  </a:lnTo>
+                  <a:lnTo>
+                    <a:pt x="0" y="1730"/>
+                  </a:lnTo>
+                  <a:lnTo>
+                    <a:pt x="25" y="2046"/>
+                  </a:lnTo>
+                  <a:lnTo>
+                    <a:pt x="122" y="2387"/>
+                  </a:lnTo>
+                  <a:lnTo>
+                    <a:pt x="268" y="2704"/>
+                  </a:lnTo>
+                  <a:lnTo>
+                    <a:pt x="268" y="2704"/>
+                  </a:lnTo>
+                  <a:close/>
+                </a:path>
+              </a:pathLst>
+            </a:custGeom>
+            <a:noFill/>
+            <a:ln w="9525" cap="rnd" cmpd="sng">
+              <a:solidFill>
+                <a:srgbClr val="000000"/>
+              </a:solidFill>
+              <a:prstDash val="solid"/>
+              <a:round/>
+              <a:headEnd type="none" w="sm" len="sm"/>
+              <a:tailEnd type="none" w="sm" len="sm"/>
+            </a:ln>
+          </p:spPr>
+          <p:txBody>
+            <a:bodyPr spcFirstLastPara="1" wrap="square" lIns="91425" tIns="91425" rIns="91425" bIns="91425" anchor="ctr" anchorCtr="0">
+              <a:noAutofit/>
+            </a:bodyPr>
+            <a:lstStyle/>
+            <a:p>
+              <a:pPr marL="0" lvl="0" indent="0" algn="l" rtl="0">
+                <a:spcBef>
+                  <a:spcPts val="0"/>
+                </a:spcBef>
+                <a:spcAft>
+                  <a:spcPts val="0"/>
+                </a:spcAft>
+                <a:buNone/>
+              </a:pPr>
+              <a:endParaRPr/>
+            </a:p>
+          </p:txBody>
+        </p:sp>
+        <p:sp>
+          <p:nvSpPr>
+            <p:cNvPr id="129" name="Google Shape;129;p17"/>
+            <p:cNvSpPr/>
+            <p:nvPr/>
+          </p:nvSpPr>
+          <p:spPr>
+            <a:xfrm>
+              <a:off x="2662850" y="1699400"/>
+              <a:ext cx="303250" cy="303250"/>
+            </a:xfrm>
+            <a:custGeom>
+              <a:avLst/>
+              <a:gdLst/>
+              <a:ahLst/>
+              <a:cxnLst/>
+              <a:rect l="l" t="t" r="r" b="b"/>
+              <a:pathLst>
+                <a:path w="12130" h="12130" fill="none" extrusionOk="0">
+                  <a:moveTo>
+                    <a:pt x="8038" y="1"/>
+                  </a:moveTo>
+                  <a:lnTo>
+                    <a:pt x="4872" y="3191"/>
+                  </a:lnTo>
+                  <a:lnTo>
+                    <a:pt x="4872" y="3191"/>
+                  </a:lnTo>
+                  <a:lnTo>
+                    <a:pt x="4628" y="3094"/>
+                  </a:lnTo>
+                  <a:lnTo>
+                    <a:pt x="4385" y="2997"/>
+                  </a:lnTo>
+                  <a:lnTo>
+                    <a:pt x="4092" y="2899"/>
+                  </a:lnTo>
+                  <a:lnTo>
+                    <a:pt x="3800" y="2850"/>
+                  </a:lnTo>
+                  <a:lnTo>
+                    <a:pt x="3484" y="2777"/>
+                  </a:lnTo>
+                  <a:lnTo>
+                    <a:pt x="3167" y="2729"/>
+                  </a:lnTo>
+                  <a:lnTo>
+                    <a:pt x="2850" y="2704"/>
+                  </a:lnTo>
+                  <a:lnTo>
+                    <a:pt x="2534" y="2704"/>
+                  </a:lnTo>
+                  <a:lnTo>
+                    <a:pt x="2534" y="2704"/>
+                  </a:lnTo>
+                  <a:lnTo>
+                    <a:pt x="2241" y="2704"/>
+                  </a:lnTo>
+                  <a:lnTo>
+                    <a:pt x="1949" y="2729"/>
+                  </a:lnTo>
+                  <a:lnTo>
+                    <a:pt x="1633" y="2777"/>
+                  </a:lnTo>
+                  <a:lnTo>
+                    <a:pt x="1316" y="2850"/>
+                  </a:lnTo>
+                  <a:lnTo>
+                    <a:pt x="999" y="2972"/>
+                  </a:lnTo>
+                  <a:lnTo>
+                    <a:pt x="707" y="3094"/>
+                  </a:lnTo>
+                  <a:lnTo>
+                    <a:pt x="415" y="3289"/>
+                  </a:lnTo>
+                  <a:lnTo>
+                    <a:pt x="147" y="3508"/>
+                  </a:lnTo>
+                  <a:lnTo>
+                    <a:pt x="147" y="3508"/>
+                  </a:lnTo>
+                  <a:lnTo>
+                    <a:pt x="74" y="3581"/>
+                  </a:lnTo>
+                  <a:lnTo>
+                    <a:pt x="25" y="3678"/>
+                  </a:lnTo>
+                  <a:lnTo>
+                    <a:pt x="1" y="3776"/>
+                  </a:lnTo>
+                  <a:lnTo>
+                    <a:pt x="1" y="3898"/>
+                  </a:lnTo>
+                  <a:lnTo>
+                    <a:pt x="1" y="3898"/>
+                  </a:lnTo>
+                  <a:lnTo>
+                    <a:pt x="1" y="3995"/>
+                  </a:lnTo>
+                  <a:lnTo>
+                    <a:pt x="25" y="4093"/>
+                  </a:lnTo>
+                  <a:lnTo>
+                    <a:pt x="74" y="4190"/>
+                  </a:lnTo>
+                  <a:lnTo>
+                    <a:pt x="147" y="4287"/>
+                  </a:lnTo>
+                  <a:lnTo>
+                    <a:pt x="7843" y="11984"/>
+                  </a:lnTo>
+                  <a:lnTo>
+                    <a:pt x="7843" y="11984"/>
+                  </a:lnTo>
+                  <a:lnTo>
+                    <a:pt x="7941" y="12057"/>
+                  </a:lnTo>
+                  <a:lnTo>
+                    <a:pt x="8038" y="12105"/>
+                  </a:lnTo>
+                  <a:lnTo>
+                    <a:pt x="8135" y="12130"/>
+                  </a:lnTo>
+                  <a:lnTo>
+                    <a:pt x="8233" y="12130"/>
+                  </a:lnTo>
+                  <a:lnTo>
+                    <a:pt x="8233" y="12130"/>
+                  </a:lnTo>
+                  <a:lnTo>
+                    <a:pt x="8355" y="12130"/>
+                  </a:lnTo>
+                  <a:lnTo>
+                    <a:pt x="8452" y="12105"/>
+                  </a:lnTo>
+                  <a:lnTo>
+                    <a:pt x="8549" y="12057"/>
+                  </a:lnTo>
+                  <a:lnTo>
+                    <a:pt x="8622" y="11984"/>
+                  </a:lnTo>
+                  <a:lnTo>
+                    <a:pt x="8622" y="11984"/>
+                  </a:lnTo>
+                  <a:lnTo>
+                    <a:pt x="8842" y="11716"/>
+                  </a:lnTo>
+                  <a:lnTo>
+                    <a:pt x="9036" y="11423"/>
+                  </a:lnTo>
+                  <a:lnTo>
+                    <a:pt x="9158" y="11131"/>
+                  </a:lnTo>
+                  <a:lnTo>
+                    <a:pt x="9280" y="10814"/>
+                  </a:lnTo>
+                  <a:lnTo>
+                    <a:pt x="9353" y="10498"/>
+                  </a:lnTo>
+                  <a:lnTo>
+                    <a:pt x="9402" y="10181"/>
+                  </a:lnTo>
+                  <a:lnTo>
+                    <a:pt x="9426" y="9889"/>
+                  </a:lnTo>
+                  <a:lnTo>
+                    <a:pt x="9426" y="9597"/>
+                  </a:lnTo>
+                  <a:lnTo>
+                    <a:pt x="9426" y="9597"/>
+                  </a:lnTo>
+                  <a:lnTo>
+                    <a:pt x="9426" y="9280"/>
+                  </a:lnTo>
+                  <a:lnTo>
+                    <a:pt x="9402" y="8964"/>
+                  </a:lnTo>
+                  <a:lnTo>
+                    <a:pt x="9353" y="8647"/>
+                  </a:lnTo>
+                  <a:lnTo>
+                    <a:pt x="9280" y="8330"/>
+                  </a:lnTo>
+                  <a:lnTo>
+                    <a:pt x="9231" y="8038"/>
+                  </a:lnTo>
+                  <a:lnTo>
+                    <a:pt x="9134" y="7746"/>
+                  </a:lnTo>
+                  <a:lnTo>
+                    <a:pt x="9036" y="7502"/>
+                  </a:lnTo>
+                  <a:lnTo>
+                    <a:pt x="8939" y="7259"/>
+                  </a:lnTo>
+                  <a:lnTo>
+                    <a:pt x="12130" y="4093"/>
+                  </a:lnTo>
+                </a:path>
+              </a:pathLst>
+            </a:custGeom>
+            <a:noFill/>
+            <a:ln w="9525" cap="rnd" cmpd="sng">
+              <a:solidFill>
+                <a:srgbClr val="000000"/>
+              </a:solidFill>
+              <a:prstDash val="solid"/>
+              <a:round/>
+              <a:headEnd type="none" w="sm" len="sm"/>
+              <a:tailEnd type="none" w="sm" len="sm"/>
+            </a:ln>
+          </p:spPr>
+          <p:txBody>
+            <a:bodyPr spcFirstLastPara="1" wrap="square" lIns="91425" tIns="91425" rIns="91425" bIns="91425" anchor="ctr" anchorCtr="0">
+              <a:noAutofit/>
+            </a:bodyPr>
+            <a:lstStyle/>
+            <a:p>
+              <a:pPr marL="0" lvl="0" indent="0" algn="l" rtl="0">
+                <a:spcBef>
+                  <a:spcPts val="0"/>
+                </a:spcBef>
+                <a:spcAft>
+                  <a:spcPts val="0"/>
+                </a:spcAft>
+                <a:buNone/>
+              </a:pPr>
+              <a:endParaRPr/>
+            </a:p>
+          </p:txBody>
+        </p:sp>
+        <p:sp>
+          <p:nvSpPr>
+            <p:cNvPr id="130" name="Google Shape;130;p17"/>
+            <p:cNvSpPr/>
+            <p:nvPr/>
+          </p:nvSpPr>
+          <p:spPr>
+            <a:xfrm>
+              <a:off x="2814912" y="1754062"/>
+              <a:ext cx="49950" cy="49950"/>
+            </a:xfrm>
+            <a:custGeom>
+              <a:avLst/>
+              <a:gdLst/>
+              <a:ahLst/>
+              <a:cxnLst/>
+              <a:rect l="l" t="t" r="r" b="b"/>
+              <a:pathLst>
+                <a:path w="1998" h="1998" fill="none" extrusionOk="0">
+                  <a:moveTo>
+                    <a:pt x="1" y="1997"/>
+                  </a:moveTo>
+                  <a:lnTo>
+                    <a:pt x="1998" y="0"/>
+                  </a:lnTo>
+                </a:path>
+              </a:pathLst>
+            </a:custGeom>
+            <a:noFill/>
+            <a:ln w="9525" cap="rnd" cmpd="sng">
+              <a:solidFill>
+                <a:srgbClr val="000000"/>
+              </a:solidFill>
+              <a:prstDash val="solid"/>
+              <a:round/>
+              <a:headEnd type="none" w="sm" len="sm"/>
+              <a:tailEnd type="none" w="sm" len="sm"/>
+            </a:ln>
+          </p:spPr>
+          <p:txBody>
+            <a:bodyPr spcFirstLastPara="1" wrap="square" lIns="91425" tIns="91425" rIns="91425" bIns="91425" anchor="ctr" anchorCtr="0">
+              <a:noAutofit/>
+            </a:bodyPr>
+            <a:lstStyle/>
+            <a:p>
+              <a:pPr marL="0" lvl="0" indent="0" algn="l" rtl="0">
+                <a:spcBef>
+                  <a:spcPts val="0"/>
+                </a:spcBef>
+                <a:spcAft>
+                  <a:spcPts val="0"/>
+                </a:spcAft>
+                <a:buNone/>
+              </a:pPr>
+              <a:endParaRPr/>
+            </a:p>
+          </p:txBody>
+        </p:sp>
+      </p:grpSp>
+      <p:sp>
+        <p:nvSpPr>
+          <p:cNvPr id="131" name="Google Shape;131;p17"/>
+          <p:cNvSpPr txBox="1">
+            <a:spLocks noGrp="1"/>
+          </p:cNvSpPr>
+          <p:nvPr>
+            <p:ph type="sldNum" idx="12"/>
+          </p:nvPr>
+        </p:nvSpPr>
+        <p:spPr>
+          <a:xfrm>
+            <a:off x="8543227" y="4749851"/>
+            <a:ext cx="548700" cy="393600"/>
+          </a:xfrm>
+          <a:prstGeom prst="rect">
+            <a:avLst/>
+          </a:prstGeom>
+        </p:spPr>
+        <p:txBody>
+          <a:bodyPr spcFirstLastPara="1" wrap="square" lIns="91425" tIns="91425" rIns="91425" bIns="91425" anchor="t" anchorCtr="0">
+            <a:noAutofit/>
+          </a:bodyPr>
+          <a:lstStyle/>
+          <a:p>
+            <a:pPr marL="0" lvl="0" indent="0" algn="r" rtl="0">
+              <a:spcBef>
+                <a:spcPts val="0"/>
+              </a:spcBef>
+              <a:spcAft>
+                <a:spcPts val="0"/>
+              </a:spcAft>
+              <a:buNone/>
+            </a:pPr>
+            <a:fld id="{00000000-1234-1234-1234-123412341234}" type="slidenum">
+              <a:rPr lang="en"/>
+              <a:t>21</a:t>
+            </a:fld>
+            <a:endParaRPr/>
+          </a:p>
+        </p:txBody>
+      </p:sp>
+    </p:spTree>
+    <p:extLst>
+      <p:ext uri="{BB962C8B-B14F-4D97-AF65-F5344CB8AC3E}">
+        <p14:creationId xmlns:p14="http://schemas.microsoft.com/office/powerpoint/2010/main" val="1261986037"/>
+      </p:ext>
+    </p:extLst>
+  </p:cSld>
+  <p:clrMapOvr>
+    <a:masterClrMapping/>
+  </p:clrMapOvr>
+  <p:timing>
+    <p:tnLst>
+      <p:par>
+        <p:cTn id="1" dur="indefinite" restart="never" nodeType="tmRoot">
+          <p:childTnLst>
+            <p:seq concurrent="1" nextAc="seek">
+              <p:cTn id="2" dur="indefinite" nodeType="mainSeq">
+                <p:childTnLst>
+                  <p:par>
+                    <p:cTn id="3" fill="hold">
+                      <p:stCondLst>
+                        <p:cond delay="indefinite"/>
+                      </p:stCondLst>
+                      <p:childTnLst>
+                        <p:par>
+                          <p:cTn id="4" fill="hold">
+                            <p:stCondLst>
+                              <p:cond delay="0"/>
+                            </p:stCondLst>
+                            <p:childTnLst>
+                              <p:par>
+                                <p:cTn id="5" presetID="1" presetClass="entr" presetSubtype="0" fill="hold" grpId="0" nodeType="clickEffect">
+                                  <p:stCondLst>
+                                    <p:cond delay="0"/>
+                                  </p:stCondLst>
+                                  <p:childTnLst>
+                                    <p:set>
+                                      <p:cBhvr>
+                                        <p:cTn id="6" dur="1" fill="hold">
+                                          <p:stCondLst>
+                                            <p:cond delay="0"/>
+                                          </p:stCondLst>
+                                        </p:cTn>
+                                        <p:tgtEl>
+                                          <p:spTgt spid="125">
+                                            <p:txEl>
+                                              <p:pRg st="0" end="0"/>
+                                            </p:txEl>
+                                          </p:spTgt>
+                                        </p:tgtEl>
+                                        <p:attrNameLst>
+                                          <p:attrName>style.visibility</p:attrName>
+                                        </p:attrNameLst>
+                                      </p:cBhvr>
+                                      <p:to>
+                                        <p:strVal val="visible"/>
+                                      </p:to>
+                                    </p:set>
+                                  </p:childTnLst>
+                                </p:cTn>
+                              </p:par>
+                            </p:childTnLst>
+                          </p:cTn>
+                        </p:par>
+                      </p:childTnLst>
+                    </p:cTn>
+                  </p:par>
+                  <p:par>
+                    <p:cTn id="7" fill="hold">
+                      <p:stCondLst>
+                        <p:cond delay="indefinite"/>
+                      </p:stCondLst>
+                      <p:childTnLst>
+                        <p:par>
+                          <p:cTn id="8" fill="hold">
+                            <p:stCondLst>
+                              <p:cond delay="0"/>
+                            </p:stCondLst>
+                            <p:childTnLst>
+                              <p:par>
+                                <p:cTn id="9" presetID="1" presetClass="entr" presetSubtype="0" fill="hold" grpId="0" nodeType="clickEffect">
+                                  <p:stCondLst>
+                                    <p:cond delay="0"/>
+                                  </p:stCondLst>
+                                  <p:childTnLst>
+                                    <p:set>
+                                      <p:cBhvr>
+                                        <p:cTn id="10" dur="1" fill="hold">
+                                          <p:stCondLst>
+                                            <p:cond delay="0"/>
+                                          </p:stCondLst>
+                                        </p:cTn>
+                                        <p:tgtEl>
+                                          <p:spTgt spid="125">
+                                            <p:txEl>
+                                              <p:pRg st="1" end="1"/>
+                                            </p:txEl>
+                                          </p:spTgt>
+                                        </p:tgtEl>
+                                        <p:attrNameLst>
+                                          <p:attrName>style.visibility</p:attrName>
+                                        </p:attrNameLst>
+                                      </p:cBhvr>
+                                      <p:to>
+                                        <p:strVal val="visible"/>
+                                      </p:to>
+                                    </p:set>
+                                  </p:childTnLst>
+                                </p:cTn>
+                              </p:par>
+                            </p:childTnLst>
+                          </p:cTn>
+                        </p:par>
+                      </p:childTnLst>
+                    </p:cTn>
+                  </p:par>
+                  <p:par>
+                    <p:cTn id="11" fill="hold">
+                      <p:stCondLst>
+                        <p:cond delay="indefinite"/>
+                      </p:stCondLst>
+                      <p:childTnLst>
+                        <p:par>
+                          <p:cTn id="12" fill="hold">
+                            <p:stCondLst>
+                              <p:cond delay="0"/>
+                            </p:stCondLst>
+                            <p:childTnLst>
+                              <p:par>
+                                <p:cTn id="13" presetID="1" presetClass="entr" presetSubtype="0" fill="hold" grpId="0" nodeType="clickEffect">
+                                  <p:stCondLst>
+                                    <p:cond delay="0"/>
+                                  </p:stCondLst>
+                                  <p:childTnLst>
+                                    <p:set>
+                                      <p:cBhvr>
+                                        <p:cTn id="14" dur="1" fill="hold">
+                                          <p:stCondLst>
+                                            <p:cond delay="0"/>
+                                          </p:stCondLst>
+                                        </p:cTn>
+                                        <p:tgtEl>
+                                          <p:spTgt spid="125">
+                                            <p:txEl>
+                                              <p:pRg st="2" end="2"/>
+                                            </p:txEl>
+                                          </p:spTgt>
+                                        </p:tgtEl>
+                                        <p:attrNameLst>
+                                          <p:attrName>style.visibility</p:attrName>
+                                        </p:attrNameLst>
+                                      </p:cBhvr>
+                                      <p:to>
+                                        <p:strVal val="visible"/>
+                                      </p:to>
+                                    </p:set>
+                                  </p:childTnLst>
+                                </p:cTn>
+                              </p:par>
+                            </p:childTnLst>
+                          </p:cTn>
+                        </p:par>
+                      </p:childTnLst>
+                    </p:cTn>
+                  </p:par>
+                </p:childTnLst>
+              </p:cTn>
+              <p:prevCondLst>
+                <p:cond evt="onPrev" delay="0">
+                  <p:tgtEl>
+                    <p:sldTgt/>
+                  </p:tgtEl>
+                </p:cond>
+              </p:prevCondLst>
+              <p:nextCondLst>
+                <p:cond evt="onNext" delay="0">
+                  <p:tgtEl>
+                    <p:sldTgt/>
+                  </p:tgtEl>
+                </p:cond>
+              </p:nextCondLst>
+            </p:seq>
+          </p:childTnLst>
+        </p:cTn>
+      </p:par>
+    </p:tnLst>
+    <p:bldLst>
+      <p:bldP spid="125" grpId="0" build="p"/>
+    </p:bldLst>
+  </p:timing>
+</p:sld>
+</file>
+
+<file path=ppt/slides/slide22.xml><?xml version="1.0" encoding="utf-8"?>
 <p:sld xmlns:a="http://schemas.openxmlformats.org/drawingml/2006/main" xmlns:r="http://schemas.openxmlformats.org/officeDocument/2006/relationships" xmlns:p="http://schemas.openxmlformats.org/presentationml/2006/main">
   <p:cSld>
     <p:spTree>
@@ -14941,380 +21180,9 @@
             </a:pPr>
             <a:fld id="{00000000-1234-1234-1234-123412341234}" type="slidenum">
               <a:rPr lang="en"/>
-              <a:t>18</a:t>
+              <a:t>22</a:t>
             </a:fld>
             <a:endParaRPr/>
-          </a:p>
-        </p:txBody>
-      </p:sp>
-    </p:spTree>
-  </p:cSld>
-  <p:clrMapOvr>
-    <a:masterClrMapping/>
-  </p:clrMapOvr>
-</p:sld>
-</file>
-
-<file path=ppt/slides/slide2.xml><?xml version="1.0" encoding="utf-8"?>
-<p:sld xmlns:a="http://schemas.openxmlformats.org/drawingml/2006/main" xmlns:r="http://schemas.openxmlformats.org/officeDocument/2006/relationships" xmlns:p="http://schemas.openxmlformats.org/presentationml/2006/main">
-  <p:cSld>
-    <p:spTree>
-      <p:nvGrpSpPr>
-        <p:cNvPr id="1" name="Shape 99"/>
-        <p:cNvGrpSpPr/>
-        <p:nvPr/>
-      </p:nvGrpSpPr>
-      <p:grpSpPr>
-        <a:xfrm>
-          <a:off x="0" y="0"/>
-          <a:ext cx="0" cy="0"/>
-          <a:chOff x="0" y="0"/>
-          <a:chExt cx="0" cy="0"/>
-        </a:xfrm>
-      </p:grpSpPr>
-      <p:sp>
-        <p:nvSpPr>
-          <p:cNvPr id="100" name="Google Shape;100;p14"/>
-          <p:cNvSpPr txBox="1">
-            <a:spLocks noGrp="1"/>
-          </p:cNvSpPr>
-          <p:nvPr>
-            <p:ph type="subTitle" idx="4294967295"/>
-          </p:nvPr>
-        </p:nvSpPr>
-        <p:spPr>
-          <a:xfrm>
-            <a:off x="2371500" y="2093775"/>
-            <a:ext cx="5636644" cy="784800"/>
-          </a:xfrm>
-          <a:prstGeom prst="rect">
-            <a:avLst/>
-          </a:prstGeom>
-        </p:spPr>
-        <p:txBody>
-          <a:bodyPr spcFirstLastPara="1" wrap="square" lIns="91425" tIns="91425" rIns="91425" bIns="91425" anchor="t" anchorCtr="0">
-            <a:noAutofit/>
-          </a:bodyPr>
-          <a:lstStyle/>
-          <a:p>
-            <a:pPr marL="0" lvl="0" indent="0" algn="l" rtl="0">
-              <a:spcBef>
-                <a:spcPts val="600"/>
-              </a:spcBef>
-              <a:spcAft>
-                <a:spcPts val="0"/>
-              </a:spcAft>
-              <a:buNone/>
-            </a:pPr>
-            <a:r>
-              <a:rPr lang="en" sz="3600" b="1" i="1" dirty="0">
-                <a:latin typeface="Lora"/>
-                <a:ea typeface="Lora"/>
-                <a:cs typeface="Lora"/>
-                <a:sym typeface="Lora"/>
-              </a:rPr>
-              <a:t>I am </a:t>
-            </a:r>
-            <a:r>
-              <a:rPr lang="en" sz="3600" b="1" i="1" dirty="0">
-                <a:highlight>
-                  <a:srgbClr val="FFCD00"/>
-                </a:highlight>
-                <a:latin typeface="Lora"/>
-                <a:ea typeface="Lora"/>
-                <a:cs typeface="Lora"/>
-                <a:sym typeface="Lora"/>
-              </a:rPr>
-              <a:t>Elad Zlotnick</a:t>
-            </a:r>
-            <a:endParaRPr sz="3600" b="1" i="1" dirty="0">
-              <a:highlight>
-                <a:srgbClr val="FFCD00"/>
-              </a:highlight>
-              <a:latin typeface="Lora"/>
-              <a:ea typeface="Lora"/>
-              <a:cs typeface="Lora"/>
-              <a:sym typeface="Lora"/>
-            </a:endParaRPr>
-          </a:p>
-          <a:p>
-            <a:pPr marL="0" lvl="0" indent="0" algn="l" rtl="0">
-              <a:spcBef>
-                <a:spcPts val="600"/>
-              </a:spcBef>
-              <a:spcAft>
-                <a:spcPts val="0"/>
-              </a:spcAft>
-              <a:buClr>
-                <a:schemeClr val="dk1"/>
-              </a:buClr>
-              <a:buSzPts val="1100"/>
-              <a:buFont typeface="Arial"/>
-              <a:buNone/>
-            </a:pPr>
-            <a:r>
-              <a:rPr lang="en" sz="1800" dirty="0">
-                <a:solidFill>
-                  <a:schemeClr val="dk1"/>
-                </a:solidFill>
-              </a:rPr>
-              <a:t>You can contact me at </a:t>
-            </a:r>
-            <a:r>
-              <a:rPr lang="en" sz="1800" dirty="0">
-                <a:solidFill>
-                  <a:schemeClr val="dk1"/>
-                </a:solidFill>
-                <a:highlight>
-                  <a:srgbClr val="FFCD00"/>
-                </a:highlight>
-              </a:rPr>
-              <a:t>elad.zlotnick@mail.huij.ac.il</a:t>
-            </a:r>
-            <a:endParaRPr sz="1800" dirty="0">
-              <a:solidFill>
-                <a:schemeClr val="dk1"/>
-              </a:solidFill>
-              <a:highlight>
-                <a:srgbClr val="FFCD00"/>
-              </a:highlight>
-            </a:endParaRPr>
-          </a:p>
-          <a:p>
-            <a:pPr marL="0" lvl="0" indent="0" algn="l" rtl="0">
-              <a:spcBef>
-                <a:spcPts val="600"/>
-              </a:spcBef>
-              <a:spcAft>
-                <a:spcPts val="0"/>
-              </a:spcAft>
-              <a:buNone/>
-            </a:pPr>
-            <a:endParaRPr b="1" dirty="0"/>
-          </a:p>
-        </p:txBody>
-      </p:sp>
-      <p:cxnSp>
-        <p:nvCxnSpPr>
-          <p:cNvPr id="101" name="Google Shape;101;p14"/>
-          <p:cNvCxnSpPr/>
-          <p:nvPr/>
-        </p:nvCxnSpPr>
-        <p:spPr>
-          <a:xfrm>
-            <a:off x="6450" y="1428750"/>
-            <a:ext cx="2397300" cy="0"/>
-          </a:xfrm>
-          <a:prstGeom prst="straightConnector1">
-            <a:avLst/>
-          </a:prstGeom>
-          <a:noFill/>
-          <a:ln w="9525" cap="flat" cmpd="sng">
-            <a:solidFill>
-              <a:srgbClr val="CCCCCC"/>
-            </a:solidFill>
-            <a:prstDash val="solid"/>
-            <a:round/>
-            <a:headEnd type="none" w="med" len="med"/>
-            <a:tailEnd type="none" w="med" len="med"/>
-          </a:ln>
-        </p:spPr>
-      </p:cxnSp>
-      <p:pic>
-        <p:nvPicPr>
-          <p:cNvPr id="102" name="Google Shape;102;p14"/>
-          <p:cNvPicPr preferRelativeResize="0">
-            <a:picLocks noChangeAspect="1"/>
-          </p:cNvPicPr>
-          <p:nvPr/>
-        </p:nvPicPr>
-        <p:blipFill>
-          <a:blip r:embed="rId3"/>
-          <a:srcRect/>
-          <a:stretch/>
-        </p:blipFill>
-        <p:spPr>
-          <a:xfrm>
-            <a:off x="414913" y="654750"/>
-            <a:ext cx="1548000" cy="1548000"/>
-          </a:xfrm>
-          <a:prstGeom prst="ellipse">
-            <a:avLst/>
-          </a:prstGeom>
-          <a:noFill/>
-          <a:ln>
-            <a:noFill/>
-          </a:ln>
-        </p:spPr>
-      </p:pic>
-      <p:sp>
-        <p:nvSpPr>
-          <p:cNvPr id="103" name="Google Shape;103;p14"/>
-          <p:cNvSpPr txBox="1">
-            <a:spLocks noGrp="1"/>
-          </p:cNvSpPr>
-          <p:nvPr>
-            <p:ph type="ctrTitle" idx="4294967295"/>
-          </p:nvPr>
-        </p:nvSpPr>
-        <p:spPr>
-          <a:xfrm>
-            <a:off x="2371625" y="816550"/>
-            <a:ext cx="4908000" cy="1159800"/>
-          </a:xfrm>
-          <a:prstGeom prst="rect">
-            <a:avLst/>
-          </a:prstGeom>
-        </p:spPr>
-        <p:txBody>
-          <a:bodyPr spcFirstLastPara="1" wrap="square" lIns="91425" tIns="91425" rIns="91425" bIns="91425" anchor="ctr" anchorCtr="0">
-            <a:noAutofit/>
-          </a:bodyPr>
-          <a:lstStyle/>
-          <a:p>
-            <a:pPr marL="0" lvl="0" indent="0" algn="l" rtl="0">
-              <a:spcBef>
-                <a:spcPts val="0"/>
-              </a:spcBef>
-              <a:spcAft>
-                <a:spcPts val="0"/>
-              </a:spcAft>
-              <a:buNone/>
-            </a:pPr>
-            <a:r>
-              <a:rPr lang="en" sz="6000"/>
-              <a:t>Hello!</a:t>
-            </a:r>
-            <a:endParaRPr sz="6000"/>
-          </a:p>
-        </p:txBody>
-      </p:sp>
-      <p:cxnSp>
-        <p:nvCxnSpPr>
-          <p:cNvPr id="104" name="Google Shape;104;p14"/>
-          <p:cNvCxnSpPr/>
-          <p:nvPr/>
-        </p:nvCxnSpPr>
-        <p:spPr>
-          <a:xfrm>
-            <a:off x="4738400" y="1428750"/>
-            <a:ext cx="4405500" cy="0"/>
-          </a:xfrm>
-          <a:prstGeom prst="straightConnector1">
-            <a:avLst/>
-          </a:prstGeom>
-          <a:noFill/>
-          <a:ln w="9525" cap="flat" cmpd="sng">
-            <a:solidFill>
-              <a:srgbClr val="CCCCCC"/>
-            </a:solidFill>
-            <a:prstDash val="solid"/>
-            <a:round/>
-            <a:headEnd type="none" w="med" len="med"/>
-            <a:tailEnd type="none" w="med" len="med"/>
-          </a:ln>
-        </p:spPr>
-      </p:cxnSp>
-      <p:sp>
-        <p:nvSpPr>
-          <p:cNvPr id="105" name="Google Shape;105;p14"/>
-          <p:cNvSpPr txBox="1">
-            <a:spLocks noGrp="1"/>
-          </p:cNvSpPr>
-          <p:nvPr>
-            <p:ph type="sldNum" idx="12"/>
-          </p:nvPr>
-        </p:nvSpPr>
-        <p:spPr>
-          <a:xfrm>
-            <a:off x="8543227" y="4749851"/>
-            <a:ext cx="548700" cy="393600"/>
-          </a:xfrm>
-          <a:prstGeom prst="rect">
-            <a:avLst/>
-          </a:prstGeom>
-        </p:spPr>
-        <p:txBody>
-          <a:bodyPr spcFirstLastPara="1" wrap="square" lIns="91425" tIns="91425" rIns="91425" bIns="91425" anchor="t" anchorCtr="0">
-            <a:noAutofit/>
-          </a:bodyPr>
-          <a:lstStyle/>
-          <a:p>
-            <a:pPr marL="0" lvl="0" indent="0" algn="r" rtl="0">
-              <a:spcBef>
-                <a:spcPts val="0"/>
-              </a:spcBef>
-              <a:spcAft>
-                <a:spcPts val="0"/>
-              </a:spcAft>
-              <a:buNone/>
-            </a:pPr>
-            <a:fld id="{00000000-1234-1234-1234-123412341234}" type="slidenum">
-              <a:rPr lang="en"/>
-              <a:t>2</a:t>
-            </a:fld>
-            <a:endParaRPr/>
-          </a:p>
-        </p:txBody>
-      </p:sp>
-      <p:sp>
-        <p:nvSpPr>
-          <p:cNvPr id="2" name="Google Shape;426;p38">
-            <a:extLst>
-              <a:ext uri="{FF2B5EF4-FFF2-40B4-BE49-F238E27FC236}">
-                <a16:creationId xmlns:a16="http://schemas.microsoft.com/office/drawing/2014/main" id="{A4A7CE00-6593-4C28-97ED-2D806BD85286}"/>
-              </a:ext>
-            </a:extLst>
-          </p:cNvPr>
-          <p:cNvSpPr/>
-          <p:nvPr/>
-        </p:nvSpPr>
-        <p:spPr>
-          <a:xfrm>
-            <a:off x="5650" y="4707750"/>
-            <a:ext cx="9144000" cy="435600"/>
-          </a:xfrm>
-          <a:prstGeom prst="rect">
-            <a:avLst/>
-          </a:prstGeom>
-          <a:solidFill>
-            <a:srgbClr val="FFCD00"/>
-          </a:solidFill>
-          <a:ln>
-            <a:noFill/>
-          </a:ln>
-        </p:spPr>
-        <p:txBody>
-          <a:bodyPr spcFirstLastPara="1" wrap="square" lIns="91425" tIns="91425" rIns="91425" bIns="91425" anchor="ctr" anchorCtr="0">
-            <a:noAutofit/>
-          </a:bodyPr>
-          <a:lstStyle/>
-          <a:p>
-            <a:pPr marL="0" lvl="0" indent="0" algn="ctr" rtl="0">
-              <a:spcBef>
-                <a:spcPts val="0"/>
-              </a:spcBef>
-              <a:spcAft>
-                <a:spcPts val="0"/>
-              </a:spcAft>
-              <a:buNone/>
-            </a:pPr>
-            <a:r>
-              <a:rPr lang="en-US" i="1" dirty="0">
-                <a:latin typeface="Lora" panose="020B0604020202020204" charset="0"/>
-              </a:rPr>
-              <a:t>This presentation along with accompanying source code can be found at </a:t>
-            </a:r>
-            <a:r>
-              <a:rPr lang="en-US" i="1" dirty="0">
-                <a:latin typeface="Lora" panose="020B0604020202020204" charset="0"/>
-                <a:hlinkClick r:id="rId4"/>
-              </a:rPr>
-              <a:t>https://git.io/JkqYK</a:t>
-            </a:r>
-            <a:endParaRPr i="1" dirty="0">
-              <a:latin typeface="Lora" panose="020B0604020202020204" charset="0"/>
-            </a:endParaRPr>
           </a:p>
         </p:txBody>
       </p:sp>
@@ -16127,6 +21995,284 @@
   <p:clrMapOvr>
     <a:masterClrMapping/>
   </p:clrMapOvr>
+  <p:timing>
+    <p:tnLst>
+      <p:par>
+        <p:cTn id="1" dur="indefinite" restart="never" nodeType="tmRoot">
+          <p:childTnLst>
+            <p:seq concurrent="1" nextAc="seek">
+              <p:cTn id="2" dur="indefinite" nodeType="mainSeq">
+                <p:childTnLst>
+                  <p:par>
+                    <p:cTn id="3" fill="hold">
+                      <p:stCondLst>
+                        <p:cond delay="indefinite"/>
+                      </p:stCondLst>
+                      <p:childTnLst>
+                        <p:par>
+                          <p:cTn id="4" fill="hold">
+                            <p:stCondLst>
+                              <p:cond delay="0"/>
+                            </p:stCondLst>
+                            <p:childTnLst>
+                              <p:par>
+                                <p:cTn id="5" presetID="1" presetClass="entr" presetSubtype="0" fill="hold" grpId="0" nodeType="clickEffect">
+                                  <p:stCondLst>
+                                    <p:cond delay="0"/>
+                                  </p:stCondLst>
+                                  <p:childTnLst>
+                                    <p:set>
+                                      <p:cBhvr>
+                                        <p:cTn id="6" dur="1" fill="hold">
+                                          <p:stCondLst>
+                                            <p:cond delay="0"/>
+                                          </p:stCondLst>
+                                        </p:cTn>
+                                        <p:tgtEl>
+                                          <p:spTgt spid="3">
+                                            <p:txEl>
+                                              <p:pRg st="0" end="0"/>
+                                            </p:txEl>
+                                          </p:spTgt>
+                                        </p:tgtEl>
+                                        <p:attrNameLst>
+                                          <p:attrName>style.visibility</p:attrName>
+                                        </p:attrNameLst>
+                                      </p:cBhvr>
+                                      <p:to>
+                                        <p:strVal val="visible"/>
+                                      </p:to>
+                                    </p:set>
+                                  </p:childTnLst>
+                                </p:cTn>
+                              </p:par>
+                            </p:childTnLst>
+                          </p:cTn>
+                        </p:par>
+                      </p:childTnLst>
+                    </p:cTn>
+                  </p:par>
+                  <p:par>
+                    <p:cTn id="7" fill="hold">
+                      <p:stCondLst>
+                        <p:cond delay="indefinite"/>
+                      </p:stCondLst>
+                      <p:childTnLst>
+                        <p:par>
+                          <p:cTn id="8" fill="hold">
+                            <p:stCondLst>
+                              <p:cond delay="0"/>
+                            </p:stCondLst>
+                            <p:childTnLst>
+                              <p:par>
+                                <p:cTn id="9" presetID="1" presetClass="entr" presetSubtype="0" fill="hold" grpId="0" nodeType="clickEffect">
+                                  <p:stCondLst>
+                                    <p:cond delay="0"/>
+                                  </p:stCondLst>
+                                  <p:childTnLst>
+                                    <p:set>
+                                      <p:cBhvr>
+                                        <p:cTn id="10" dur="1" fill="hold">
+                                          <p:stCondLst>
+                                            <p:cond delay="0"/>
+                                          </p:stCondLst>
+                                        </p:cTn>
+                                        <p:tgtEl>
+                                          <p:spTgt spid="3">
+                                            <p:txEl>
+                                              <p:pRg st="1" end="1"/>
+                                            </p:txEl>
+                                          </p:spTgt>
+                                        </p:tgtEl>
+                                        <p:attrNameLst>
+                                          <p:attrName>style.visibility</p:attrName>
+                                        </p:attrNameLst>
+                                      </p:cBhvr>
+                                      <p:to>
+                                        <p:strVal val="visible"/>
+                                      </p:to>
+                                    </p:set>
+                                  </p:childTnLst>
+                                </p:cTn>
+                              </p:par>
+                            </p:childTnLst>
+                          </p:cTn>
+                        </p:par>
+                      </p:childTnLst>
+                    </p:cTn>
+                  </p:par>
+                  <p:par>
+                    <p:cTn id="11" fill="hold">
+                      <p:stCondLst>
+                        <p:cond delay="indefinite"/>
+                      </p:stCondLst>
+                      <p:childTnLst>
+                        <p:par>
+                          <p:cTn id="12" fill="hold">
+                            <p:stCondLst>
+                              <p:cond delay="0"/>
+                            </p:stCondLst>
+                            <p:childTnLst>
+                              <p:par>
+                                <p:cTn id="13" presetID="1" presetClass="entr" presetSubtype="0" fill="hold" grpId="0" nodeType="clickEffect">
+                                  <p:stCondLst>
+                                    <p:cond delay="0"/>
+                                  </p:stCondLst>
+                                  <p:childTnLst>
+                                    <p:set>
+                                      <p:cBhvr>
+                                        <p:cTn id="14" dur="1" fill="hold">
+                                          <p:stCondLst>
+                                            <p:cond delay="0"/>
+                                          </p:stCondLst>
+                                        </p:cTn>
+                                        <p:tgtEl>
+                                          <p:spTgt spid="3">
+                                            <p:txEl>
+                                              <p:pRg st="2" end="2"/>
+                                            </p:txEl>
+                                          </p:spTgt>
+                                        </p:tgtEl>
+                                        <p:attrNameLst>
+                                          <p:attrName>style.visibility</p:attrName>
+                                        </p:attrNameLst>
+                                      </p:cBhvr>
+                                      <p:to>
+                                        <p:strVal val="visible"/>
+                                      </p:to>
+                                    </p:set>
+                                  </p:childTnLst>
+                                </p:cTn>
+                              </p:par>
+                            </p:childTnLst>
+                          </p:cTn>
+                        </p:par>
+                      </p:childTnLst>
+                    </p:cTn>
+                  </p:par>
+                  <p:par>
+                    <p:cTn id="15" fill="hold">
+                      <p:stCondLst>
+                        <p:cond delay="indefinite"/>
+                      </p:stCondLst>
+                      <p:childTnLst>
+                        <p:par>
+                          <p:cTn id="16" fill="hold">
+                            <p:stCondLst>
+                              <p:cond delay="0"/>
+                            </p:stCondLst>
+                            <p:childTnLst>
+                              <p:par>
+                                <p:cTn id="17" presetID="1" presetClass="entr" presetSubtype="0" fill="hold" grpId="0" nodeType="clickEffect">
+                                  <p:stCondLst>
+                                    <p:cond delay="0"/>
+                                  </p:stCondLst>
+                                  <p:childTnLst>
+                                    <p:set>
+                                      <p:cBhvr>
+                                        <p:cTn id="18" dur="1" fill="hold">
+                                          <p:stCondLst>
+                                            <p:cond delay="0"/>
+                                          </p:stCondLst>
+                                        </p:cTn>
+                                        <p:tgtEl>
+                                          <p:spTgt spid="3">
+                                            <p:txEl>
+                                              <p:pRg st="3" end="3"/>
+                                            </p:txEl>
+                                          </p:spTgt>
+                                        </p:tgtEl>
+                                        <p:attrNameLst>
+                                          <p:attrName>style.visibility</p:attrName>
+                                        </p:attrNameLst>
+                                      </p:cBhvr>
+                                      <p:to>
+                                        <p:strVal val="visible"/>
+                                      </p:to>
+                                    </p:set>
+                                  </p:childTnLst>
+                                </p:cTn>
+                              </p:par>
+                            </p:childTnLst>
+                          </p:cTn>
+                        </p:par>
+                      </p:childTnLst>
+                    </p:cTn>
+                  </p:par>
+                  <p:par>
+                    <p:cTn id="19" fill="hold">
+                      <p:stCondLst>
+                        <p:cond delay="indefinite"/>
+                      </p:stCondLst>
+                      <p:childTnLst>
+                        <p:par>
+                          <p:cTn id="20" fill="hold">
+                            <p:stCondLst>
+                              <p:cond delay="0"/>
+                            </p:stCondLst>
+                            <p:childTnLst>
+                              <p:par>
+                                <p:cTn id="21" presetID="1" presetClass="entr" presetSubtype="0" fill="hold" grpId="0" nodeType="clickEffect">
+                                  <p:stCondLst>
+                                    <p:cond delay="0"/>
+                                  </p:stCondLst>
+                                  <p:childTnLst>
+                                    <p:set>
+                                      <p:cBhvr>
+                                        <p:cTn id="22" dur="1" fill="hold">
+                                          <p:stCondLst>
+                                            <p:cond delay="0"/>
+                                          </p:stCondLst>
+                                        </p:cTn>
+                                        <p:tgtEl>
+                                          <p:spTgt spid="3">
+                                            <p:txEl>
+                                              <p:pRg st="4" end="4"/>
+                                            </p:txEl>
+                                          </p:spTgt>
+                                        </p:tgtEl>
+                                        <p:attrNameLst>
+                                          <p:attrName>style.visibility</p:attrName>
+                                        </p:attrNameLst>
+                                      </p:cBhvr>
+                                      <p:to>
+                                        <p:strVal val="visible"/>
+                                      </p:to>
+                                    </p:set>
+                                  </p:childTnLst>
+                                </p:cTn>
+                              </p:par>
+                            </p:childTnLst>
+                          </p:cTn>
+                        </p:par>
+                      </p:childTnLst>
+                    </p:cTn>
+                  </p:par>
+                </p:childTnLst>
+              </p:cTn>
+              <p:prevCondLst>
+                <p:cond evt="onPrev" delay="0">
+                  <p:tgtEl>
+                    <p:sldTgt/>
+                  </p:tgtEl>
+                </p:cond>
+              </p:prevCondLst>
+              <p:nextCondLst>
+                <p:cond evt="onNext" delay="0">
+                  <p:tgtEl>
+                    <p:sldTgt/>
+                  </p:tgtEl>
+                </p:cond>
+              </p:nextCondLst>
+            </p:seq>
+          </p:childTnLst>
+        </p:cTn>
+      </p:par>
+    </p:tnLst>
+    <p:bldLst>
+      <p:bldP spid="3" grpId="0" build="p"/>
+    </p:bldLst>
+  </p:timing>
 </p:sld>
 </file>
 
@@ -16236,7 +22382,7 @@
             <a:pPr marL="342900" indent="-342900"/>
             <a:r>
               <a:rPr lang="en-US" dirty="0"/>
-              <a:t>Data management</a:t>
+              <a:t>Infra-structure</a:t>
             </a:r>
           </a:p>
           <a:p>
@@ -16861,169 +23007,190 @@
           </a:p>
         </p:txBody>
       </p:sp>
-      <p:sp>
-        <p:nvSpPr>
-          <p:cNvPr id="10" name="Google Shape;312;p29">
+      <p:grpSp>
+        <p:nvGrpSpPr>
+          <p:cNvPr id="2" name="Group 1">
             <a:extLst>
               <a:ext uri="{FF2B5EF4-FFF2-40B4-BE49-F238E27FC236}">
-                <a16:creationId xmlns:a16="http://schemas.microsoft.com/office/drawing/2014/main" id="{A454A573-DA09-4C4D-9298-D39F4883E4F3}"/>
+                <a16:creationId xmlns:a16="http://schemas.microsoft.com/office/drawing/2014/main" id="{08BCE01E-B3BE-4F89-9C67-88CE709E40EC}"/>
               </a:ext>
             </a:extLst>
           </p:cNvPr>
-          <p:cNvSpPr/>
+          <p:cNvGrpSpPr/>
           <p:nvPr/>
-        </p:nvSpPr>
-        <p:spPr>
+        </p:nvGrpSpPr>
+        <p:grpSpPr>
           <a:xfrm>
-            <a:off x="1927764" y="3279507"/>
-            <a:ext cx="1685100" cy="1685100"/>
+            <a:off x="1927764" y="3178629"/>
+            <a:ext cx="5288472" cy="1785978"/>
+            <a:chOff x="1927764" y="3178629"/>
+            <a:chExt cx="5288472" cy="1785978"/>
           </a:xfrm>
-          <a:prstGeom prst="ellipse">
-            <a:avLst/>
-          </a:prstGeom>
-          <a:noFill/>
-          <a:ln w="114300" cap="flat" cmpd="sng">
-            <a:solidFill>
-              <a:schemeClr val="accent1"/>
-            </a:solidFill>
-            <a:prstDash val="solid"/>
-            <a:round/>
-            <a:headEnd type="none" w="sm" len="sm"/>
-            <a:tailEnd type="none" w="sm" len="sm"/>
-          </a:ln>
-        </p:spPr>
-        <p:txBody>
-          <a:bodyPr spcFirstLastPara="1" wrap="square" lIns="91425" tIns="91425" rIns="91425" bIns="91425" anchor="ctr" anchorCtr="0">
-            <a:noAutofit/>
-          </a:bodyPr>
-          <a:lstStyle/>
-          <a:p>
-            <a:pPr marL="0" lvl="0" indent="0" algn="ctr" rtl="0">
-              <a:spcBef>
-                <a:spcPts val="0"/>
-              </a:spcBef>
-              <a:spcAft>
-                <a:spcPts val="0"/>
-              </a:spcAft>
-              <a:buNone/>
-            </a:pPr>
-            <a:r>
-              <a:rPr lang="en" b="1" dirty="0">
+        </p:grpSpPr>
+        <p:sp>
+          <p:nvSpPr>
+            <p:cNvPr id="10" name="Google Shape;312;p29">
+              <a:extLst>
+                <a:ext uri="{FF2B5EF4-FFF2-40B4-BE49-F238E27FC236}">
+                  <a16:creationId xmlns:a16="http://schemas.microsoft.com/office/drawing/2014/main" id="{A454A573-DA09-4C4D-9298-D39F4883E4F3}"/>
+                </a:ext>
+              </a:extLst>
+            </p:cNvPr>
+            <p:cNvSpPr/>
+            <p:nvPr/>
+          </p:nvSpPr>
+          <p:spPr>
+            <a:xfrm>
+              <a:off x="1927764" y="3279507"/>
+              <a:ext cx="1685100" cy="1685100"/>
+            </a:xfrm>
+            <a:prstGeom prst="ellipse">
+              <a:avLst/>
+            </a:prstGeom>
+            <a:noFill/>
+            <a:ln w="114300" cap="flat" cmpd="sng">
+              <a:solidFill>
+                <a:schemeClr val="accent1"/>
+              </a:solidFill>
+              <a:prstDash val="solid"/>
+              <a:round/>
+              <a:headEnd type="none" w="sm" len="sm"/>
+              <a:tailEnd type="none" w="sm" len="sm"/>
+            </a:ln>
+          </p:spPr>
+          <p:txBody>
+            <a:bodyPr spcFirstLastPara="1" wrap="square" lIns="91425" tIns="91425" rIns="91425" bIns="91425" anchor="ctr" anchorCtr="0">
+              <a:noAutofit/>
+            </a:bodyPr>
+            <a:lstStyle/>
+            <a:p>
+              <a:pPr marL="0" lvl="0" indent="0" algn="ctr" rtl="0">
+                <a:spcBef>
+                  <a:spcPts val="0"/>
+                </a:spcBef>
+                <a:spcAft>
+                  <a:spcPts val="0"/>
+                </a:spcAft>
+                <a:buNone/>
+              </a:pPr>
+              <a:r>
+                <a:rPr lang="en" b="1" dirty="0">
+                  <a:latin typeface="Lora"/>
+                  <a:ea typeface="Lora"/>
+                  <a:cs typeface="Lora"/>
+                  <a:sym typeface="Lora"/>
+                </a:rPr>
+                <a:t>Easy to use</a:t>
+              </a:r>
+              <a:endParaRPr b="1" dirty="0">
                 <a:latin typeface="Lora"/>
                 <a:ea typeface="Lora"/>
                 <a:cs typeface="Lora"/>
                 <a:sym typeface="Lora"/>
-              </a:rPr>
-              <a:t>Easy to use</a:t>
-            </a:r>
-            <a:endParaRPr b="1" dirty="0">
-              <a:latin typeface="Lora"/>
-              <a:ea typeface="Lora"/>
-              <a:cs typeface="Lora"/>
-              <a:sym typeface="Lora"/>
-            </a:endParaRPr>
-          </a:p>
-        </p:txBody>
-      </p:sp>
-      <p:sp>
-        <p:nvSpPr>
-          <p:cNvPr id="11" name="Google Shape;314;p29">
-            <a:extLst>
-              <a:ext uri="{FF2B5EF4-FFF2-40B4-BE49-F238E27FC236}">
-                <a16:creationId xmlns:a16="http://schemas.microsoft.com/office/drawing/2014/main" id="{5D354778-5C81-47DE-B1DA-6EBFBA6E7611}"/>
-              </a:ext>
-            </a:extLst>
-          </p:cNvPr>
-          <p:cNvSpPr/>
-          <p:nvPr/>
-        </p:nvSpPr>
-        <p:spPr>
-          <a:xfrm>
-            <a:off x="5531136" y="3178629"/>
-            <a:ext cx="1685100" cy="1685100"/>
-          </a:xfrm>
-          <a:prstGeom prst="ellipse">
-            <a:avLst/>
-          </a:prstGeom>
-          <a:noFill/>
-          <a:ln w="114300" cap="flat" cmpd="sng">
-            <a:solidFill>
-              <a:schemeClr val="accent1"/>
-            </a:solidFill>
-            <a:prstDash val="solid"/>
-            <a:round/>
-            <a:headEnd type="none" w="sm" len="sm"/>
-            <a:tailEnd type="none" w="sm" len="sm"/>
-          </a:ln>
-        </p:spPr>
-        <p:txBody>
-          <a:bodyPr spcFirstLastPara="1" wrap="square" lIns="91425" tIns="91425" rIns="91425" bIns="91425" anchor="ctr" anchorCtr="0">
-            <a:noAutofit/>
-          </a:bodyPr>
-          <a:lstStyle/>
-          <a:p>
-            <a:pPr marL="0" lvl="0" indent="0" algn="ctr" rtl="0">
-              <a:spcBef>
-                <a:spcPts val="0"/>
-              </a:spcBef>
-              <a:spcAft>
-                <a:spcPts val="0"/>
-              </a:spcAft>
-              <a:buNone/>
-            </a:pPr>
-            <a:r>
-              <a:rPr lang="en" b="1" dirty="0">
+              </a:endParaRPr>
+            </a:p>
+          </p:txBody>
+        </p:sp>
+        <p:sp>
+          <p:nvSpPr>
+            <p:cNvPr id="11" name="Google Shape;314;p29">
+              <a:extLst>
+                <a:ext uri="{FF2B5EF4-FFF2-40B4-BE49-F238E27FC236}">
+                  <a16:creationId xmlns:a16="http://schemas.microsoft.com/office/drawing/2014/main" id="{5D354778-5C81-47DE-B1DA-6EBFBA6E7611}"/>
+                </a:ext>
+              </a:extLst>
+            </p:cNvPr>
+            <p:cNvSpPr/>
+            <p:nvPr/>
+          </p:nvSpPr>
+          <p:spPr>
+            <a:xfrm>
+              <a:off x="5531136" y="3178629"/>
+              <a:ext cx="1685100" cy="1685100"/>
+            </a:xfrm>
+            <a:prstGeom prst="ellipse">
+              <a:avLst/>
+            </a:prstGeom>
+            <a:noFill/>
+            <a:ln w="114300" cap="flat" cmpd="sng">
+              <a:solidFill>
+                <a:schemeClr val="accent1"/>
+              </a:solidFill>
+              <a:prstDash val="solid"/>
+              <a:round/>
+              <a:headEnd type="none" w="sm" len="sm"/>
+              <a:tailEnd type="none" w="sm" len="sm"/>
+            </a:ln>
+          </p:spPr>
+          <p:txBody>
+            <a:bodyPr spcFirstLastPara="1" wrap="square" lIns="91425" tIns="91425" rIns="91425" bIns="91425" anchor="ctr" anchorCtr="0">
+              <a:noAutofit/>
+            </a:bodyPr>
+            <a:lstStyle/>
+            <a:p>
+              <a:pPr marL="0" lvl="0" indent="0" algn="ctr" rtl="0">
+                <a:spcBef>
+                  <a:spcPts val="0"/>
+                </a:spcBef>
+                <a:spcAft>
+                  <a:spcPts val="0"/>
+                </a:spcAft>
+                <a:buNone/>
+              </a:pPr>
+              <a:r>
+                <a:rPr lang="en" b="1" dirty="0">
+                  <a:latin typeface="Lora"/>
+                  <a:ea typeface="Lora"/>
+                  <a:cs typeface="Lora"/>
+                  <a:sym typeface="Lora"/>
+                </a:rPr>
+                <a:t>Flexible</a:t>
+              </a:r>
+              <a:endParaRPr b="1" dirty="0">
                 <a:latin typeface="Lora"/>
                 <a:ea typeface="Lora"/>
                 <a:cs typeface="Lora"/>
                 <a:sym typeface="Lora"/>
-              </a:rPr>
-              <a:t>Flexible</a:t>
-            </a:r>
-            <a:endParaRPr b="1" dirty="0">
-              <a:latin typeface="Lora"/>
-              <a:ea typeface="Lora"/>
-              <a:cs typeface="Lora"/>
-              <a:sym typeface="Lora"/>
-            </a:endParaRPr>
-          </a:p>
-        </p:txBody>
-      </p:sp>
-      <p:cxnSp>
-        <p:nvCxnSpPr>
-          <p:cNvPr id="12" name="Google Shape;315;p29">
-            <a:extLst>
-              <a:ext uri="{FF2B5EF4-FFF2-40B4-BE49-F238E27FC236}">
-                <a16:creationId xmlns:a16="http://schemas.microsoft.com/office/drawing/2014/main" id="{75717883-348A-4ACA-A3F7-230D5A118C62}"/>
-              </a:ext>
-            </a:extLst>
-          </p:cNvPr>
-          <p:cNvCxnSpPr>
-            <a:cxnSpLocks/>
-            <a:endCxn id="11" idx="2"/>
-          </p:cNvCxnSpPr>
-          <p:nvPr/>
-        </p:nvCxnSpPr>
-        <p:spPr>
-          <a:xfrm>
-            <a:off x="3612864" y="4021179"/>
-            <a:ext cx="1918272" cy="0"/>
-          </a:xfrm>
-          <a:prstGeom prst="straightConnector1">
-            <a:avLst/>
-          </a:prstGeom>
-          <a:noFill/>
-          <a:ln w="38100" cap="flat" cmpd="sng">
-            <a:solidFill>
-              <a:schemeClr val="accent1"/>
-            </a:solidFill>
-            <a:prstDash val="solid"/>
-            <a:round/>
-            <a:headEnd type="none" w="sm" len="sm"/>
-            <a:tailEnd type="triangle" w="sm" len="sm"/>
-          </a:ln>
-        </p:spPr>
-      </p:cxnSp>
+              </a:endParaRPr>
+            </a:p>
+          </p:txBody>
+        </p:sp>
+        <p:cxnSp>
+          <p:nvCxnSpPr>
+            <p:cNvPr id="12" name="Google Shape;315;p29">
+              <a:extLst>
+                <a:ext uri="{FF2B5EF4-FFF2-40B4-BE49-F238E27FC236}">
+                  <a16:creationId xmlns:a16="http://schemas.microsoft.com/office/drawing/2014/main" id="{75717883-348A-4ACA-A3F7-230D5A118C62}"/>
+                </a:ext>
+              </a:extLst>
+            </p:cNvPr>
+            <p:cNvCxnSpPr>
+              <a:cxnSpLocks/>
+              <a:endCxn id="11" idx="2"/>
+            </p:cNvCxnSpPr>
+            <p:nvPr/>
+          </p:nvCxnSpPr>
+          <p:spPr>
+            <a:xfrm>
+              <a:off x="3612864" y="4021178"/>
+              <a:ext cx="1918273" cy="0"/>
+            </a:xfrm>
+            <a:prstGeom prst="straightConnector1">
+              <a:avLst/>
+            </a:prstGeom>
+            <a:noFill/>
+            <a:ln w="38100" cap="flat" cmpd="sng">
+              <a:solidFill>
+                <a:schemeClr val="accent1"/>
+              </a:solidFill>
+              <a:prstDash val="solid"/>
+              <a:round/>
+              <a:headEnd type="none" w="sm" len="sm"/>
+              <a:tailEnd type="triangle" w="sm" len="sm"/>
+            </a:ln>
+          </p:spPr>
+        </p:cxnSp>
+      </p:grpSp>
     </p:spTree>
     <p:extLst>
       <p:ext uri="{BB962C8B-B14F-4D97-AF65-F5344CB8AC3E}">
@@ -17034,6 +23201,213 @@
   <p:clrMapOvr>
     <a:masterClrMapping/>
   </p:clrMapOvr>
+  <p:timing>
+    <p:tnLst>
+      <p:par>
+        <p:cTn id="1" dur="indefinite" restart="never" nodeType="tmRoot">
+          <p:childTnLst>
+            <p:seq concurrent="1" nextAc="seek">
+              <p:cTn id="2" dur="indefinite" nodeType="mainSeq">
+                <p:childTnLst>
+                  <p:par>
+                    <p:cTn id="3" fill="hold">
+                      <p:stCondLst>
+                        <p:cond delay="indefinite"/>
+                      </p:stCondLst>
+                      <p:childTnLst>
+                        <p:par>
+                          <p:cTn id="4" fill="hold">
+                            <p:stCondLst>
+                              <p:cond delay="0"/>
+                            </p:stCondLst>
+                            <p:childTnLst>
+                              <p:par>
+                                <p:cTn id="5" presetID="1" presetClass="entr" presetSubtype="0" fill="hold" grpId="0" nodeType="clickEffect">
+                                  <p:stCondLst>
+                                    <p:cond delay="0"/>
+                                  </p:stCondLst>
+                                  <p:childTnLst>
+                                    <p:set>
+                                      <p:cBhvr>
+                                        <p:cTn id="6" dur="1" fill="hold">
+                                          <p:stCondLst>
+                                            <p:cond delay="0"/>
+                                          </p:stCondLst>
+                                        </p:cTn>
+                                        <p:tgtEl>
+                                          <p:spTgt spid="125">
+                                            <p:txEl>
+                                              <p:pRg st="0" end="0"/>
+                                            </p:txEl>
+                                          </p:spTgt>
+                                        </p:tgtEl>
+                                        <p:attrNameLst>
+                                          <p:attrName>style.visibility</p:attrName>
+                                        </p:attrNameLst>
+                                      </p:cBhvr>
+                                      <p:to>
+                                        <p:strVal val="visible"/>
+                                      </p:to>
+                                    </p:set>
+                                  </p:childTnLst>
+                                </p:cTn>
+                              </p:par>
+                            </p:childTnLst>
+                          </p:cTn>
+                        </p:par>
+                      </p:childTnLst>
+                    </p:cTn>
+                  </p:par>
+                  <p:par>
+                    <p:cTn id="7" fill="hold">
+                      <p:stCondLst>
+                        <p:cond delay="indefinite"/>
+                      </p:stCondLst>
+                      <p:childTnLst>
+                        <p:par>
+                          <p:cTn id="8" fill="hold">
+                            <p:stCondLst>
+                              <p:cond delay="0"/>
+                            </p:stCondLst>
+                            <p:childTnLst>
+                              <p:par>
+                                <p:cTn id="9" presetID="1" presetClass="entr" presetSubtype="0" fill="hold" grpId="0" nodeType="clickEffect">
+                                  <p:stCondLst>
+                                    <p:cond delay="0"/>
+                                  </p:stCondLst>
+                                  <p:childTnLst>
+                                    <p:set>
+                                      <p:cBhvr>
+                                        <p:cTn id="10" dur="1" fill="hold">
+                                          <p:stCondLst>
+                                            <p:cond delay="0"/>
+                                          </p:stCondLst>
+                                        </p:cTn>
+                                        <p:tgtEl>
+                                          <p:spTgt spid="125">
+                                            <p:txEl>
+                                              <p:pRg st="1" end="1"/>
+                                            </p:txEl>
+                                          </p:spTgt>
+                                        </p:tgtEl>
+                                        <p:attrNameLst>
+                                          <p:attrName>style.visibility</p:attrName>
+                                        </p:attrNameLst>
+                                      </p:cBhvr>
+                                      <p:to>
+                                        <p:strVal val="visible"/>
+                                      </p:to>
+                                    </p:set>
+                                  </p:childTnLst>
+                                </p:cTn>
+                              </p:par>
+                            </p:childTnLst>
+                          </p:cTn>
+                        </p:par>
+                      </p:childTnLst>
+                    </p:cTn>
+                  </p:par>
+                  <p:par>
+                    <p:cTn id="11" fill="hold">
+                      <p:stCondLst>
+                        <p:cond delay="indefinite"/>
+                      </p:stCondLst>
+                      <p:childTnLst>
+                        <p:par>
+                          <p:cTn id="12" fill="hold">
+                            <p:stCondLst>
+                              <p:cond delay="0"/>
+                            </p:stCondLst>
+                            <p:childTnLst>
+                              <p:par>
+                                <p:cTn id="13" presetID="1" presetClass="entr" presetSubtype="0" fill="hold" grpId="0" nodeType="clickEffect">
+                                  <p:stCondLst>
+                                    <p:cond delay="0"/>
+                                  </p:stCondLst>
+                                  <p:childTnLst>
+                                    <p:set>
+                                      <p:cBhvr>
+                                        <p:cTn id="14" dur="1" fill="hold">
+                                          <p:stCondLst>
+                                            <p:cond delay="0"/>
+                                          </p:stCondLst>
+                                        </p:cTn>
+                                        <p:tgtEl>
+                                          <p:spTgt spid="125">
+                                            <p:txEl>
+                                              <p:pRg st="2" end="2"/>
+                                            </p:txEl>
+                                          </p:spTgt>
+                                        </p:tgtEl>
+                                        <p:attrNameLst>
+                                          <p:attrName>style.visibility</p:attrName>
+                                        </p:attrNameLst>
+                                      </p:cBhvr>
+                                      <p:to>
+                                        <p:strVal val="visible"/>
+                                      </p:to>
+                                    </p:set>
+                                  </p:childTnLst>
+                                </p:cTn>
+                              </p:par>
+                              <p:par>
+                                <p:cTn id="15" presetID="1" presetClass="entr" presetSubtype="0" fill="hold" nodeType="withEffect">
+                                  <p:stCondLst>
+                                    <p:cond delay="0"/>
+                                  </p:stCondLst>
+                                  <p:childTnLst>
+                                    <p:set>
+                                      <p:cBhvr>
+                                        <p:cTn id="16" dur="1" fill="hold">
+                                          <p:stCondLst>
+                                            <p:cond delay="0"/>
+                                          </p:stCondLst>
+                                        </p:cTn>
+                                        <p:tgtEl>
+                                          <p:spTgt spid="2"/>
+                                        </p:tgtEl>
+                                        <p:attrNameLst>
+                                          <p:attrName>style.visibility</p:attrName>
+                                        </p:attrNameLst>
+                                      </p:cBhvr>
+                                      <p:to>
+                                        <p:strVal val="visible"/>
+                                      </p:to>
+                                    </p:set>
+                                  </p:childTnLst>
+                                </p:cTn>
+                              </p:par>
+                            </p:childTnLst>
+                          </p:cTn>
+                        </p:par>
+                      </p:childTnLst>
+                    </p:cTn>
+                  </p:par>
+                </p:childTnLst>
+              </p:cTn>
+              <p:prevCondLst>
+                <p:cond evt="onPrev" delay="0">
+                  <p:tgtEl>
+                    <p:sldTgt/>
+                  </p:tgtEl>
+                </p:cond>
+              </p:prevCondLst>
+              <p:nextCondLst>
+                <p:cond evt="onNext" delay="0">
+                  <p:tgtEl>
+                    <p:sldTgt/>
+                  </p:tgtEl>
+                </p:cond>
+              </p:nextCondLst>
+            </p:seq>
+          </p:childTnLst>
+        </p:cTn>
+      </p:par>
+    </p:tnLst>
+    <p:bldLst>
+      <p:bldP spid="125" grpId="0" build="p"/>
+    </p:bldLst>
+  </p:timing>
 </p:sld>
 </file>
 
